--- a/SpatialMicrosim.pptx
+++ b/SpatialMicrosim.pptx
@@ -4,9 +4,14 @@
   <p:sldMasterIdLst>
     <p:sldMasterId id="2147483648" r:id="rId1"/>
   </p:sldMasterIdLst>
+  <p:notesMasterIdLst>
+    <p:notesMasterId r:id="rId6"/>
+  </p:notesMasterIdLst>
   <p:sldIdLst>
     <p:sldId id="256" r:id="rId2"/>
-    <p:sldId id="257" r:id="rId3"/>
+    <p:sldId id="259" r:id="rId3"/>
+    <p:sldId id="258" r:id="rId4"/>
+    <p:sldId id="257" r:id="rId5"/>
   </p:sldIdLst>
   <p:sldSz cx="12192000" cy="6858000"/>
   <p:notesSz cx="6858000" cy="9144000"/>
@@ -105,7 +110,362 @@
       </a:defRPr>
     </a:lvl9pPr>
   </p:defaultTextStyle>
+  <p:extLst>
+    <p:ext uri="{EFAFB233-063F-42B5-8137-9DF3F51BA10A}">
+      <p15:sldGuideLst xmlns:p15="http://schemas.microsoft.com/office/powerpoint/2012/main"/>
+    </p:ext>
+  </p:extLst>
 </p:presentation>
+</file>
+
+<file path=ppt/notesMasters/notesMaster1.xml><?xml version="1.0" encoding="utf-8"?>
+<p:notesMaster xmlns:a="http://schemas.openxmlformats.org/drawingml/2006/main" xmlns:r="http://schemas.openxmlformats.org/officeDocument/2006/relationships" xmlns:p="http://schemas.openxmlformats.org/presentationml/2006/main">
+  <p:cSld>
+    <p:bg>
+      <p:bgRef idx="1001">
+        <a:schemeClr val="bg1"/>
+      </p:bgRef>
+    </p:bg>
+    <p:spTree>
+      <p:nvGrpSpPr>
+        <p:cNvPr id="1" name=""/>
+        <p:cNvGrpSpPr/>
+        <p:nvPr/>
+      </p:nvGrpSpPr>
+      <p:grpSpPr>
+        <a:xfrm>
+          <a:off x="0" y="0"/>
+          <a:ext cx="0" cy="0"/>
+          <a:chOff x="0" y="0"/>
+          <a:chExt cx="0" cy="0"/>
+        </a:xfrm>
+      </p:grpSpPr>
+      <p:sp>
+        <p:nvSpPr>
+          <p:cNvPr id="2" name="Header Placeholder 1"/>
+          <p:cNvSpPr>
+            <a:spLocks noGrp="1"/>
+          </p:cNvSpPr>
+          <p:nvPr>
+            <p:ph type="hdr" sz="quarter"/>
+          </p:nvPr>
+        </p:nvSpPr>
+        <p:spPr>
+          <a:xfrm>
+            <a:off x="0" y="0"/>
+            <a:ext cx="2971800" cy="458788"/>
+          </a:xfrm>
+          <a:prstGeom prst="rect">
+            <a:avLst/>
+          </a:prstGeom>
+        </p:spPr>
+        <p:txBody>
+          <a:bodyPr vert="horz" lIns="91440" tIns="45720" rIns="91440" bIns="45720" rtlCol="0"/>
+          <a:lstStyle>
+            <a:lvl1pPr algn="l">
+              <a:defRPr sz="1200"/>
+            </a:lvl1pPr>
+          </a:lstStyle>
+          <a:p>
+            <a:endParaRPr lang="en-GB"/>
+          </a:p>
+        </p:txBody>
+      </p:sp>
+      <p:sp>
+        <p:nvSpPr>
+          <p:cNvPr id="3" name="Date Placeholder 2"/>
+          <p:cNvSpPr>
+            <a:spLocks noGrp="1"/>
+          </p:cNvSpPr>
+          <p:nvPr>
+            <p:ph type="dt" idx="1"/>
+          </p:nvPr>
+        </p:nvSpPr>
+        <p:spPr>
+          <a:xfrm>
+            <a:off x="3884613" y="0"/>
+            <a:ext cx="2971800" cy="458788"/>
+          </a:xfrm>
+          <a:prstGeom prst="rect">
+            <a:avLst/>
+          </a:prstGeom>
+        </p:spPr>
+        <p:txBody>
+          <a:bodyPr vert="horz" lIns="91440" tIns="45720" rIns="91440" bIns="45720" rtlCol="0"/>
+          <a:lstStyle>
+            <a:lvl1pPr algn="r">
+              <a:defRPr sz="1200"/>
+            </a:lvl1pPr>
+          </a:lstStyle>
+          <a:p>
+            <a:fld id="{AED39172-2D21-7C4C-B63A-BE9E1135FD54}" type="datetimeFigureOut">
+              <a:rPr lang="en-GB" smtClean="0"/>
+              <a:t>18/10/2017</a:t>
+            </a:fld>
+            <a:endParaRPr lang="en-GB"/>
+          </a:p>
+        </p:txBody>
+      </p:sp>
+      <p:sp>
+        <p:nvSpPr>
+          <p:cNvPr id="4" name="Slide Image Placeholder 3"/>
+          <p:cNvSpPr>
+            <a:spLocks noGrp="1" noRot="1" noChangeAspect="1"/>
+          </p:cNvSpPr>
+          <p:nvPr>
+            <p:ph type="sldImg" idx="2"/>
+          </p:nvPr>
+        </p:nvSpPr>
+        <p:spPr>
+          <a:xfrm>
+            <a:off x="685800" y="1143000"/>
+            <a:ext cx="5486400" cy="3086100"/>
+          </a:xfrm>
+          <a:prstGeom prst="rect">
+            <a:avLst/>
+          </a:prstGeom>
+          <a:noFill/>
+          <a:ln w="12700">
+            <a:solidFill>
+              <a:prstClr val="black"/>
+            </a:solidFill>
+          </a:ln>
+        </p:spPr>
+        <p:txBody>
+          <a:bodyPr vert="horz" lIns="91440" tIns="45720" rIns="91440" bIns="45720" rtlCol="0" anchor="ctr"/>
+          <a:lstStyle/>
+          <a:p>
+            <a:endParaRPr lang="en-GB"/>
+          </a:p>
+        </p:txBody>
+      </p:sp>
+      <p:sp>
+        <p:nvSpPr>
+          <p:cNvPr id="5" name="Notes Placeholder 4"/>
+          <p:cNvSpPr>
+            <a:spLocks noGrp="1"/>
+          </p:cNvSpPr>
+          <p:nvPr>
+            <p:ph type="body" sz="quarter" idx="3"/>
+          </p:nvPr>
+        </p:nvSpPr>
+        <p:spPr>
+          <a:xfrm>
+            <a:off x="685800" y="4400550"/>
+            <a:ext cx="5486400" cy="3600450"/>
+          </a:xfrm>
+          <a:prstGeom prst="rect">
+            <a:avLst/>
+          </a:prstGeom>
+        </p:spPr>
+        <p:txBody>
+          <a:bodyPr vert="horz" lIns="91440" tIns="45720" rIns="91440" bIns="45720" rtlCol="0"/>
+          <a:lstStyle/>
+          <a:p>
+            <a:pPr lvl="0"/>
+            <a:r>
+              <a:rPr lang="en-US" smtClean="0"/>
+              <a:t>Click to edit Master text styles</a:t>
+            </a:r>
+          </a:p>
+          <a:p>
+            <a:pPr lvl="1"/>
+            <a:r>
+              <a:rPr lang="en-US" smtClean="0"/>
+              <a:t>Second level</a:t>
+            </a:r>
+          </a:p>
+          <a:p>
+            <a:pPr lvl="2"/>
+            <a:r>
+              <a:rPr lang="en-US" smtClean="0"/>
+              <a:t>Third level</a:t>
+            </a:r>
+          </a:p>
+          <a:p>
+            <a:pPr lvl="3"/>
+            <a:r>
+              <a:rPr lang="en-US" smtClean="0"/>
+              <a:t>Fourth level</a:t>
+            </a:r>
+          </a:p>
+          <a:p>
+            <a:pPr lvl="4"/>
+            <a:r>
+              <a:rPr lang="en-US" smtClean="0"/>
+              <a:t>Fifth level</a:t>
+            </a:r>
+            <a:endParaRPr lang="en-GB"/>
+          </a:p>
+        </p:txBody>
+      </p:sp>
+      <p:sp>
+        <p:nvSpPr>
+          <p:cNvPr id="6" name="Footer Placeholder 5"/>
+          <p:cNvSpPr>
+            <a:spLocks noGrp="1"/>
+          </p:cNvSpPr>
+          <p:nvPr>
+            <p:ph type="ftr" sz="quarter" idx="4"/>
+          </p:nvPr>
+        </p:nvSpPr>
+        <p:spPr>
+          <a:xfrm>
+            <a:off x="0" y="8685213"/>
+            <a:ext cx="2971800" cy="458787"/>
+          </a:xfrm>
+          <a:prstGeom prst="rect">
+            <a:avLst/>
+          </a:prstGeom>
+        </p:spPr>
+        <p:txBody>
+          <a:bodyPr vert="horz" lIns="91440" tIns="45720" rIns="91440" bIns="45720" rtlCol="0" anchor="b"/>
+          <a:lstStyle>
+            <a:lvl1pPr algn="l">
+              <a:defRPr sz="1200"/>
+            </a:lvl1pPr>
+          </a:lstStyle>
+          <a:p>
+            <a:endParaRPr lang="en-GB"/>
+          </a:p>
+        </p:txBody>
+      </p:sp>
+      <p:sp>
+        <p:nvSpPr>
+          <p:cNvPr id="7" name="Slide Number Placeholder 6"/>
+          <p:cNvSpPr>
+            <a:spLocks noGrp="1"/>
+          </p:cNvSpPr>
+          <p:nvPr>
+            <p:ph type="sldNum" sz="quarter" idx="5"/>
+          </p:nvPr>
+        </p:nvSpPr>
+        <p:spPr>
+          <a:xfrm>
+            <a:off x="3884613" y="8685213"/>
+            <a:ext cx="2971800" cy="458787"/>
+          </a:xfrm>
+          <a:prstGeom prst="rect">
+            <a:avLst/>
+          </a:prstGeom>
+        </p:spPr>
+        <p:txBody>
+          <a:bodyPr vert="horz" lIns="91440" tIns="45720" rIns="91440" bIns="45720" rtlCol="0" anchor="b"/>
+          <a:lstStyle>
+            <a:lvl1pPr algn="r">
+              <a:defRPr sz="1200"/>
+            </a:lvl1pPr>
+          </a:lstStyle>
+          <a:p>
+            <a:fld id="{09C6B0D3-8E17-5F4D-B5EE-F10EDDEA3629}" type="slidenum">
+              <a:rPr lang="en-GB" smtClean="0"/>
+              <a:t>‹#›</a:t>
+            </a:fld>
+            <a:endParaRPr lang="en-GB"/>
+          </a:p>
+        </p:txBody>
+      </p:sp>
+    </p:spTree>
+    <p:extLst>
+      <p:ext uri="{BB962C8B-B14F-4D97-AF65-F5344CB8AC3E}">
+        <p14:creationId xmlns:p14="http://schemas.microsoft.com/office/powerpoint/2010/main" val="1177369974"/>
+      </p:ext>
+    </p:extLst>
+  </p:cSld>
+  <p:clrMap bg1="lt1" tx1="dk1" bg2="lt2" tx2="dk2" accent1="accent1" accent2="accent2" accent3="accent3" accent4="accent4" accent5="accent5" accent6="accent6" hlink="hlink" folHlink="folHlink"/>
+  <p:notesStyle>
+    <a:lvl1pPr marL="0" algn="l" defTabSz="914400" rtl="0" eaLnBrk="1" latinLnBrk="0" hangingPunct="1">
+      <a:defRPr sz="1200" kern="1200">
+        <a:solidFill>
+          <a:schemeClr val="tx1"/>
+        </a:solidFill>
+        <a:latin typeface="+mn-lt"/>
+        <a:ea typeface="+mn-ea"/>
+        <a:cs typeface="+mn-cs"/>
+      </a:defRPr>
+    </a:lvl1pPr>
+    <a:lvl2pPr marL="457200" algn="l" defTabSz="914400" rtl="0" eaLnBrk="1" latinLnBrk="0" hangingPunct="1">
+      <a:defRPr sz="1200" kern="1200">
+        <a:solidFill>
+          <a:schemeClr val="tx1"/>
+        </a:solidFill>
+        <a:latin typeface="+mn-lt"/>
+        <a:ea typeface="+mn-ea"/>
+        <a:cs typeface="+mn-cs"/>
+      </a:defRPr>
+    </a:lvl2pPr>
+    <a:lvl3pPr marL="914400" algn="l" defTabSz="914400" rtl="0" eaLnBrk="1" latinLnBrk="0" hangingPunct="1">
+      <a:defRPr sz="1200" kern="1200">
+        <a:solidFill>
+          <a:schemeClr val="tx1"/>
+        </a:solidFill>
+        <a:latin typeface="+mn-lt"/>
+        <a:ea typeface="+mn-ea"/>
+        <a:cs typeface="+mn-cs"/>
+      </a:defRPr>
+    </a:lvl3pPr>
+    <a:lvl4pPr marL="1371600" algn="l" defTabSz="914400" rtl="0" eaLnBrk="1" latinLnBrk="0" hangingPunct="1">
+      <a:defRPr sz="1200" kern="1200">
+        <a:solidFill>
+          <a:schemeClr val="tx1"/>
+        </a:solidFill>
+        <a:latin typeface="+mn-lt"/>
+        <a:ea typeface="+mn-ea"/>
+        <a:cs typeface="+mn-cs"/>
+      </a:defRPr>
+    </a:lvl4pPr>
+    <a:lvl5pPr marL="1828800" algn="l" defTabSz="914400" rtl="0" eaLnBrk="1" latinLnBrk="0" hangingPunct="1">
+      <a:defRPr sz="1200" kern="1200">
+        <a:solidFill>
+          <a:schemeClr val="tx1"/>
+        </a:solidFill>
+        <a:latin typeface="+mn-lt"/>
+        <a:ea typeface="+mn-ea"/>
+        <a:cs typeface="+mn-cs"/>
+      </a:defRPr>
+    </a:lvl5pPr>
+    <a:lvl6pPr marL="2286000" algn="l" defTabSz="914400" rtl="0" eaLnBrk="1" latinLnBrk="0" hangingPunct="1">
+      <a:defRPr sz="1200" kern="1200">
+        <a:solidFill>
+          <a:schemeClr val="tx1"/>
+        </a:solidFill>
+        <a:latin typeface="+mn-lt"/>
+        <a:ea typeface="+mn-ea"/>
+        <a:cs typeface="+mn-cs"/>
+      </a:defRPr>
+    </a:lvl6pPr>
+    <a:lvl7pPr marL="2743200" algn="l" defTabSz="914400" rtl="0" eaLnBrk="1" latinLnBrk="0" hangingPunct="1">
+      <a:defRPr sz="1200" kern="1200">
+        <a:solidFill>
+          <a:schemeClr val="tx1"/>
+        </a:solidFill>
+        <a:latin typeface="+mn-lt"/>
+        <a:ea typeface="+mn-ea"/>
+        <a:cs typeface="+mn-cs"/>
+      </a:defRPr>
+    </a:lvl7pPr>
+    <a:lvl8pPr marL="3200400" algn="l" defTabSz="914400" rtl="0" eaLnBrk="1" latinLnBrk="0" hangingPunct="1">
+      <a:defRPr sz="1200" kern="1200">
+        <a:solidFill>
+          <a:schemeClr val="tx1"/>
+        </a:solidFill>
+        <a:latin typeface="+mn-lt"/>
+        <a:ea typeface="+mn-ea"/>
+        <a:cs typeface="+mn-cs"/>
+      </a:defRPr>
+    </a:lvl8pPr>
+    <a:lvl9pPr marL="3657600" algn="l" defTabSz="914400" rtl="0" eaLnBrk="1" latinLnBrk="0" hangingPunct="1">
+      <a:defRPr sz="1200" kern="1200">
+        <a:solidFill>
+          <a:schemeClr val="tx1"/>
+        </a:solidFill>
+        <a:latin typeface="+mn-lt"/>
+        <a:ea typeface="+mn-ea"/>
+        <a:cs typeface="+mn-cs"/>
+      </a:defRPr>
+    </a:lvl9pPr>
+  </p:notesStyle>
+</p:notesMaster>
 </file>
 
 <file path=ppt/slideLayouts/slideLayout1.xml><?xml version="1.0" encoding="utf-8"?>
@@ -3027,6 +3387,4670 @@
       </p:sp>
       <p:graphicFrame>
         <p:nvGraphicFramePr>
+          <p:cNvPr id="16" name="Table 15"/>
+          <p:cNvGraphicFramePr>
+            <a:graphicFrameLocks noGrp="1"/>
+          </p:cNvGraphicFramePr>
+          <p:nvPr>
+            <p:extLst>
+              <p:ext uri="{D42A27DB-BD31-4B8C-83A1-F6EECF244321}">
+                <p14:modId xmlns:p14="http://schemas.microsoft.com/office/powerpoint/2010/main" val="1733570024"/>
+              </p:ext>
+            </p:extLst>
+          </p:nvPr>
+        </p:nvGraphicFramePr>
+        <p:xfrm>
+          <a:off x="256552" y="2831543"/>
+          <a:ext cx="2385048" cy="1645920"/>
+        </p:xfrm>
+        <a:graphic>
+          <a:graphicData uri="http://schemas.openxmlformats.org/drawingml/2006/table">
+            <a:tbl>
+              <a:tblPr firstRow="1" bandRow="1">
+                <a:tableStyleId>{5C22544A-7EE6-4342-B048-85BDC9FD1C3A}</a:tableStyleId>
+              </a:tblPr>
+              <a:tblGrid>
+                <a:gridCol w="404180"/>
+                <a:gridCol w="1024135"/>
+                <a:gridCol w="956733"/>
+              </a:tblGrid>
+              <a:tr h="150879">
+                <a:tc>
+                  <a:txBody>
+                    <a:bodyPr/>
+                    <a:lstStyle/>
+                    <a:p>
+                      <a:pPr algn="ctr"/>
+                      <a:r>
+                        <a:rPr lang="en-GB" sz="1200" dirty="0" smtClean="0"/>
+                        <a:t>id</a:t>
+                      </a:r>
+                      <a:endParaRPr lang="en-GB" sz="1200" dirty="0"/>
+                    </a:p>
+                  </a:txBody>
+                  <a:tcPr>
+                    <a:solidFill>
+                      <a:srgbClr val="4372C4"/>
+                    </a:solidFill>
+                  </a:tcPr>
+                </a:tc>
+                <a:tc>
+                  <a:txBody>
+                    <a:bodyPr/>
+                    <a:lstStyle/>
+                    <a:p>
+                      <a:r>
+                        <a:rPr lang="en-GB" sz="1200" dirty="0" smtClean="0">
+                          <a:solidFill>
+                            <a:schemeClr val="bg1"/>
+                          </a:solidFill>
+                        </a:rPr>
+                        <a:t>ind$age0_49</a:t>
+                      </a:r>
+                      <a:endParaRPr lang="en-GB" sz="1200" dirty="0">
+                        <a:solidFill>
+                          <a:schemeClr val="bg1"/>
+                        </a:solidFill>
+                      </a:endParaRPr>
+                    </a:p>
+                  </a:txBody>
+                  <a:tcPr>
+                    <a:solidFill>
+                      <a:srgbClr val="4372C4"/>
+                    </a:solidFill>
+                  </a:tcPr>
+                </a:tc>
+                <a:tc>
+                  <a:txBody>
+                    <a:bodyPr/>
+                    <a:lstStyle/>
+                    <a:p>
+                      <a:r>
+                        <a:rPr lang="en-GB" sz="1200" dirty="0" smtClean="0">
+                          <a:solidFill>
+                            <a:schemeClr val="bg1"/>
+                          </a:solidFill>
+                        </a:rPr>
+                        <a:t>ind$age50+</a:t>
+                      </a:r>
+                      <a:endParaRPr lang="en-GB" sz="1200" dirty="0">
+                        <a:solidFill>
+                          <a:schemeClr val="bg1"/>
+                        </a:solidFill>
+                      </a:endParaRPr>
+                    </a:p>
+                  </a:txBody>
+                  <a:tcPr>
+                    <a:solidFill>
+                      <a:srgbClr val="4372C4"/>
+                    </a:solidFill>
+                  </a:tcPr>
+                </a:tc>
+              </a:tr>
+              <a:tr h="150879">
+                <a:tc>
+                  <a:txBody>
+                    <a:bodyPr/>
+                    <a:lstStyle/>
+                    <a:p>
+                      <a:pPr algn="ctr"/>
+                      <a:r>
+                        <a:rPr lang="en-GB" sz="1200" dirty="0" smtClean="0">
+                          <a:solidFill>
+                            <a:schemeClr val="bg1"/>
+                          </a:solidFill>
+                        </a:rPr>
+                        <a:t>1</a:t>
+                      </a:r>
+                      <a:endParaRPr lang="en-GB" sz="1200" dirty="0">
+                        <a:solidFill>
+                          <a:schemeClr val="bg1"/>
+                        </a:solidFill>
+                      </a:endParaRPr>
+                    </a:p>
+                  </a:txBody>
+                  <a:tcPr>
+                    <a:solidFill>
+                      <a:srgbClr val="4372C4"/>
+                    </a:solidFill>
+                  </a:tcPr>
+                </a:tc>
+                <a:tc>
+                  <a:txBody>
+                    <a:bodyPr/>
+                    <a:lstStyle/>
+                    <a:p>
+                      <a:pPr algn="ctr"/>
+                      <a:r>
+                        <a:rPr lang="en-GB" sz="1200" dirty="0" smtClean="0"/>
+                        <a:t>0</a:t>
+                      </a:r>
+                      <a:endParaRPr lang="en-GB" sz="1200" dirty="0"/>
+                    </a:p>
+                  </a:txBody>
+                  <a:tcPr/>
+                </a:tc>
+                <a:tc>
+                  <a:txBody>
+                    <a:bodyPr/>
+                    <a:lstStyle/>
+                    <a:p>
+                      <a:pPr algn="ctr"/>
+                      <a:r>
+                        <a:rPr lang="en-GB" sz="1200" dirty="0" smtClean="0"/>
+                        <a:t>1</a:t>
+                      </a:r>
+                      <a:endParaRPr lang="en-GB" sz="1200" dirty="0"/>
+                    </a:p>
+                  </a:txBody>
+                  <a:tcPr/>
+                </a:tc>
+              </a:tr>
+              <a:tr h="150879">
+                <a:tc>
+                  <a:txBody>
+                    <a:bodyPr/>
+                    <a:lstStyle/>
+                    <a:p>
+                      <a:pPr algn="ctr"/>
+                      <a:r>
+                        <a:rPr lang="en-GB" sz="1200" dirty="0" smtClean="0">
+                          <a:solidFill>
+                            <a:schemeClr val="bg1"/>
+                          </a:solidFill>
+                        </a:rPr>
+                        <a:t>2</a:t>
+                      </a:r>
+                      <a:endParaRPr lang="en-GB" sz="1200" dirty="0">
+                        <a:solidFill>
+                          <a:schemeClr val="bg1"/>
+                        </a:solidFill>
+                      </a:endParaRPr>
+                    </a:p>
+                  </a:txBody>
+                  <a:tcPr>
+                    <a:solidFill>
+                      <a:srgbClr val="4372C4"/>
+                    </a:solidFill>
+                  </a:tcPr>
+                </a:tc>
+                <a:tc>
+                  <a:txBody>
+                    <a:bodyPr/>
+                    <a:lstStyle/>
+                    <a:p>
+                      <a:pPr algn="ctr"/>
+                      <a:r>
+                        <a:rPr lang="en-GB" sz="1200" dirty="0" smtClean="0"/>
+                        <a:t>0</a:t>
+                      </a:r>
+                      <a:endParaRPr lang="en-GB" sz="1200" dirty="0"/>
+                    </a:p>
+                  </a:txBody>
+                  <a:tcPr/>
+                </a:tc>
+                <a:tc>
+                  <a:txBody>
+                    <a:bodyPr/>
+                    <a:lstStyle/>
+                    <a:p>
+                      <a:pPr algn="ctr"/>
+                      <a:r>
+                        <a:rPr lang="en-GB" sz="1200" dirty="0" smtClean="0"/>
+                        <a:t>1</a:t>
+                      </a:r>
+                      <a:endParaRPr lang="en-GB" sz="1200" dirty="0"/>
+                    </a:p>
+                  </a:txBody>
+                  <a:tcPr/>
+                </a:tc>
+              </a:tr>
+              <a:tr h="150879">
+                <a:tc>
+                  <a:txBody>
+                    <a:bodyPr/>
+                    <a:lstStyle/>
+                    <a:p>
+                      <a:pPr algn="ctr"/>
+                      <a:r>
+                        <a:rPr lang="en-GB" sz="1200" dirty="0" smtClean="0">
+                          <a:solidFill>
+                            <a:schemeClr val="bg1"/>
+                          </a:solidFill>
+                        </a:rPr>
+                        <a:t>3</a:t>
+                      </a:r>
+                      <a:endParaRPr lang="en-GB" sz="1200" dirty="0">
+                        <a:solidFill>
+                          <a:schemeClr val="bg1"/>
+                        </a:solidFill>
+                      </a:endParaRPr>
+                    </a:p>
+                  </a:txBody>
+                  <a:tcPr>
+                    <a:solidFill>
+                      <a:srgbClr val="4372C4"/>
+                    </a:solidFill>
+                  </a:tcPr>
+                </a:tc>
+                <a:tc>
+                  <a:txBody>
+                    <a:bodyPr/>
+                    <a:lstStyle/>
+                    <a:p>
+                      <a:pPr algn="ctr"/>
+                      <a:r>
+                        <a:rPr lang="en-GB" sz="1200" dirty="0" smtClean="0"/>
+                        <a:t>1</a:t>
+                      </a:r>
+                      <a:endParaRPr lang="en-GB" sz="1200" dirty="0"/>
+                    </a:p>
+                  </a:txBody>
+                  <a:tcPr/>
+                </a:tc>
+                <a:tc>
+                  <a:txBody>
+                    <a:bodyPr/>
+                    <a:lstStyle/>
+                    <a:p>
+                      <a:pPr algn="ctr"/>
+                      <a:r>
+                        <a:rPr lang="en-GB" sz="1200" dirty="0" smtClean="0"/>
+                        <a:t>0</a:t>
+                      </a:r>
+                      <a:endParaRPr lang="en-GB" sz="1200" dirty="0"/>
+                    </a:p>
+                  </a:txBody>
+                  <a:tcPr/>
+                </a:tc>
+              </a:tr>
+              <a:tr h="150879">
+                <a:tc>
+                  <a:txBody>
+                    <a:bodyPr/>
+                    <a:lstStyle/>
+                    <a:p>
+                      <a:pPr algn="ctr"/>
+                      <a:r>
+                        <a:rPr lang="en-GB" sz="1200" dirty="0" smtClean="0">
+                          <a:solidFill>
+                            <a:schemeClr val="bg1"/>
+                          </a:solidFill>
+                        </a:rPr>
+                        <a:t>4</a:t>
+                      </a:r>
+                      <a:endParaRPr lang="en-GB" sz="1200" dirty="0">
+                        <a:solidFill>
+                          <a:schemeClr val="bg1"/>
+                        </a:solidFill>
+                      </a:endParaRPr>
+                    </a:p>
+                  </a:txBody>
+                  <a:tcPr>
+                    <a:solidFill>
+                      <a:srgbClr val="4372C4"/>
+                    </a:solidFill>
+                  </a:tcPr>
+                </a:tc>
+                <a:tc>
+                  <a:txBody>
+                    <a:bodyPr/>
+                    <a:lstStyle/>
+                    <a:p>
+                      <a:pPr algn="ctr"/>
+                      <a:r>
+                        <a:rPr lang="en-GB" sz="1200" dirty="0" smtClean="0"/>
+                        <a:t>0</a:t>
+                      </a:r>
+                      <a:endParaRPr lang="en-GB" sz="1200" dirty="0"/>
+                    </a:p>
+                  </a:txBody>
+                  <a:tcPr/>
+                </a:tc>
+                <a:tc>
+                  <a:txBody>
+                    <a:bodyPr/>
+                    <a:lstStyle/>
+                    <a:p>
+                      <a:pPr algn="ctr"/>
+                      <a:r>
+                        <a:rPr lang="en-GB" sz="1200" dirty="0" smtClean="0"/>
+                        <a:t>1</a:t>
+                      </a:r>
+                      <a:endParaRPr lang="en-GB" sz="1200" dirty="0"/>
+                    </a:p>
+                  </a:txBody>
+                  <a:tcPr/>
+                </a:tc>
+              </a:tr>
+              <a:tr h="150879">
+                <a:tc>
+                  <a:txBody>
+                    <a:bodyPr/>
+                    <a:lstStyle/>
+                    <a:p>
+                      <a:pPr algn="ctr"/>
+                      <a:r>
+                        <a:rPr lang="en-GB" sz="1200" dirty="0" smtClean="0">
+                          <a:solidFill>
+                            <a:schemeClr val="bg1"/>
+                          </a:solidFill>
+                        </a:rPr>
+                        <a:t>5</a:t>
+                      </a:r>
+                      <a:endParaRPr lang="en-GB" sz="1200" dirty="0">
+                        <a:solidFill>
+                          <a:schemeClr val="bg1"/>
+                        </a:solidFill>
+                      </a:endParaRPr>
+                    </a:p>
+                  </a:txBody>
+                  <a:tcPr>
+                    <a:solidFill>
+                      <a:srgbClr val="4372C4"/>
+                    </a:solidFill>
+                  </a:tcPr>
+                </a:tc>
+                <a:tc>
+                  <a:txBody>
+                    <a:bodyPr/>
+                    <a:lstStyle/>
+                    <a:p>
+                      <a:pPr algn="ctr"/>
+                      <a:r>
+                        <a:rPr lang="en-GB" sz="1200" dirty="0" smtClean="0"/>
+                        <a:t>1</a:t>
+                      </a:r>
+                      <a:endParaRPr lang="en-GB" sz="1200" dirty="0"/>
+                    </a:p>
+                  </a:txBody>
+                  <a:tcPr/>
+                </a:tc>
+                <a:tc>
+                  <a:txBody>
+                    <a:bodyPr/>
+                    <a:lstStyle/>
+                    <a:p>
+                      <a:pPr algn="ctr"/>
+                      <a:r>
+                        <a:rPr lang="en-GB" sz="1200" dirty="0" smtClean="0"/>
+                        <a:t>0</a:t>
+                      </a:r>
+                      <a:endParaRPr lang="en-GB" sz="1200" dirty="0"/>
+                    </a:p>
+                  </a:txBody>
+                  <a:tcPr/>
+                </a:tc>
+              </a:tr>
+            </a:tbl>
+          </a:graphicData>
+        </a:graphic>
+      </p:graphicFrame>
+      <p:graphicFrame>
+        <p:nvGraphicFramePr>
+          <p:cNvPr id="17" name="Table 16"/>
+          <p:cNvGraphicFramePr>
+            <a:graphicFrameLocks noGrp="1"/>
+          </p:cNvGraphicFramePr>
+          <p:nvPr>
+            <p:extLst>
+              <p:ext uri="{D42A27DB-BD31-4B8C-83A1-F6EECF244321}">
+                <p14:modId xmlns:p14="http://schemas.microsoft.com/office/powerpoint/2010/main" val="1200754519"/>
+              </p:ext>
+            </p:extLst>
+          </p:nvPr>
+        </p:nvGraphicFramePr>
+        <p:xfrm>
+          <a:off x="1172275" y="729495"/>
+          <a:ext cx="3368597" cy="1645920"/>
+        </p:xfrm>
+        <a:graphic>
+          <a:graphicData uri="http://schemas.openxmlformats.org/drawingml/2006/table">
+            <a:tbl>
+              <a:tblPr firstRow="1" bandRow="1">
+                <a:tableStyleId>{5C22544A-7EE6-4342-B048-85BDC9FD1C3A}</a:tableStyleId>
+              </a:tblPr>
+              <a:tblGrid>
+                <a:gridCol w="608276"/>
+                <a:gridCol w="923055"/>
+                <a:gridCol w="880534"/>
+                <a:gridCol w="956732"/>
+              </a:tblGrid>
+              <a:tr h="201085">
+                <a:tc>
+                  <a:txBody>
+                    <a:bodyPr/>
+                    <a:lstStyle/>
+                    <a:p>
+                      <a:pPr algn="ctr"/>
+                      <a:r>
+                        <a:rPr lang="en-GB" sz="1200" dirty="0" smtClean="0"/>
+                        <a:t>id</a:t>
+                      </a:r>
+                      <a:endParaRPr lang="en-GB" sz="1200" dirty="0"/>
+                    </a:p>
+                  </a:txBody>
+                  <a:tcPr>
+                    <a:solidFill>
+                      <a:srgbClr val="4372C4"/>
+                    </a:solidFill>
+                  </a:tcPr>
+                </a:tc>
+                <a:tc>
+                  <a:txBody>
+                    <a:bodyPr/>
+                    <a:lstStyle/>
+                    <a:p>
+                      <a:pPr algn="ctr"/>
+                      <a:r>
+                        <a:rPr lang="en-GB" sz="1200" dirty="0" smtClean="0">
+                          <a:solidFill>
+                            <a:schemeClr val="bg1"/>
+                          </a:solidFill>
+                        </a:rPr>
+                        <a:t>age</a:t>
+                      </a:r>
+                      <a:endParaRPr lang="en-GB" sz="1200" dirty="0">
+                        <a:solidFill>
+                          <a:schemeClr val="bg1"/>
+                        </a:solidFill>
+                      </a:endParaRPr>
+                    </a:p>
+                  </a:txBody>
+                  <a:tcPr>
+                    <a:solidFill>
+                      <a:srgbClr val="4372C4"/>
+                    </a:solidFill>
+                  </a:tcPr>
+                </a:tc>
+                <a:tc>
+                  <a:txBody>
+                    <a:bodyPr/>
+                    <a:lstStyle/>
+                    <a:p>
+                      <a:pPr algn="ctr"/>
+                      <a:r>
+                        <a:rPr lang="en-GB" sz="1200" dirty="0" smtClean="0">
+                          <a:solidFill>
+                            <a:schemeClr val="bg1"/>
+                          </a:solidFill>
+                        </a:rPr>
+                        <a:t>sex</a:t>
+                      </a:r>
+                      <a:endParaRPr lang="en-GB" sz="1200" dirty="0">
+                        <a:solidFill>
+                          <a:schemeClr val="bg1"/>
+                        </a:solidFill>
+                      </a:endParaRPr>
+                    </a:p>
+                  </a:txBody>
+                  <a:tcPr>
+                    <a:solidFill>
+                      <a:srgbClr val="4372C4"/>
+                    </a:solidFill>
+                  </a:tcPr>
+                </a:tc>
+                <a:tc>
+                  <a:txBody>
+                    <a:bodyPr/>
+                    <a:lstStyle/>
+                    <a:p>
+                      <a:pPr algn="ctr"/>
+                      <a:r>
+                        <a:rPr lang="en-GB" sz="1200" dirty="0" smtClean="0">
+                          <a:solidFill>
+                            <a:schemeClr val="bg1"/>
+                          </a:solidFill>
+                        </a:rPr>
+                        <a:t>income</a:t>
+                      </a:r>
+                      <a:endParaRPr lang="en-GB" sz="1200" dirty="0">
+                        <a:solidFill>
+                          <a:schemeClr val="bg1"/>
+                        </a:solidFill>
+                      </a:endParaRPr>
+                    </a:p>
+                  </a:txBody>
+                  <a:tcPr>
+                    <a:solidFill>
+                      <a:srgbClr val="4372C4"/>
+                    </a:solidFill>
+                  </a:tcPr>
+                </a:tc>
+              </a:tr>
+              <a:tr h="156876">
+                <a:tc>
+                  <a:txBody>
+                    <a:bodyPr/>
+                    <a:lstStyle/>
+                    <a:p>
+                      <a:pPr algn="ctr"/>
+                      <a:r>
+                        <a:rPr lang="en-GB" sz="1200" dirty="0" smtClean="0">
+                          <a:solidFill>
+                            <a:schemeClr val="bg1"/>
+                          </a:solidFill>
+                        </a:rPr>
+                        <a:t>1</a:t>
+                      </a:r>
+                      <a:endParaRPr lang="en-GB" sz="1200" dirty="0">
+                        <a:solidFill>
+                          <a:schemeClr val="bg1"/>
+                        </a:solidFill>
+                      </a:endParaRPr>
+                    </a:p>
+                  </a:txBody>
+                  <a:tcPr>
+                    <a:solidFill>
+                      <a:srgbClr val="4372C4"/>
+                    </a:solidFill>
+                  </a:tcPr>
+                </a:tc>
+                <a:tc>
+                  <a:txBody>
+                    <a:bodyPr/>
+                    <a:lstStyle/>
+                    <a:p>
+                      <a:pPr algn="ctr"/>
+                      <a:r>
+                        <a:rPr lang="en-GB" sz="1200" dirty="0" smtClean="0"/>
+                        <a:t>59</a:t>
+                      </a:r>
+                      <a:endParaRPr lang="en-GB" sz="1200" dirty="0"/>
+                    </a:p>
+                  </a:txBody>
+                  <a:tcPr/>
+                </a:tc>
+                <a:tc>
+                  <a:txBody>
+                    <a:bodyPr/>
+                    <a:lstStyle/>
+                    <a:p>
+                      <a:pPr algn="ctr"/>
+                      <a:r>
+                        <a:rPr lang="en-GB" sz="1200" dirty="0" smtClean="0"/>
+                        <a:t>m</a:t>
+                      </a:r>
+                      <a:endParaRPr lang="en-GB" sz="1200" dirty="0"/>
+                    </a:p>
+                  </a:txBody>
+                  <a:tcPr/>
+                </a:tc>
+                <a:tc>
+                  <a:txBody>
+                    <a:bodyPr/>
+                    <a:lstStyle/>
+                    <a:p>
+                      <a:pPr algn="ctr"/>
+                      <a:r>
+                        <a:rPr lang="en-GB" sz="1200" dirty="0" smtClean="0"/>
+                        <a:t>2868</a:t>
+                      </a:r>
+                      <a:endParaRPr lang="en-GB" sz="1200" dirty="0"/>
+                    </a:p>
+                  </a:txBody>
+                  <a:tcPr/>
+                </a:tc>
+              </a:tr>
+              <a:tr h="156876">
+                <a:tc>
+                  <a:txBody>
+                    <a:bodyPr/>
+                    <a:lstStyle/>
+                    <a:p>
+                      <a:pPr algn="ctr"/>
+                      <a:r>
+                        <a:rPr lang="en-GB" sz="1200" dirty="0" smtClean="0">
+                          <a:solidFill>
+                            <a:schemeClr val="bg1"/>
+                          </a:solidFill>
+                        </a:rPr>
+                        <a:t>2</a:t>
+                      </a:r>
+                      <a:endParaRPr lang="en-GB" sz="1200" dirty="0">
+                        <a:solidFill>
+                          <a:schemeClr val="bg1"/>
+                        </a:solidFill>
+                      </a:endParaRPr>
+                    </a:p>
+                  </a:txBody>
+                  <a:tcPr>
+                    <a:solidFill>
+                      <a:srgbClr val="4372C4"/>
+                    </a:solidFill>
+                  </a:tcPr>
+                </a:tc>
+                <a:tc>
+                  <a:txBody>
+                    <a:bodyPr/>
+                    <a:lstStyle/>
+                    <a:p>
+                      <a:pPr algn="ctr"/>
+                      <a:r>
+                        <a:rPr lang="en-GB" sz="1200" dirty="0" smtClean="0"/>
+                        <a:t>54</a:t>
+                      </a:r>
+                      <a:endParaRPr lang="en-GB" sz="1200" dirty="0"/>
+                    </a:p>
+                  </a:txBody>
+                  <a:tcPr/>
+                </a:tc>
+                <a:tc>
+                  <a:txBody>
+                    <a:bodyPr/>
+                    <a:lstStyle/>
+                    <a:p>
+                      <a:pPr algn="ctr"/>
+                      <a:r>
+                        <a:rPr lang="en-GB" sz="1200" dirty="0" smtClean="0"/>
+                        <a:t>m</a:t>
+                      </a:r>
+                      <a:endParaRPr lang="en-GB" sz="1200" dirty="0"/>
+                    </a:p>
+                  </a:txBody>
+                  <a:tcPr/>
+                </a:tc>
+                <a:tc>
+                  <a:txBody>
+                    <a:bodyPr/>
+                    <a:lstStyle/>
+                    <a:p>
+                      <a:pPr algn="ctr"/>
+                      <a:r>
+                        <a:rPr lang="en-GB" sz="1200" dirty="0" smtClean="0"/>
+                        <a:t>2474</a:t>
+                      </a:r>
+                      <a:endParaRPr lang="en-GB" sz="1200" dirty="0"/>
+                    </a:p>
+                  </a:txBody>
+                  <a:tcPr/>
+                </a:tc>
+              </a:tr>
+              <a:tr h="156876">
+                <a:tc>
+                  <a:txBody>
+                    <a:bodyPr/>
+                    <a:lstStyle/>
+                    <a:p>
+                      <a:pPr algn="ctr"/>
+                      <a:r>
+                        <a:rPr lang="en-GB" sz="1200" dirty="0" smtClean="0">
+                          <a:solidFill>
+                            <a:schemeClr val="bg1"/>
+                          </a:solidFill>
+                        </a:rPr>
+                        <a:t>3</a:t>
+                      </a:r>
+                      <a:endParaRPr lang="en-GB" sz="1200" dirty="0">
+                        <a:solidFill>
+                          <a:schemeClr val="bg1"/>
+                        </a:solidFill>
+                      </a:endParaRPr>
+                    </a:p>
+                  </a:txBody>
+                  <a:tcPr>
+                    <a:solidFill>
+                      <a:srgbClr val="4372C4"/>
+                    </a:solidFill>
+                  </a:tcPr>
+                </a:tc>
+                <a:tc>
+                  <a:txBody>
+                    <a:bodyPr/>
+                    <a:lstStyle/>
+                    <a:p>
+                      <a:pPr algn="ctr"/>
+                      <a:r>
+                        <a:rPr lang="en-GB" sz="1200" dirty="0" smtClean="0"/>
+                        <a:t>35</a:t>
+                      </a:r>
+                      <a:endParaRPr lang="en-GB" sz="1200" dirty="0"/>
+                    </a:p>
+                  </a:txBody>
+                  <a:tcPr/>
+                </a:tc>
+                <a:tc>
+                  <a:txBody>
+                    <a:bodyPr/>
+                    <a:lstStyle/>
+                    <a:p>
+                      <a:pPr algn="ctr"/>
+                      <a:r>
+                        <a:rPr lang="en-GB" sz="1200" dirty="0" smtClean="0"/>
+                        <a:t>m</a:t>
+                      </a:r>
+                      <a:endParaRPr lang="en-GB" sz="1200" dirty="0"/>
+                    </a:p>
+                  </a:txBody>
+                  <a:tcPr/>
+                </a:tc>
+                <a:tc>
+                  <a:txBody>
+                    <a:bodyPr/>
+                    <a:lstStyle/>
+                    <a:p>
+                      <a:pPr algn="ctr"/>
+                      <a:r>
+                        <a:rPr lang="en-GB" sz="1200" dirty="0" smtClean="0"/>
+                        <a:t>2231</a:t>
+                      </a:r>
+                      <a:endParaRPr lang="en-GB" sz="1200" dirty="0"/>
+                    </a:p>
+                  </a:txBody>
+                  <a:tcPr/>
+                </a:tc>
+              </a:tr>
+              <a:tr h="156876">
+                <a:tc>
+                  <a:txBody>
+                    <a:bodyPr/>
+                    <a:lstStyle/>
+                    <a:p>
+                      <a:pPr algn="ctr"/>
+                      <a:r>
+                        <a:rPr lang="en-GB" sz="1200" dirty="0" smtClean="0">
+                          <a:solidFill>
+                            <a:schemeClr val="bg1"/>
+                          </a:solidFill>
+                        </a:rPr>
+                        <a:t>4</a:t>
+                      </a:r>
+                      <a:endParaRPr lang="en-GB" sz="1200" dirty="0">
+                        <a:solidFill>
+                          <a:schemeClr val="bg1"/>
+                        </a:solidFill>
+                      </a:endParaRPr>
+                    </a:p>
+                  </a:txBody>
+                  <a:tcPr>
+                    <a:solidFill>
+                      <a:srgbClr val="4372C4"/>
+                    </a:solidFill>
+                  </a:tcPr>
+                </a:tc>
+                <a:tc>
+                  <a:txBody>
+                    <a:bodyPr/>
+                    <a:lstStyle/>
+                    <a:p>
+                      <a:pPr algn="ctr"/>
+                      <a:r>
+                        <a:rPr lang="en-GB" sz="1200" dirty="0" smtClean="0"/>
+                        <a:t>73</a:t>
+                      </a:r>
+                      <a:endParaRPr lang="en-GB" sz="1200" dirty="0"/>
+                    </a:p>
+                  </a:txBody>
+                  <a:tcPr/>
+                </a:tc>
+                <a:tc>
+                  <a:txBody>
+                    <a:bodyPr/>
+                    <a:lstStyle/>
+                    <a:p>
+                      <a:pPr algn="ctr"/>
+                      <a:r>
+                        <a:rPr lang="en-GB" sz="1200" dirty="0" smtClean="0"/>
+                        <a:t>f</a:t>
+                      </a:r>
+                      <a:endParaRPr lang="en-GB" sz="1200" dirty="0"/>
+                    </a:p>
+                  </a:txBody>
+                  <a:tcPr/>
+                </a:tc>
+                <a:tc>
+                  <a:txBody>
+                    <a:bodyPr/>
+                    <a:lstStyle/>
+                    <a:p>
+                      <a:pPr algn="ctr"/>
+                      <a:r>
+                        <a:rPr lang="en-GB" sz="1200" dirty="0" smtClean="0"/>
+                        <a:t>3152</a:t>
+                      </a:r>
+                      <a:endParaRPr lang="en-GB" sz="1200" dirty="0"/>
+                    </a:p>
+                  </a:txBody>
+                  <a:tcPr/>
+                </a:tc>
+              </a:tr>
+              <a:tr h="156876">
+                <a:tc>
+                  <a:txBody>
+                    <a:bodyPr/>
+                    <a:lstStyle/>
+                    <a:p>
+                      <a:pPr algn="ctr"/>
+                      <a:r>
+                        <a:rPr lang="en-GB" sz="1200" dirty="0" smtClean="0">
+                          <a:solidFill>
+                            <a:schemeClr val="bg1"/>
+                          </a:solidFill>
+                        </a:rPr>
+                        <a:t>5</a:t>
+                      </a:r>
+                      <a:endParaRPr lang="en-GB" sz="1200" dirty="0">
+                        <a:solidFill>
+                          <a:schemeClr val="bg1"/>
+                        </a:solidFill>
+                      </a:endParaRPr>
+                    </a:p>
+                  </a:txBody>
+                  <a:tcPr>
+                    <a:solidFill>
+                      <a:srgbClr val="4372C4"/>
+                    </a:solidFill>
+                  </a:tcPr>
+                </a:tc>
+                <a:tc>
+                  <a:txBody>
+                    <a:bodyPr/>
+                    <a:lstStyle/>
+                    <a:p>
+                      <a:pPr algn="ctr"/>
+                      <a:r>
+                        <a:rPr lang="en-GB" sz="1200" dirty="0" smtClean="0"/>
+                        <a:t>49</a:t>
+                      </a:r>
+                      <a:endParaRPr lang="en-GB" sz="1200" dirty="0"/>
+                    </a:p>
+                  </a:txBody>
+                  <a:tcPr/>
+                </a:tc>
+                <a:tc>
+                  <a:txBody>
+                    <a:bodyPr/>
+                    <a:lstStyle/>
+                    <a:p>
+                      <a:pPr algn="ctr"/>
+                      <a:r>
+                        <a:rPr lang="en-GB" sz="1200" dirty="0" smtClean="0"/>
+                        <a:t>f</a:t>
+                      </a:r>
+                      <a:endParaRPr lang="en-GB" sz="1200" dirty="0"/>
+                    </a:p>
+                  </a:txBody>
+                  <a:tcPr/>
+                </a:tc>
+                <a:tc>
+                  <a:txBody>
+                    <a:bodyPr/>
+                    <a:lstStyle/>
+                    <a:p>
+                      <a:pPr algn="ctr"/>
+                      <a:r>
+                        <a:rPr lang="en-GB" sz="1200" dirty="0" smtClean="0"/>
+                        <a:t>2473</a:t>
+                      </a:r>
+                      <a:endParaRPr lang="en-GB" sz="1200" dirty="0"/>
+                    </a:p>
+                  </a:txBody>
+                  <a:tcPr/>
+                </a:tc>
+              </a:tr>
+            </a:tbl>
+          </a:graphicData>
+        </a:graphic>
+      </p:graphicFrame>
+      <p:graphicFrame>
+        <p:nvGraphicFramePr>
+          <p:cNvPr id="18" name="Table 17"/>
+          <p:cNvGraphicFramePr>
+            <a:graphicFrameLocks noGrp="1"/>
+          </p:cNvGraphicFramePr>
+          <p:nvPr>
+            <p:extLst>
+              <p:ext uri="{D42A27DB-BD31-4B8C-83A1-F6EECF244321}">
+                <p14:modId xmlns:p14="http://schemas.microsoft.com/office/powerpoint/2010/main" val="611295608"/>
+              </p:ext>
+            </p:extLst>
+          </p:nvPr>
+        </p:nvGraphicFramePr>
+        <p:xfrm>
+          <a:off x="6371455" y="1258332"/>
+          <a:ext cx="2008968" cy="1097280"/>
+        </p:xfrm>
+        <a:graphic>
+          <a:graphicData uri="http://schemas.openxmlformats.org/drawingml/2006/table">
+            <a:tbl>
+              <a:tblPr firstRow="1" bandRow="1">
+                <a:tableStyleId>{5C22544A-7EE6-4342-B048-85BDC9FD1C3A}</a:tableStyleId>
+              </a:tblPr>
+              <a:tblGrid>
+                <a:gridCol w="669656"/>
+                <a:gridCol w="669656"/>
+                <a:gridCol w="669656"/>
+              </a:tblGrid>
+              <a:tr h="201375">
+                <a:tc>
+                  <a:txBody>
+                    <a:bodyPr/>
+                    <a:lstStyle/>
+                    <a:p>
+                      <a:endParaRPr lang="en-GB" sz="1200" dirty="0"/>
+                    </a:p>
+                  </a:txBody>
+                  <a:tcPr>
+                    <a:solidFill>
+                      <a:srgbClr val="4372C4"/>
+                    </a:solidFill>
+                  </a:tcPr>
+                </a:tc>
+                <a:tc>
+                  <a:txBody>
+                    <a:bodyPr/>
+                    <a:lstStyle/>
+                    <a:p>
+                      <a:pPr algn="ctr"/>
+                      <a:r>
+                        <a:rPr lang="en-GB" sz="1200" dirty="0" smtClean="0">
+                          <a:solidFill>
+                            <a:schemeClr val="bg1"/>
+                          </a:solidFill>
+                        </a:rPr>
+                        <a:t>a0.49</a:t>
+                      </a:r>
+                      <a:endParaRPr lang="en-GB" sz="1200" dirty="0">
+                        <a:solidFill>
+                          <a:schemeClr val="bg1"/>
+                        </a:solidFill>
+                      </a:endParaRPr>
+                    </a:p>
+                  </a:txBody>
+                  <a:tcPr>
+                    <a:solidFill>
+                      <a:srgbClr val="4372C4"/>
+                    </a:solidFill>
+                  </a:tcPr>
+                </a:tc>
+                <a:tc>
+                  <a:txBody>
+                    <a:bodyPr/>
+                    <a:lstStyle/>
+                    <a:p>
+                      <a:pPr algn="ctr"/>
+                      <a:r>
+                        <a:rPr lang="en-GB" sz="1200" dirty="0" smtClean="0">
+                          <a:solidFill>
+                            <a:schemeClr val="bg1"/>
+                          </a:solidFill>
+                        </a:rPr>
+                        <a:t>a.50.</a:t>
+                      </a:r>
+                      <a:endParaRPr lang="en-GB" sz="1200" dirty="0">
+                        <a:solidFill>
+                          <a:schemeClr val="bg1"/>
+                        </a:solidFill>
+                      </a:endParaRPr>
+                    </a:p>
+                  </a:txBody>
+                  <a:tcPr>
+                    <a:solidFill>
+                      <a:srgbClr val="4372C4"/>
+                    </a:solidFill>
+                  </a:tcPr>
+                </a:tc>
+              </a:tr>
+              <a:tr h="201375">
+                <a:tc>
+                  <a:txBody>
+                    <a:bodyPr/>
+                    <a:lstStyle/>
+                    <a:p>
+                      <a:r>
+                        <a:rPr lang="en-GB" sz="1200" dirty="0" smtClean="0">
+                          <a:solidFill>
+                            <a:schemeClr val="bg1"/>
+                          </a:solidFill>
+                        </a:rPr>
+                        <a:t>Zone_1</a:t>
+                      </a:r>
+                      <a:endParaRPr lang="en-GB" sz="1200" dirty="0">
+                        <a:solidFill>
+                          <a:schemeClr val="bg1"/>
+                        </a:solidFill>
+                      </a:endParaRPr>
+                    </a:p>
+                  </a:txBody>
+                  <a:tcPr>
+                    <a:solidFill>
+                      <a:srgbClr val="4372C4"/>
+                    </a:solidFill>
+                  </a:tcPr>
+                </a:tc>
+                <a:tc>
+                  <a:txBody>
+                    <a:bodyPr/>
+                    <a:lstStyle/>
+                    <a:p>
+                      <a:pPr algn="ctr"/>
+                      <a:r>
+                        <a:rPr lang="en-GB" sz="1200" dirty="0" smtClean="0"/>
+                        <a:t>8</a:t>
+                      </a:r>
+                      <a:endParaRPr lang="en-GB" sz="1200" dirty="0"/>
+                    </a:p>
+                  </a:txBody>
+                  <a:tcPr/>
+                </a:tc>
+                <a:tc>
+                  <a:txBody>
+                    <a:bodyPr/>
+                    <a:lstStyle/>
+                    <a:p>
+                      <a:pPr algn="ctr"/>
+                      <a:r>
+                        <a:rPr lang="en-GB" sz="1200" dirty="0" smtClean="0"/>
+                        <a:t>4</a:t>
+                      </a:r>
+                      <a:endParaRPr lang="en-GB" sz="1200" dirty="0"/>
+                    </a:p>
+                  </a:txBody>
+                  <a:tcPr/>
+                </a:tc>
+              </a:tr>
+              <a:tr h="201375">
+                <a:tc>
+                  <a:txBody>
+                    <a:bodyPr/>
+                    <a:lstStyle/>
+                    <a:p>
+                      <a:r>
+                        <a:rPr lang="en-GB" sz="1200" dirty="0" smtClean="0">
+                          <a:solidFill>
+                            <a:schemeClr val="bg1"/>
+                          </a:solidFill>
+                        </a:rPr>
+                        <a:t>Zone_2</a:t>
+                      </a:r>
+                      <a:endParaRPr lang="en-GB" sz="1200" dirty="0">
+                        <a:solidFill>
+                          <a:schemeClr val="bg1"/>
+                        </a:solidFill>
+                      </a:endParaRPr>
+                    </a:p>
+                  </a:txBody>
+                  <a:tcPr>
+                    <a:solidFill>
+                      <a:srgbClr val="4372C4"/>
+                    </a:solidFill>
+                  </a:tcPr>
+                </a:tc>
+                <a:tc>
+                  <a:txBody>
+                    <a:bodyPr/>
+                    <a:lstStyle/>
+                    <a:p>
+                      <a:pPr algn="ctr"/>
+                      <a:r>
+                        <a:rPr lang="en-GB" sz="1200" dirty="0" smtClean="0"/>
+                        <a:t>2</a:t>
+                      </a:r>
+                      <a:endParaRPr lang="en-GB" sz="1200" dirty="0"/>
+                    </a:p>
+                  </a:txBody>
+                  <a:tcPr/>
+                </a:tc>
+                <a:tc>
+                  <a:txBody>
+                    <a:bodyPr/>
+                    <a:lstStyle/>
+                    <a:p>
+                      <a:pPr algn="ctr"/>
+                      <a:r>
+                        <a:rPr lang="en-GB" sz="1200" dirty="0" smtClean="0"/>
+                        <a:t>8</a:t>
+                      </a:r>
+                      <a:endParaRPr lang="en-GB" sz="1200" dirty="0"/>
+                    </a:p>
+                  </a:txBody>
+                  <a:tcPr/>
+                </a:tc>
+              </a:tr>
+              <a:tr h="201375">
+                <a:tc>
+                  <a:txBody>
+                    <a:bodyPr/>
+                    <a:lstStyle/>
+                    <a:p>
+                      <a:r>
+                        <a:rPr lang="en-GB" sz="1200" dirty="0" smtClean="0">
+                          <a:solidFill>
+                            <a:schemeClr val="bg1"/>
+                          </a:solidFill>
+                        </a:rPr>
+                        <a:t>Zone_3</a:t>
+                      </a:r>
+                      <a:endParaRPr lang="en-GB" sz="1200" dirty="0">
+                        <a:solidFill>
+                          <a:schemeClr val="bg1"/>
+                        </a:solidFill>
+                      </a:endParaRPr>
+                    </a:p>
+                  </a:txBody>
+                  <a:tcPr>
+                    <a:solidFill>
+                      <a:srgbClr val="4372C4"/>
+                    </a:solidFill>
+                  </a:tcPr>
+                </a:tc>
+                <a:tc>
+                  <a:txBody>
+                    <a:bodyPr/>
+                    <a:lstStyle/>
+                    <a:p>
+                      <a:pPr algn="ctr"/>
+                      <a:r>
+                        <a:rPr lang="en-GB" sz="1200" dirty="0" smtClean="0"/>
+                        <a:t>7</a:t>
+                      </a:r>
+                      <a:endParaRPr lang="en-GB" sz="1200" dirty="0"/>
+                    </a:p>
+                  </a:txBody>
+                  <a:tcPr/>
+                </a:tc>
+                <a:tc>
+                  <a:txBody>
+                    <a:bodyPr/>
+                    <a:lstStyle/>
+                    <a:p>
+                      <a:pPr algn="ctr"/>
+                      <a:r>
+                        <a:rPr lang="en-GB" sz="1200" dirty="0" smtClean="0"/>
+                        <a:t>4</a:t>
+                      </a:r>
+                      <a:endParaRPr lang="en-GB" sz="1200" dirty="0"/>
+                    </a:p>
+                  </a:txBody>
+                  <a:tcPr/>
+                </a:tc>
+              </a:tr>
+            </a:tbl>
+          </a:graphicData>
+        </a:graphic>
+      </p:graphicFrame>
+      <p:graphicFrame>
+        <p:nvGraphicFramePr>
+          <p:cNvPr id="19" name="Table 18"/>
+          <p:cNvGraphicFramePr>
+            <a:graphicFrameLocks noGrp="1"/>
+          </p:cNvGraphicFramePr>
+          <p:nvPr>
+            <p:extLst>
+              <p:ext uri="{D42A27DB-BD31-4B8C-83A1-F6EECF244321}">
+                <p14:modId xmlns:p14="http://schemas.microsoft.com/office/powerpoint/2010/main" val="382149008"/>
+              </p:ext>
+            </p:extLst>
+          </p:nvPr>
+        </p:nvGraphicFramePr>
+        <p:xfrm>
+          <a:off x="9427386" y="1254470"/>
+          <a:ext cx="2008968" cy="1097280"/>
+        </p:xfrm>
+        <a:graphic>
+          <a:graphicData uri="http://schemas.openxmlformats.org/drawingml/2006/table">
+            <a:tbl>
+              <a:tblPr firstRow="1" bandRow="1">
+                <a:tableStyleId>{5C22544A-7EE6-4342-B048-85BDC9FD1C3A}</a:tableStyleId>
+              </a:tblPr>
+              <a:tblGrid>
+                <a:gridCol w="669656"/>
+                <a:gridCol w="669656"/>
+                <a:gridCol w="669656"/>
+              </a:tblGrid>
+              <a:tr h="201375">
+                <a:tc>
+                  <a:txBody>
+                    <a:bodyPr/>
+                    <a:lstStyle/>
+                    <a:p>
+                      <a:endParaRPr lang="en-GB" sz="1200" dirty="0"/>
+                    </a:p>
+                  </a:txBody>
+                  <a:tcPr>
+                    <a:solidFill>
+                      <a:srgbClr val="4372C4"/>
+                    </a:solidFill>
+                  </a:tcPr>
+                </a:tc>
+                <a:tc>
+                  <a:txBody>
+                    <a:bodyPr/>
+                    <a:lstStyle/>
+                    <a:p>
+                      <a:pPr algn="ctr"/>
+                      <a:r>
+                        <a:rPr lang="en-GB" sz="1200" dirty="0" smtClean="0">
+                          <a:solidFill>
+                            <a:schemeClr val="bg1"/>
+                          </a:solidFill>
+                        </a:rPr>
+                        <a:t>m</a:t>
+                      </a:r>
+                      <a:endParaRPr lang="en-GB" sz="1200" dirty="0">
+                        <a:solidFill>
+                          <a:schemeClr val="bg1"/>
+                        </a:solidFill>
+                      </a:endParaRPr>
+                    </a:p>
+                  </a:txBody>
+                  <a:tcPr>
+                    <a:solidFill>
+                      <a:srgbClr val="4372C4"/>
+                    </a:solidFill>
+                  </a:tcPr>
+                </a:tc>
+                <a:tc>
+                  <a:txBody>
+                    <a:bodyPr/>
+                    <a:lstStyle/>
+                    <a:p>
+                      <a:pPr algn="ctr"/>
+                      <a:r>
+                        <a:rPr lang="en-GB" sz="1200" dirty="0" smtClean="0">
+                          <a:solidFill>
+                            <a:schemeClr val="bg1"/>
+                          </a:solidFill>
+                        </a:rPr>
+                        <a:t>f</a:t>
+                      </a:r>
+                      <a:endParaRPr lang="en-GB" sz="1200" dirty="0">
+                        <a:solidFill>
+                          <a:schemeClr val="bg1"/>
+                        </a:solidFill>
+                      </a:endParaRPr>
+                    </a:p>
+                  </a:txBody>
+                  <a:tcPr>
+                    <a:solidFill>
+                      <a:srgbClr val="4372C4"/>
+                    </a:solidFill>
+                  </a:tcPr>
+                </a:tc>
+              </a:tr>
+              <a:tr h="201375">
+                <a:tc>
+                  <a:txBody>
+                    <a:bodyPr/>
+                    <a:lstStyle/>
+                    <a:p>
+                      <a:r>
+                        <a:rPr lang="en-GB" sz="1200" dirty="0" smtClean="0">
+                          <a:solidFill>
+                            <a:schemeClr val="bg1"/>
+                          </a:solidFill>
+                        </a:rPr>
+                        <a:t>Zone_3</a:t>
+                      </a:r>
+                      <a:endParaRPr lang="en-GB" sz="1200" dirty="0">
+                        <a:solidFill>
+                          <a:schemeClr val="bg1"/>
+                        </a:solidFill>
+                      </a:endParaRPr>
+                    </a:p>
+                  </a:txBody>
+                  <a:tcPr>
+                    <a:solidFill>
+                      <a:srgbClr val="4372C4"/>
+                    </a:solidFill>
+                  </a:tcPr>
+                </a:tc>
+                <a:tc>
+                  <a:txBody>
+                    <a:bodyPr/>
+                    <a:lstStyle/>
+                    <a:p>
+                      <a:pPr algn="ctr"/>
+                      <a:r>
+                        <a:rPr lang="en-GB" sz="1200" dirty="0" smtClean="0"/>
+                        <a:t>3</a:t>
+                      </a:r>
+                      <a:endParaRPr lang="en-GB" sz="1200" dirty="0"/>
+                    </a:p>
+                  </a:txBody>
+                  <a:tcPr/>
+                </a:tc>
+                <a:tc>
+                  <a:txBody>
+                    <a:bodyPr/>
+                    <a:lstStyle/>
+                    <a:p>
+                      <a:pPr algn="ctr"/>
+                      <a:r>
+                        <a:rPr lang="en-GB" sz="1200" dirty="0" smtClean="0"/>
+                        <a:t>8</a:t>
+                      </a:r>
+                      <a:endParaRPr lang="en-GB" sz="1200" dirty="0"/>
+                    </a:p>
+                  </a:txBody>
+                  <a:tcPr/>
+                </a:tc>
+              </a:tr>
+              <a:tr h="201375">
+                <a:tc>
+                  <a:txBody>
+                    <a:bodyPr/>
+                    <a:lstStyle/>
+                    <a:p>
+                      <a:r>
+                        <a:rPr lang="en-GB" sz="1200" dirty="0" smtClean="0">
+                          <a:solidFill>
+                            <a:schemeClr val="bg1"/>
+                          </a:solidFill>
+                        </a:rPr>
+                        <a:t>Zone_2</a:t>
+                      </a:r>
+                      <a:endParaRPr lang="en-GB" sz="1200" dirty="0">
+                        <a:solidFill>
+                          <a:schemeClr val="bg1"/>
+                        </a:solidFill>
+                      </a:endParaRPr>
+                    </a:p>
+                  </a:txBody>
+                  <a:tcPr>
+                    <a:solidFill>
+                      <a:srgbClr val="4372C4"/>
+                    </a:solidFill>
+                  </a:tcPr>
+                </a:tc>
+                <a:tc>
+                  <a:txBody>
+                    <a:bodyPr/>
+                    <a:lstStyle/>
+                    <a:p>
+                      <a:pPr algn="ctr"/>
+                      <a:r>
+                        <a:rPr lang="en-GB" sz="1200" dirty="0" smtClean="0"/>
+                        <a:t>4</a:t>
+                      </a:r>
+                      <a:endParaRPr lang="en-GB" sz="1200" dirty="0"/>
+                    </a:p>
+                  </a:txBody>
+                  <a:tcPr/>
+                </a:tc>
+                <a:tc>
+                  <a:txBody>
+                    <a:bodyPr/>
+                    <a:lstStyle/>
+                    <a:p>
+                      <a:pPr algn="ctr"/>
+                      <a:r>
+                        <a:rPr lang="en-GB" sz="1200" dirty="0" smtClean="0"/>
+                        <a:t>6</a:t>
+                      </a:r>
+                      <a:endParaRPr lang="en-GB" sz="1200" dirty="0"/>
+                    </a:p>
+                  </a:txBody>
+                  <a:tcPr/>
+                </a:tc>
+              </a:tr>
+              <a:tr h="201375">
+                <a:tc>
+                  <a:txBody>
+                    <a:bodyPr/>
+                    <a:lstStyle/>
+                    <a:p>
+                      <a:r>
+                        <a:rPr lang="en-GB" sz="1200" dirty="0" smtClean="0">
+                          <a:solidFill>
+                            <a:schemeClr val="bg1"/>
+                          </a:solidFill>
+                        </a:rPr>
+                        <a:t>Zone_1</a:t>
+                      </a:r>
+                      <a:endParaRPr lang="en-GB" sz="1200" dirty="0">
+                        <a:solidFill>
+                          <a:schemeClr val="bg1"/>
+                        </a:solidFill>
+                      </a:endParaRPr>
+                    </a:p>
+                  </a:txBody>
+                  <a:tcPr>
+                    <a:solidFill>
+                      <a:srgbClr val="4372C4"/>
+                    </a:solidFill>
+                  </a:tcPr>
+                </a:tc>
+                <a:tc>
+                  <a:txBody>
+                    <a:bodyPr/>
+                    <a:lstStyle/>
+                    <a:p>
+                      <a:pPr algn="ctr"/>
+                      <a:r>
+                        <a:rPr lang="en-GB" sz="1200" dirty="0" smtClean="0"/>
+                        <a:t>6</a:t>
+                      </a:r>
+                      <a:endParaRPr lang="en-GB" sz="1200" dirty="0"/>
+                    </a:p>
+                  </a:txBody>
+                  <a:tcPr/>
+                </a:tc>
+                <a:tc>
+                  <a:txBody>
+                    <a:bodyPr/>
+                    <a:lstStyle/>
+                    <a:p>
+                      <a:pPr algn="ctr"/>
+                      <a:r>
+                        <a:rPr lang="en-GB" sz="1200" dirty="0" smtClean="0"/>
+                        <a:t>6</a:t>
+                      </a:r>
+                      <a:endParaRPr lang="en-GB" sz="1200" dirty="0"/>
+                    </a:p>
+                  </a:txBody>
+                  <a:tcPr/>
+                </a:tc>
+              </a:tr>
+            </a:tbl>
+          </a:graphicData>
+        </a:graphic>
+      </p:graphicFrame>
+      <p:sp>
+        <p:nvSpPr>
+          <p:cNvPr id="20" name="TextBox 19"/>
+          <p:cNvSpPr txBox="1"/>
+          <p:nvPr/>
+        </p:nvSpPr>
+        <p:spPr>
+          <a:xfrm>
+            <a:off x="9004303" y="751932"/>
+            <a:ext cx="3530600" cy="369332"/>
+          </a:xfrm>
+          <a:prstGeom prst="rect">
+            <a:avLst/>
+          </a:prstGeom>
+          <a:noFill/>
+        </p:spPr>
+        <p:txBody>
+          <a:bodyPr wrap="square" rtlCol="0">
+            <a:spAutoFit/>
+          </a:bodyPr>
+          <a:lstStyle/>
+          <a:p>
+            <a:r>
+              <a:rPr lang="en-GB" dirty="0" smtClean="0"/>
+              <a:t>Constraint_2 (sex)</a:t>
+            </a:r>
+            <a:endParaRPr lang="en-GB" dirty="0"/>
+          </a:p>
+        </p:txBody>
+      </p:sp>
+      <p:sp>
+        <p:nvSpPr>
+          <p:cNvPr id="21" name="TextBox 20"/>
+          <p:cNvSpPr txBox="1"/>
+          <p:nvPr/>
+        </p:nvSpPr>
+        <p:spPr>
+          <a:xfrm>
+            <a:off x="5990167" y="751932"/>
+            <a:ext cx="3530600" cy="369332"/>
+          </a:xfrm>
+          <a:prstGeom prst="rect">
+            <a:avLst/>
+          </a:prstGeom>
+          <a:noFill/>
+        </p:spPr>
+        <p:txBody>
+          <a:bodyPr wrap="square" rtlCol="0">
+            <a:spAutoFit/>
+          </a:bodyPr>
+          <a:lstStyle/>
+          <a:p>
+            <a:r>
+              <a:rPr lang="en-GB" dirty="0" smtClean="0"/>
+              <a:t>Constraint_1 (age)</a:t>
+            </a:r>
+            <a:endParaRPr lang="en-GB" dirty="0"/>
+          </a:p>
+        </p:txBody>
+      </p:sp>
+      <p:cxnSp>
+        <p:nvCxnSpPr>
+          <p:cNvPr id="23" name="Straight Connector 22"/>
+          <p:cNvCxnSpPr/>
+          <p:nvPr/>
+        </p:nvCxnSpPr>
+        <p:spPr>
+          <a:xfrm>
+            <a:off x="7044267" y="2374714"/>
+            <a:ext cx="778933" cy="1891453"/>
+          </a:xfrm>
+          <a:prstGeom prst="line">
+            <a:avLst/>
+          </a:prstGeom>
+          <a:ln w="19050">
+            <a:solidFill>
+              <a:schemeClr val="tx1"/>
+            </a:solidFill>
+            <a:prstDash val="dash"/>
+          </a:ln>
+        </p:spPr>
+        <p:style>
+          <a:lnRef idx="1">
+            <a:schemeClr val="accent1"/>
+          </a:lnRef>
+          <a:fillRef idx="0">
+            <a:schemeClr val="accent1"/>
+          </a:fillRef>
+          <a:effectRef idx="0">
+            <a:schemeClr val="accent1"/>
+          </a:effectRef>
+          <a:fontRef idx="minor">
+            <a:schemeClr val="tx1"/>
+          </a:fontRef>
+        </p:style>
+      </p:cxnSp>
+      <p:cxnSp>
+        <p:nvCxnSpPr>
+          <p:cNvPr id="25" name="Straight Connector 24"/>
+          <p:cNvCxnSpPr/>
+          <p:nvPr/>
+        </p:nvCxnSpPr>
+        <p:spPr>
+          <a:xfrm>
+            <a:off x="8380423" y="2374714"/>
+            <a:ext cx="1140344" cy="1891453"/>
+          </a:xfrm>
+          <a:prstGeom prst="line">
+            <a:avLst/>
+          </a:prstGeom>
+          <a:ln w="19050">
+            <a:solidFill>
+              <a:schemeClr val="tx1"/>
+            </a:solidFill>
+            <a:prstDash val="dash"/>
+          </a:ln>
+        </p:spPr>
+        <p:style>
+          <a:lnRef idx="1">
+            <a:schemeClr val="accent1"/>
+          </a:lnRef>
+          <a:fillRef idx="0">
+            <a:schemeClr val="accent1"/>
+          </a:fillRef>
+          <a:effectRef idx="0">
+            <a:schemeClr val="accent1"/>
+          </a:effectRef>
+          <a:fontRef idx="minor">
+            <a:schemeClr val="tx1"/>
+          </a:fontRef>
+        </p:style>
+      </p:cxnSp>
+      <p:cxnSp>
+        <p:nvCxnSpPr>
+          <p:cNvPr id="30" name="Straight Connector 29"/>
+          <p:cNvCxnSpPr/>
+          <p:nvPr/>
+        </p:nvCxnSpPr>
+        <p:spPr>
+          <a:xfrm flipH="1">
+            <a:off x="9629259" y="2370851"/>
+            <a:ext cx="448732" cy="1895316"/>
+          </a:xfrm>
+          <a:prstGeom prst="line">
+            <a:avLst/>
+          </a:prstGeom>
+          <a:ln w="19050">
+            <a:solidFill>
+              <a:schemeClr val="tx1"/>
+            </a:solidFill>
+            <a:prstDash val="dash"/>
+          </a:ln>
+        </p:spPr>
+        <p:style>
+          <a:lnRef idx="1">
+            <a:schemeClr val="accent1"/>
+          </a:lnRef>
+          <a:fillRef idx="0">
+            <a:schemeClr val="accent1"/>
+          </a:fillRef>
+          <a:effectRef idx="0">
+            <a:schemeClr val="accent1"/>
+          </a:effectRef>
+          <a:fontRef idx="minor">
+            <a:schemeClr val="tx1"/>
+          </a:fontRef>
+        </p:style>
+      </p:cxnSp>
+      <p:cxnSp>
+        <p:nvCxnSpPr>
+          <p:cNvPr id="31" name="Straight Connector 30"/>
+          <p:cNvCxnSpPr/>
+          <p:nvPr/>
+        </p:nvCxnSpPr>
+        <p:spPr>
+          <a:xfrm flipH="1">
+            <a:off x="11209515" y="2382364"/>
+            <a:ext cx="226840" cy="1883803"/>
+          </a:xfrm>
+          <a:prstGeom prst="line">
+            <a:avLst/>
+          </a:prstGeom>
+          <a:ln w="19050">
+            <a:solidFill>
+              <a:schemeClr val="tx1"/>
+            </a:solidFill>
+            <a:prstDash val="dash"/>
+          </a:ln>
+        </p:spPr>
+        <p:style>
+          <a:lnRef idx="1">
+            <a:schemeClr val="accent1"/>
+          </a:lnRef>
+          <a:fillRef idx="0">
+            <a:schemeClr val="accent1"/>
+          </a:fillRef>
+          <a:effectRef idx="0">
+            <a:schemeClr val="accent1"/>
+          </a:effectRef>
+          <a:fontRef idx="minor">
+            <a:schemeClr val="tx1"/>
+          </a:fontRef>
+        </p:style>
+      </p:cxnSp>
+      <p:cxnSp>
+        <p:nvCxnSpPr>
+          <p:cNvPr id="37" name="Straight Connector 36"/>
+          <p:cNvCxnSpPr/>
+          <p:nvPr/>
+        </p:nvCxnSpPr>
+        <p:spPr>
+          <a:xfrm flipH="1">
+            <a:off x="2243669" y="2382439"/>
+            <a:ext cx="457198" cy="414358"/>
+          </a:xfrm>
+          <a:prstGeom prst="line">
+            <a:avLst/>
+          </a:prstGeom>
+          <a:ln w="19050">
+            <a:solidFill>
+              <a:schemeClr val="tx1"/>
+            </a:solidFill>
+            <a:prstDash val="dash"/>
+          </a:ln>
+        </p:spPr>
+        <p:style>
+          <a:lnRef idx="1">
+            <a:schemeClr val="accent1"/>
+          </a:lnRef>
+          <a:fillRef idx="0">
+            <a:schemeClr val="accent1"/>
+          </a:fillRef>
+          <a:effectRef idx="0">
+            <a:schemeClr val="accent1"/>
+          </a:effectRef>
+          <a:fontRef idx="minor">
+            <a:schemeClr val="tx1"/>
+          </a:fontRef>
+        </p:style>
+      </p:cxnSp>
+      <p:cxnSp>
+        <p:nvCxnSpPr>
+          <p:cNvPr id="38" name="Straight Connector 37"/>
+          <p:cNvCxnSpPr/>
+          <p:nvPr/>
+        </p:nvCxnSpPr>
+        <p:spPr>
+          <a:xfrm flipH="1">
+            <a:off x="812800" y="2374714"/>
+            <a:ext cx="1022895" cy="422083"/>
+          </a:xfrm>
+          <a:prstGeom prst="line">
+            <a:avLst/>
+          </a:prstGeom>
+          <a:ln w="19050">
+            <a:solidFill>
+              <a:schemeClr val="tx1"/>
+            </a:solidFill>
+            <a:prstDash val="dash"/>
+          </a:ln>
+        </p:spPr>
+        <p:style>
+          <a:lnRef idx="1">
+            <a:schemeClr val="accent1"/>
+          </a:lnRef>
+          <a:fillRef idx="0">
+            <a:schemeClr val="accent1"/>
+          </a:fillRef>
+          <a:effectRef idx="0">
+            <a:schemeClr val="accent1"/>
+          </a:effectRef>
+          <a:fontRef idx="minor">
+            <a:schemeClr val="tx1"/>
+          </a:fontRef>
+        </p:style>
+      </p:cxnSp>
+      <p:cxnSp>
+        <p:nvCxnSpPr>
+          <p:cNvPr id="42" name="Straight Connector 41"/>
+          <p:cNvCxnSpPr/>
+          <p:nvPr/>
+        </p:nvCxnSpPr>
+        <p:spPr>
+          <a:xfrm>
+            <a:off x="3654700" y="2374714"/>
+            <a:ext cx="952494" cy="422083"/>
+          </a:xfrm>
+          <a:prstGeom prst="line">
+            <a:avLst/>
+          </a:prstGeom>
+          <a:ln w="19050">
+            <a:solidFill>
+              <a:schemeClr val="tx1"/>
+            </a:solidFill>
+            <a:prstDash val="dash"/>
+          </a:ln>
+        </p:spPr>
+        <p:style>
+          <a:lnRef idx="1">
+            <a:schemeClr val="accent1"/>
+          </a:lnRef>
+          <a:fillRef idx="0">
+            <a:schemeClr val="accent1"/>
+          </a:fillRef>
+          <a:effectRef idx="0">
+            <a:schemeClr val="accent1"/>
+          </a:effectRef>
+          <a:fontRef idx="minor">
+            <a:schemeClr val="tx1"/>
+          </a:fontRef>
+        </p:style>
+      </p:cxnSp>
+      <p:sp>
+        <p:nvSpPr>
+          <p:cNvPr id="51" name="Oval 50"/>
+          <p:cNvSpPr/>
+          <p:nvPr/>
+        </p:nvSpPr>
+        <p:spPr>
+          <a:xfrm rot="16200000">
+            <a:off x="9217350" y="1581532"/>
+            <a:ext cx="1060875" cy="719666"/>
+          </a:xfrm>
+          <a:prstGeom prst="ellipse">
+            <a:avLst/>
+          </a:prstGeom>
+          <a:noFill/>
+          <a:ln>
+            <a:solidFill>
+              <a:srgbClr val="FF0000"/>
+            </a:solidFill>
+          </a:ln>
+        </p:spPr>
+        <p:style>
+          <a:lnRef idx="2">
+            <a:schemeClr val="accent1">
+              <a:shade val="50000"/>
+            </a:schemeClr>
+          </a:lnRef>
+          <a:fillRef idx="1">
+            <a:schemeClr val="accent1"/>
+          </a:fillRef>
+          <a:effectRef idx="0">
+            <a:schemeClr val="accent1"/>
+          </a:effectRef>
+          <a:fontRef idx="minor">
+            <a:schemeClr val="lt1"/>
+          </a:fontRef>
+        </p:style>
+        <p:txBody>
+          <a:bodyPr rtlCol="0" anchor="ctr"/>
+          <a:lstStyle/>
+          <a:p>
+            <a:pPr algn="ctr"/>
+            <a:endParaRPr lang="en-GB"/>
+          </a:p>
+        </p:txBody>
+      </p:sp>
+      <p:sp>
+        <p:nvSpPr>
+          <p:cNvPr id="52" name="Oval 51"/>
+          <p:cNvSpPr/>
+          <p:nvPr/>
+        </p:nvSpPr>
+        <p:spPr>
+          <a:xfrm>
+            <a:off x="10060521" y="1197186"/>
+            <a:ext cx="1375833" cy="455877"/>
+          </a:xfrm>
+          <a:prstGeom prst="ellipse">
+            <a:avLst/>
+          </a:prstGeom>
+          <a:noFill/>
+          <a:ln>
+            <a:solidFill>
+              <a:srgbClr val="FF0000"/>
+            </a:solidFill>
+          </a:ln>
+        </p:spPr>
+        <p:style>
+          <a:lnRef idx="2">
+            <a:schemeClr val="accent1">
+              <a:shade val="50000"/>
+            </a:schemeClr>
+          </a:lnRef>
+          <a:fillRef idx="1">
+            <a:schemeClr val="accent1"/>
+          </a:fillRef>
+          <a:effectRef idx="0">
+            <a:schemeClr val="accent1"/>
+          </a:effectRef>
+          <a:fontRef idx="minor">
+            <a:schemeClr val="lt1"/>
+          </a:fontRef>
+        </p:style>
+        <p:txBody>
+          <a:bodyPr rtlCol="0" anchor="ctr"/>
+          <a:lstStyle/>
+          <a:p>
+            <a:pPr algn="ctr"/>
+            <a:endParaRPr lang="en-GB"/>
+          </a:p>
+        </p:txBody>
+      </p:sp>
+      <p:cxnSp>
+        <p:nvCxnSpPr>
+          <p:cNvPr id="24" name="Straight Connector 23"/>
+          <p:cNvCxnSpPr/>
+          <p:nvPr/>
+        </p:nvCxnSpPr>
+        <p:spPr>
+          <a:xfrm>
+            <a:off x="3674536" y="1085108"/>
+            <a:ext cx="847450" cy="1208088"/>
+          </a:xfrm>
+          <a:prstGeom prst="line">
+            <a:avLst/>
+          </a:prstGeom>
+          <a:ln w="19050">
+            <a:solidFill>
+              <a:srgbClr val="FF0000"/>
+            </a:solidFill>
+            <a:prstDash val="solid"/>
+          </a:ln>
+        </p:spPr>
+        <p:style>
+          <a:lnRef idx="1">
+            <a:schemeClr val="accent1"/>
+          </a:lnRef>
+          <a:fillRef idx="0">
+            <a:schemeClr val="accent1"/>
+          </a:fillRef>
+          <a:effectRef idx="0">
+            <a:schemeClr val="accent1"/>
+          </a:effectRef>
+          <a:fontRef idx="minor">
+            <a:schemeClr val="tx1"/>
+          </a:fontRef>
+        </p:style>
+      </p:cxnSp>
+      <p:cxnSp>
+        <p:nvCxnSpPr>
+          <p:cNvPr id="26" name="Straight Connector 25"/>
+          <p:cNvCxnSpPr/>
+          <p:nvPr/>
+        </p:nvCxnSpPr>
+        <p:spPr>
+          <a:xfrm flipH="1">
+            <a:off x="3674536" y="1061904"/>
+            <a:ext cx="797442" cy="1231292"/>
+          </a:xfrm>
+          <a:prstGeom prst="line">
+            <a:avLst/>
+          </a:prstGeom>
+          <a:ln w="19050">
+            <a:solidFill>
+              <a:srgbClr val="FF0000"/>
+            </a:solidFill>
+            <a:prstDash val="solid"/>
+          </a:ln>
+        </p:spPr>
+        <p:style>
+          <a:lnRef idx="1">
+            <a:schemeClr val="accent1"/>
+          </a:lnRef>
+          <a:fillRef idx="0">
+            <a:schemeClr val="accent1"/>
+          </a:fillRef>
+          <a:effectRef idx="0">
+            <a:schemeClr val="accent1"/>
+          </a:effectRef>
+          <a:fontRef idx="minor">
+            <a:schemeClr val="tx1"/>
+          </a:fontRef>
+        </p:style>
+      </p:cxnSp>
+      <p:graphicFrame>
+        <p:nvGraphicFramePr>
+          <p:cNvPr id="27" name="Table 26"/>
+          <p:cNvGraphicFramePr>
+            <a:graphicFrameLocks noGrp="1"/>
+          </p:cNvGraphicFramePr>
+          <p:nvPr>
+            <p:extLst>
+              <p:ext uri="{D42A27DB-BD31-4B8C-83A1-F6EECF244321}">
+                <p14:modId xmlns:p14="http://schemas.microsoft.com/office/powerpoint/2010/main" val="872423411"/>
+              </p:ext>
+            </p:extLst>
+          </p:nvPr>
+        </p:nvGraphicFramePr>
+        <p:xfrm>
+          <a:off x="741022" y="4745921"/>
+          <a:ext cx="3933730" cy="1645920"/>
+        </p:xfrm>
+        <a:graphic>
+          <a:graphicData uri="http://schemas.openxmlformats.org/drawingml/2006/table">
+            <a:tbl>
+              <a:tblPr firstRow="1" bandRow="1">
+                <a:tableStyleId>{5C22544A-7EE6-4342-B048-85BDC9FD1C3A}</a:tableStyleId>
+              </a:tblPr>
+              <a:tblGrid>
+                <a:gridCol w="383008"/>
+                <a:gridCol w="1009570"/>
+                <a:gridCol w="948267"/>
+                <a:gridCol w="812800"/>
+                <a:gridCol w="780085"/>
+              </a:tblGrid>
+              <a:tr h="150879">
+                <a:tc>
+                  <a:txBody>
+                    <a:bodyPr/>
+                    <a:lstStyle/>
+                    <a:p>
+                      <a:pPr algn="ctr"/>
+                      <a:r>
+                        <a:rPr lang="en-GB" sz="1200" dirty="0" smtClean="0"/>
+                        <a:t>id</a:t>
+                      </a:r>
+                      <a:endParaRPr lang="en-GB" sz="1200" dirty="0"/>
+                    </a:p>
+                  </a:txBody>
+                  <a:tcPr>
+                    <a:solidFill>
+                      <a:srgbClr val="4372C4"/>
+                    </a:solidFill>
+                  </a:tcPr>
+                </a:tc>
+                <a:tc>
+                  <a:txBody>
+                    <a:bodyPr/>
+                    <a:lstStyle/>
+                    <a:p>
+                      <a:r>
+                        <a:rPr lang="en-GB" sz="1200" dirty="0" smtClean="0">
+                          <a:solidFill>
+                            <a:schemeClr val="bg1"/>
+                          </a:solidFill>
+                        </a:rPr>
+                        <a:t>ind$age0_49</a:t>
+                      </a:r>
+                      <a:endParaRPr lang="en-GB" sz="1200" dirty="0">
+                        <a:solidFill>
+                          <a:schemeClr val="bg1"/>
+                        </a:solidFill>
+                      </a:endParaRPr>
+                    </a:p>
+                  </a:txBody>
+                  <a:tcPr>
+                    <a:solidFill>
+                      <a:srgbClr val="4372C4"/>
+                    </a:solidFill>
+                  </a:tcPr>
+                </a:tc>
+                <a:tc>
+                  <a:txBody>
+                    <a:bodyPr/>
+                    <a:lstStyle/>
+                    <a:p>
+                      <a:r>
+                        <a:rPr lang="en-GB" sz="1200" dirty="0" smtClean="0">
+                          <a:solidFill>
+                            <a:schemeClr val="bg1"/>
+                          </a:solidFill>
+                        </a:rPr>
+                        <a:t>ind$age50+</a:t>
+                      </a:r>
+                      <a:endParaRPr lang="en-GB" sz="1200" dirty="0">
+                        <a:solidFill>
+                          <a:schemeClr val="bg1"/>
+                        </a:solidFill>
+                      </a:endParaRPr>
+                    </a:p>
+                  </a:txBody>
+                  <a:tcPr>
+                    <a:solidFill>
+                      <a:srgbClr val="4372C4"/>
+                    </a:solidFill>
+                  </a:tcPr>
+                </a:tc>
+                <a:tc>
+                  <a:txBody>
+                    <a:bodyPr/>
+                    <a:lstStyle/>
+                    <a:p>
+                      <a:r>
+                        <a:rPr lang="en-GB" sz="1200" dirty="0" err="1" smtClean="0">
+                          <a:solidFill>
+                            <a:schemeClr val="bg1"/>
+                          </a:solidFill>
+                        </a:rPr>
+                        <a:t>ind$sexm</a:t>
+                      </a:r>
+                      <a:endParaRPr lang="en-GB" sz="1200" dirty="0">
+                        <a:solidFill>
+                          <a:schemeClr val="bg1"/>
+                        </a:solidFill>
+                      </a:endParaRPr>
+                    </a:p>
+                  </a:txBody>
+                  <a:tcPr>
+                    <a:solidFill>
+                      <a:srgbClr val="4372C4"/>
+                    </a:solidFill>
+                  </a:tcPr>
+                </a:tc>
+                <a:tc>
+                  <a:txBody>
+                    <a:bodyPr/>
+                    <a:lstStyle/>
+                    <a:p>
+                      <a:r>
+                        <a:rPr lang="en-GB" sz="1200" dirty="0" err="1" smtClean="0">
+                          <a:solidFill>
+                            <a:schemeClr val="bg1"/>
+                          </a:solidFill>
+                        </a:rPr>
+                        <a:t>ind$sexf</a:t>
+                      </a:r>
+                      <a:endParaRPr lang="en-GB" sz="1200" dirty="0">
+                        <a:solidFill>
+                          <a:schemeClr val="bg1"/>
+                        </a:solidFill>
+                      </a:endParaRPr>
+                    </a:p>
+                  </a:txBody>
+                  <a:tcPr>
+                    <a:solidFill>
+                      <a:srgbClr val="4372C4"/>
+                    </a:solidFill>
+                  </a:tcPr>
+                </a:tc>
+              </a:tr>
+              <a:tr h="150879">
+                <a:tc>
+                  <a:txBody>
+                    <a:bodyPr/>
+                    <a:lstStyle/>
+                    <a:p>
+                      <a:pPr algn="ctr"/>
+                      <a:r>
+                        <a:rPr lang="en-GB" sz="1200" dirty="0" smtClean="0">
+                          <a:solidFill>
+                            <a:schemeClr val="bg1"/>
+                          </a:solidFill>
+                        </a:rPr>
+                        <a:t>1</a:t>
+                      </a:r>
+                      <a:endParaRPr lang="en-GB" sz="1200" dirty="0">
+                        <a:solidFill>
+                          <a:schemeClr val="bg1"/>
+                        </a:solidFill>
+                      </a:endParaRPr>
+                    </a:p>
+                  </a:txBody>
+                  <a:tcPr>
+                    <a:solidFill>
+                      <a:srgbClr val="4372C4"/>
+                    </a:solidFill>
+                  </a:tcPr>
+                </a:tc>
+                <a:tc>
+                  <a:txBody>
+                    <a:bodyPr/>
+                    <a:lstStyle/>
+                    <a:p>
+                      <a:pPr algn="ctr"/>
+                      <a:r>
+                        <a:rPr lang="en-GB" sz="1200" dirty="0" smtClean="0"/>
+                        <a:t>0</a:t>
+                      </a:r>
+                      <a:endParaRPr lang="en-GB" sz="1200" dirty="0"/>
+                    </a:p>
+                  </a:txBody>
+                  <a:tcPr/>
+                </a:tc>
+                <a:tc>
+                  <a:txBody>
+                    <a:bodyPr/>
+                    <a:lstStyle/>
+                    <a:p>
+                      <a:pPr algn="ctr"/>
+                      <a:r>
+                        <a:rPr lang="en-GB" sz="1200" dirty="0" smtClean="0"/>
+                        <a:t>1</a:t>
+                      </a:r>
+                      <a:endParaRPr lang="en-GB" sz="1200" dirty="0"/>
+                    </a:p>
+                  </a:txBody>
+                  <a:tcPr/>
+                </a:tc>
+                <a:tc>
+                  <a:txBody>
+                    <a:bodyPr/>
+                    <a:lstStyle/>
+                    <a:p>
+                      <a:pPr algn="ctr"/>
+                      <a:r>
+                        <a:rPr lang="en-GB" sz="1200" dirty="0" smtClean="0"/>
+                        <a:t>1</a:t>
+                      </a:r>
+                      <a:endParaRPr lang="en-GB" sz="1200" dirty="0"/>
+                    </a:p>
+                  </a:txBody>
+                  <a:tcPr/>
+                </a:tc>
+                <a:tc>
+                  <a:txBody>
+                    <a:bodyPr/>
+                    <a:lstStyle/>
+                    <a:p>
+                      <a:pPr algn="ctr"/>
+                      <a:r>
+                        <a:rPr lang="en-GB" sz="1200" dirty="0" smtClean="0"/>
+                        <a:t>0</a:t>
+                      </a:r>
+                      <a:endParaRPr lang="en-GB" sz="1200" dirty="0"/>
+                    </a:p>
+                  </a:txBody>
+                  <a:tcPr/>
+                </a:tc>
+              </a:tr>
+              <a:tr h="150879">
+                <a:tc>
+                  <a:txBody>
+                    <a:bodyPr/>
+                    <a:lstStyle/>
+                    <a:p>
+                      <a:pPr algn="ctr"/>
+                      <a:r>
+                        <a:rPr lang="en-GB" sz="1200" dirty="0" smtClean="0">
+                          <a:solidFill>
+                            <a:schemeClr val="bg1"/>
+                          </a:solidFill>
+                        </a:rPr>
+                        <a:t>2</a:t>
+                      </a:r>
+                      <a:endParaRPr lang="en-GB" sz="1200" dirty="0">
+                        <a:solidFill>
+                          <a:schemeClr val="bg1"/>
+                        </a:solidFill>
+                      </a:endParaRPr>
+                    </a:p>
+                  </a:txBody>
+                  <a:tcPr>
+                    <a:solidFill>
+                      <a:srgbClr val="4372C4"/>
+                    </a:solidFill>
+                  </a:tcPr>
+                </a:tc>
+                <a:tc>
+                  <a:txBody>
+                    <a:bodyPr/>
+                    <a:lstStyle/>
+                    <a:p>
+                      <a:pPr algn="ctr"/>
+                      <a:r>
+                        <a:rPr lang="en-GB" sz="1200" dirty="0" smtClean="0"/>
+                        <a:t>0</a:t>
+                      </a:r>
+                      <a:endParaRPr lang="en-GB" sz="1200" dirty="0"/>
+                    </a:p>
+                  </a:txBody>
+                  <a:tcPr/>
+                </a:tc>
+                <a:tc>
+                  <a:txBody>
+                    <a:bodyPr/>
+                    <a:lstStyle/>
+                    <a:p>
+                      <a:pPr algn="ctr"/>
+                      <a:r>
+                        <a:rPr lang="en-GB" sz="1200" dirty="0" smtClean="0"/>
+                        <a:t>1</a:t>
+                      </a:r>
+                      <a:endParaRPr lang="en-GB" sz="1200" dirty="0"/>
+                    </a:p>
+                  </a:txBody>
+                  <a:tcPr/>
+                </a:tc>
+                <a:tc>
+                  <a:txBody>
+                    <a:bodyPr/>
+                    <a:lstStyle/>
+                    <a:p>
+                      <a:pPr algn="ctr"/>
+                      <a:r>
+                        <a:rPr lang="en-GB" sz="1200" dirty="0" smtClean="0"/>
+                        <a:t>1</a:t>
+                      </a:r>
+                      <a:endParaRPr lang="en-GB" sz="1200" dirty="0"/>
+                    </a:p>
+                  </a:txBody>
+                  <a:tcPr/>
+                </a:tc>
+                <a:tc>
+                  <a:txBody>
+                    <a:bodyPr/>
+                    <a:lstStyle/>
+                    <a:p>
+                      <a:pPr algn="ctr"/>
+                      <a:r>
+                        <a:rPr lang="en-GB" sz="1200" dirty="0" smtClean="0"/>
+                        <a:t>0</a:t>
+                      </a:r>
+                      <a:endParaRPr lang="en-GB" sz="1200" dirty="0"/>
+                    </a:p>
+                  </a:txBody>
+                  <a:tcPr/>
+                </a:tc>
+              </a:tr>
+              <a:tr h="150879">
+                <a:tc>
+                  <a:txBody>
+                    <a:bodyPr/>
+                    <a:lstStyle/>
+                    <a:p>
+                      <a:pPr algn="ctr"/>
+                      <a:r>
+                        <a:rPr lang="en-GB" sz="1200" dirty="0" smtClean="0">
+                          <a:solidFill>
+                            <a:schemeClr val="bg1"/>
+                          </a:solidFill>
+                        </a:rPr>
+                        <a:t>3</a:t>
+                      </a:r>
+                      <a:endParaRPr lang="en-GB" sz="1200" dirty="0">
+                        <a:solidFill>
+                          <a:schemeClr val="bg1"/>
+                        </a:solidFill>
+                      </a:endParaRPr>
+                    </a:p>
+                  </a:txBody>
+                  <a:tcPr>
+                    <a:solidFill>
+                      <a:srgbClr val="4372C4"/>
+                    </a:solidFill>
+                  </a:tcPr>
+                </a:tc>
+                <a:tc>
+                  <a:txBody>
+                    <a:bodyPr/>
+                    <a:lstStyle/>
+                    <a:p>
+                      <a:pPr algn="ctr"/>
+                      <a:r>
+                        <a:rPr lang="en-GB" sz="1200" dirty="0" smtClean="0"/>
+                        <a:t>1</a:t>
+                      </a:r>
+                      <a:endParaRPr lang="en-GB" sz="1200" dirty="0"/>
+                    </a:p>
+                  </a:txBody>
+                  <a:tcPr/>
+                </a:tc>
+                <a:tc>
+                  <a:txBody>
+                    <a:bodyPr/>
+                    <a:lstStyle/>
+                    <a:p>
+                      <a:pPr algn="ctr"/>
+                      <a:r>
+                        <a:rPr lang="en-GB" sz="1200" dirty="0" smtClean="0"/>
+                        <a:t>0</a:t>
+                      </a:r>
+                      <a:endParaRPr lang="en-GB" sz="1200" dirty="0"/>
+                    </a:p>
+                  </a:txBody>
+                  <a:tcPr/>
+                </a:tc>
+                <a:tc>
+                  <a:txBody>
+                    <a:bodyPr/>
+                    <a:lstStyle/>
+                    <a:p>
+                      <a:pPr algn="ctr"/>
+                      <a:r>
+                        <a:rPr lang="en-GB" sz="1200" dirty="0" smtClean="0"/>
+                        <a:t>1</a:t>
+                      </a:r>
+                      <a:endParaRPr lang="en-GB" sz="1200" dirty="0"/>
+                    </a:p>
+                  </a:txBody>
+                  <a:tcPr/>
+                </a:tc>
+                <a:tc>
+                  <a:txBody>
+                    <a:bodyPr/>
+                    <a:lstStyle/>
+                    <a:p>
+                      <a:pPr algn="ctr"/>
+                      <a:r>
+                        <a:rPr lang="en-GB" sz="1200" dirty="0" smtClean="0"/>
+                        <a:t>0</a:t>
+                      </a:r>
+                      <a:endParaRPr lang="en-GB" sz="1200" dirty="0"/>
+                    </a:p>
+                  </a:txBody>
+                  <a:tcPr/>
+                </a:tc>
+              </a:tr>
+              <a:tr h="150879">
+                <a:tc>
+                  <a:txBody>
+                    <a:bodyPr/>
+                    <a:lstStyle/>
+                    <a:p>
+                      <a:pPr algn="ctr"/>
+                      <a:r>
+                        <a:rPr lang="en-GB" sz="1200" dirty="0" smtClean="0">
+                          <a:solidFill>
+                            <a:schemeClr val="bg1"/>
+                          </a:solidFill>
+                        </a:rPr>
+                        <a:t>4</a:t>
+                      </a:r>
+                      <a:endParaRPr lang="en-GB" sz="1200" dirty="0">
+                        <a:solidFill>
+                          <a:schemeClr val="bg1"/>
+                        </a:solidFill>
+                      </a:endParaRPr>
+                    </a:p>
+                  </a:txBody>
+                  <a:tcPr>
+                    <a:solidFill>
+                      <a:srgbClr val="4372C4"/>
+                    </a:solidFill>
+                  </a:tcPr>
+                </a:tc>
+                <a:tc>
+                  <a:txBody>
+                    <a:bodyPr/>
+                    <a:lstStyle/>
+                    <a:p>
+                      <a:pPr algn="ctr"/>
+                      <a:r>
+                        <a:rPr lang="en-GB" sz="1200" dirty="0" smtClean="0"/>
+                        <a:t>0</a:t>
+                      </a:r>
+                      <a:endParaRPr lang="en-GB" sz="1200" dirty="0"/>
+                    </a:p>
+                  </a:txBody>
+                  <a:tcPr/>
+                </a:tc>
+                <a:tc>
+                  <a:txBody>
+                    <a:bodyPr/>
+                    <a:lstStyle/>
+                    <a:p>
+                      <a:pPr algn="ctr"/>
+                      <a:r>
+                        <a:rPr lang="en-GB" sz="1200" dirty="0" smtClean="0"/>
+                        <a:t>1</a:t>
+                      </a:r>
+                      <a:endParaRPr lang="en-GB" sz="1200" dirty="0"/>
+                    </a:p>
+                  </a:txBody>
+                  <a:tcPr/>
+                </a:tc>
+                <a:tc>
+                  <a:txBody>
+                    <a:bodyPr/>
+                    <a:lstStyle/>
+                    <a:p>
+                      <a:pPr algn="ctr"/>
+                      <a:r>
+                        <a:rPr lang="en-GB" sz="1200" dirty="0" smtClean="0"/>
+                        <a:t>0</a:t>
+                      </a:r>
+                      <a:endParaRPr lang="en-GB" sz="1200" dirty="0"/>
+                    </a:p>
+                  </a:txBody>
+                  <a:tcPr/>
+                </a:tc>
+                <a:tc>
+                  <a:txBody>
+                    <a:bodyPr/>
+                    <a:lstStyle/>
+                    <a:p>
+                      <a:pPr algn="ctr"/>
+                      <a:r>
+                        <a:rPr lang="en-GB" sz="1200" dirty="0" smtClean="0"/>
+                        <a:t>1</a:t>
+                      </a:r>
+                      <a:endParaRPr lang="en-GB" sz="1200" dirty="0"/>
+                    </a:p>
+                  </a:txBody>
+                  <a:tcPr/>
+                </a:tc>
+              </a:tr>
+              <a:tr h="150879">
+                <a:tc>
+                  <a:txBody>
+                    <a:bodyPr/>
+                    <a:lstStyle/>
+                    <a:p>
+                      <a:pPr algn="ctr"/>
+                      <a:r>
+                        <a:rPr lang="en-GB" sz="1200" dirty="0" smtClean="0">
+                          <a:solidFill>
+                            <a:schemeClr val="bg1"/>
+                          </a:solidFill>
+                        </a:rPr>
+                        <a:t>5</a:t>
+                      </a:r>
+                      <a:endParaRPr lang="en-GB" sz="1200" dirty="0">
+                        <a:solidFill>
+                          <a:schemeClr val="bg1"/>
+                        </a:solidFill>
+                      </a:endParaRPr>
+                    </a:p>
+                  </a:txBody>
+                  <a:tcPr>
+                    <a:solidFill>
+                      <a:srgbClr val="4372C4"/>
+                    </a:solidFill>
+                  </a:tcPr>
+                </a:tc>
+                <a:tc>
+                  <a:txBody>
+                    <a:bodyPr/>
+                    <a:lstStyle/>
+                    <a:p>
+                      <a:pPr algn="ctr"/>
+                      <a:r>
+                        <a:rPr lang="en-GB" sz="1200" dirty="0" smtClean="0"/>
+                        <a:t>1</a:t>
+                      </a:r>
+                      <a:endParaRPr lang="en-GB" sz="1200" dirty="0"/>
+                    </a:p>
+                  </a:txBody>
+                  <a:tcPr/>
+                </a:tc>
+                <a:tc>
+                  <a:txBody>
+                    <a:bodyPr/>
+                    <a:lstStyle/>
+                    <a:p>
+                      <a:pPr algn="ctr"/>
+                      <a:r>
+                        <a:rPr lang="en-GB" sz="1200" dirty="0" smtClean="0"/>
+                        <a:t>0</a:t>
+                      </a:r>
+                      <a:endParaRPr lang="en-GB" sz="1200" dirty="0"/>
+                    </a:p>
+                  </a:txBody>
+                  <a:tcPr/>
+                </a:tc>
+                <a:tc>
+                  <a:txBody>
+                    <a:bodyPr/>
+                    <a:lstStyle/>
+                    <a:p>
+                      <a:pPr algn="ctr"/>
+                      <a:r>
+                        <a:rPr lang="en-GB" sz="1200" dirty="0" smtClean="0"/>
+                        <a:t>0</a:t>
+                      </a:r>
+                      <a:endParaRPr lang="en-GB" sz="1200" dirty="0"/>
+                    </a:p>
+                  </a:txBody>
+                  <a:tcPr/>
+                </a:tc>
+                <a:tc>
+                  <a:txBody>
+                    <a:bodyPr/>
+                    <a:lstStyle/>
+                    <a:p>
+                      <a:pPr algn="ctr"/>
+                      <a:r>
+                        <a:rPr lang="en-GB" sz="1200" dirty="0" smtClean="0"/>
+                        <a:t>1</a:t>
+                      </a:r>
+                      <a:endParaRPr lang="en-GB" sz="1200" dirty="0"/>
+                    </a:p>
+                  </a:txBody>
+                  <a:tcPr/>
+                </a:tc>
+              </a:tr>
+            </a:tbl>
+          </a:graphicData>
+        </a:graphic>
+      </p:graphicFrame>
+      <p:graphicFrame>
+        <p:nvGraphicFramePr>
+          <p:cNvPr id="28" name="Table 27"/>
+          <p:cNvGraphicFramePr>
+            <a:graphicFrameLocks noGrp="1"/>
+          </p:cNvGraphicFramePr>
+          <p:nvPr>
+            <p:extLst>
+              <p:ext uri="{D42A27DB-BD31-4B8C-83A1-F6EECF244321}">
+                <p14:modId xmlns:p14="http://schemas.microsoft.com/office/powerpoint/2010/main" val="1949410608"/>
+              </p:ext>
+            </p:extLst>
+          </p:nvPr>
+        </p:nvGraphicFramePr>
+        <p:xfrm>
+          <a:off x="2922230" y="2831543"/>
+          <a:ext cx="2005376" cy="1645920"/>
+        </p:xfrm>
+        <a:graphic>
+          <a:graphicData uri="http://schemas.openxmlformats.org/drawingml/2006/table">
+            <a:tbl>
+              <a:tblPr firstRow="1" bandRow="1">
+                <a:tableStyleId>{5C22544A-7EE6-4342-B048-85BDC9FD1C3A}</a:tableStyleId>
+              </a:tblPr>
+              <a:tblGrid>
+                <a:gridCol w="388243"/>
+                <a:gridCol w="736600"/>
+                <a:gridCol w="880533"/>
+              </a:tblGrid>
+              <a:tr h="239104">
+                <a:tc>
+                  <a:txBody>
+                    <a:bodyPr/>
+                    <a:lstStyle/>
+                    <a:p>
+                      <a:pPr algn="ctr"/>
+                      <a:r>
+                        <a:rPr lang="en-GB" sz="1200" dirty="0" smtClean="0"/>
+                        <a:t>id</a:t>
+                      </a:r>
+                      <a:endParaRPr lang="en-GB" sz="1200" dirty="0"/>
+                    </a:p>
+                  </a:txBody>
+                  <a:tcPr>
+                    <a:solidFill>
+                      <a:srgbClr val="4372C4"/>
+                    </a:solidFill>
+                  </a:tcPr>
+                </a:tc>
+                <a:tc>
+                  <a:txBody>
+                    <a:bodyPr/>
+                    <a:lstStyle/>
+                    <a:p>
+                      <a:r>
+                        <a:rPr lang="en-GB" sz="1200" dirty="0" err="1" smtClean="0">
+                          <a:solidFill>
+                            <a:schemeClr val="bg1"/>
+                          </a:solidFill>
+                        </a:rPr>
+                        <a:t>ind$sexf</a:t>
+                      </a:r>
+                      <a:endParaRPr lang="en-GB" sz="1200" dirty="0">
+                        <a:solidFill>
+                          <a:schemeClr val="bg1"/>
+                        </a:solidFill>
+                      </a:endParaRPr>
+                    </a:p>
+                  </a:txBody>
+                  <a:tcPr>
+                    <a:solidFill>
+                      <a:srgbClr val="4372C4"/>
+                    </a:solidFill>
+                  </a:tcPr>
+                </a:tc>
+                <a:tc>
+                  <a:txBody>
+                    <a:bodyPr/>
+                    <a:lstStyle/>
+                    <a:p>
+                      <a:r>
+                        <a:rPr lang="en-GB" sz="1200" dirty="0" err="1" smtClean="0">
+                          <a:solidFill>
+                            <a:schemeClr val="bg1"/>
+                          </a:solidFill>
+                        </a:rPr>
+                        <a:t>ind$sexm</a:t>
+                      </a:r>
+                      <a:endParaRPr lang="en-GB" sz="1200" dirty="0">
+                        <a:solidFill>
+                          <a:schemeClr val="bg1"/>
+                        </a:solidFill>
+                      </a:endParaRPr>
+                    </a:p>
+                  </a:txBody>
+                  <a:tcPr>
+                    <a:solidFill>
+                      <a:srgbClr val="4372C4"/>
+                    </a:solidFill>
+                  </a:tcPr>
+                </a:tc>
+              </a:tr>
+              <a:tr h="239104">
+                <a:tc>
+                  <a:txBody>
+                    <a:bodyPr/>
+                    <a:lstStyle/>
+                    <a:p>
+                      <a:pPr algn="ctr"/>
+                      <a:r>
+                        <a:rPr lang="en-GB" sz="1200" dirty="0" smtClean="0">
+                          <a:solidFill>
+                            <a:schemeClr val="bg1"/>
+                          </a:solidFill>
+                        </a:rPr>
+                        <a:t>1</a:t>
+                      </a:r>
+                      <a:endParaRPr lang="en-GB" sz="1200" dirty="0">
+                        <a:solidFill>
+                          <a:schemeClr val="bg1"/>
+                        </a:solidFill>
+                      </a:endParaRPr>
+                    </a:p>
+                  </a:txBody>
+                  <a:tcPr>
+                    <a:solidFill>
+                      <a:srgbClr val="4372C4"/>
+                    </a:solidFill>
+                  </a:tcPr>
+                </a:tc>
+                <a:tc>
+                  <a:txBody>
+                    <a:bodyPr/>
+                    <a:lstStyle/>
+                    <a:p>
+                      <a:pPr algn="ctr"/>
+                      <a:r>
+                        <a:rPr lang="en-GB" sz="1200" dirty="0" smtClean="0"/>
+                        <a:t>0</a:t>
+                      </a:r>
+                      <a:endParaRPr lang="en-GB" sz="1200" dirty="0"/>
+                    </a:p>
+                  </a:txBody>
+                  <a:tcPr/>
+                </a:tc>
+                <a:tc>
+                  <a:txBody>
+                    <a:bodyPr/>
+                    <a:lstStyle/>
+                    <a:p>
+                      <a:pPr algn="ctr"/>
+                      <a:r>
+                        <a:rPr lang="en-GB" sz="1200" dirty="0" smtClean="0"/>
+                        <a:t>1</a:t>
+                      </a:r>
+                      <a:endParaRPr lang="en-GB" sz="1200" dirty="0"/>
+                    </a:p>
+                  </a:txBody>
+                  <a:tcPr/>
+                </a:tc>
+              </a:tr>
+              <a:tr h="239104">
+                <a:tc>
+                  <a:txBody>
+                    <a:bodyPr/>
+                    <a:lstStyle/>
+                    <a:p>
+                      <a:pPr algn="ctr"/>
+                      <a:r>
+                        <a:rPr lang="en-GB" sz="1200" dirty="0" smtClean="0">
+                          <a:solidFill>
+                            <a:schemeClr val="bg1"/>
+                          </a:solidFill>
+                        </a:rPr>
+                        <a:t>2</a:t>
+                      </a:r>
+                      <a:endParaRPr lang="en-GB" sz="1200" dirty="0">
+                        <a:solidFill>
+                          <a:schemeClr val="bg1"/>
+                        </a:solidFill>
+                      </a:endParaRPr>
+                    </a:p>
+                  </a:txBody>
+                  <a:tcPr>
+                    <a:solidFill>
+                      <a:srgbClr val="4372C4"/>
+                    </a:solidFill>
+                  </a:tcPr>
+                </a:tc>
+                <a:tc>
+                  <a:txBody>
+                    <a:bodyPr/>
+                    <a:lstStyle/>
+                    <a:p>
+                      <a:pPr algn="ctr"/>
+                      <a:r>
+                        <a:rPr lang="en-GB" sz="1200" dirty="0" smtClean="0"/>
+                        <a:t>0</a:t>
+                      </a:r>
+                      <a:endParaRPr lang="en-GB" sz="1200" dirty="0"/>
+                    </a:p>
+                  </a:txBody>
+                  <a:tcPr/>
+                </a:tc>
+                <a:tc>
+                  <a:txBody>
+                    <a:bodyPr/>
+                    <a:lstStyle/>
+                    <a:p>
+                      <a:pPr algn="ctr"/>
+                      <a:r>
+                        <a:rPr lang="en-GB" sz="1200" dirty="0" smtClean="0"/>
+                        <a:t>1</a:t>
+                      </a:r>
+                      <a:endParaRPr lang="en-GB" sz="1200" dirty="0"/>
+                    </a:p>
+                  </a:txBody>
+                  <a:tcPr/>
+                </a:tc>
+              </a:tr>
+              <a:tr h="239104">
+                <a:tc>
+                  <a:txBody>
+                    <a:bodyPr/>
+                    <a:lstStyle/>
+                    <a:p>
+                      <a:pPr algn="ctr"/>
+                      <a:r>
+                        <a:rPr lang="en-GB" sz="1200" dirty="0" smtClean="0">
+                          <a:solidFill>
+                            <a:schemeClr val="bg1"/>
+                          </a:solidFill>
+                        </a:rPr>
+                        <a:t>3</a:t>
+                      </a:r>
+                      <a:endParaRPr lang="en-GB" sz="1200" dirty="0">
+                        <a:solidFill>
+                          <a:schemeClr val="bg1"/>
+                        </a:solidFill>
+                      </a:endParaRPr>
+                    </a:p>
+                  </a:txBody>
+                  <a:tcPr>
+                    <a:solidFill>
+                      <a:srgbClr val="4372C4"/>
+                    </a:solidFill>
+                  </a:tcPr>
+                </a:tc>
+                <a:tc>
+                  <a:txBody>
+                    <a:bodyPr/>
+                    <a:lstStyle/>
+                    <a:p>
+                      <a:pPr algn="ctr"/>
+                      <a:r>
+                        <a:rPr lang="en-GB" sz="1200" dirty="0" smtClean="0"/>
+                        <a:t>0</a:t>
+                      </a:r>
+                      <a:endParaRPr lang="en-GB" sz="1200" dirty="0"/>
+                    </a:p>
+                  </a:txBody>
+                  <a:tcPr/>
+                </a:tc>
+                <a:tc>
+                  <a:txBody>
+                    <a:bodyPr/>
+                    <a:lstStyle/>
+                    <a:p>
+                      <a:pPr algn="ctr"/>
+                      <a:r>
+                        <a:rPr lang="en-GB" sz="1200" dirty="0" smtClean="0"/>
+                        <a:t>1</a:t>
+                      </a:r>
+                      <a:endParaRPr lang="en-GB" sz="1200" dirty="0"/>
+                    </a:p>
+                  </a:txBody>
+                  <a:tcPr/>
+                </a:tc>
+              </a:tr>
+              <a:tr h="239104">
+                <a:tc>
+                  <a:txBody>
+                    <a:bodyPr/>
+                    <a:lstStyle/>
+                    <a:p>
+                      <a:pPr algn="ctr"/>
+                      <a:r>
+                        <a:rPr lang="en-GB" sz="1200" dirty="0" smtClean="0">
+                          <a:solidFill>
+                            <a:schemeClr val="bg1"/>
+                          </a:solidFill>
+                        </a:rPr>
+                        <a:t>4</a:t>
+                      </a:r>
+                      <a:endParaRPr lang="en-GB" sz="1200" dirty="0">
+                        <a:solidFill>
+                          <a:schemeClr val="bg1"/>
+                        </a:solidFill>
+                      </a:endParaRPr>
+                    </a:p>
+                  </a:txBody>
+                  <a:tcPr>
+                    <a:solidFill>
+                      <a:srgbClr val="4372C4"/>
+                    </a:solidFill>
+                  </a:tcPr>
+                </a:tc>
+                <a:tc>
+                  <a:txBody>
+                    <a:bodyPr/>
+                    <a:lstStyle/>
+                    <a:p>
+                      <a:pPr algn="ctr"/>
+                      <a:r>
+                        <a:rPr lang="en-GB" sz="1200" dirty="0" smtClean="0"/>
+                        <a:t>1</a:t>
+                      </a:r>
+                      <a:endParaRPr lang="en-GB" sz="1200" dirty="0"/>
+                    </a:p>
+                  </a:txBody>
+                  <a:tcPr/>
+                </a:tc>
+                <a:tc>
+                  <a:txBody>
+                    <a:bodyPr/>
+                    <a:lstStyle/>
+                    <a:p>
+                      <a:pPr algn="ctr"/>
+                      <a:r>
+                        <a:rPr lang="en-GB" sz="1200" dirty="0" smtClean="0"/>
+                        <a:t>0</a:t>
+                      </a:r>
+                      <a:endParaRPr lang="en-GB" sz="1200" dirty="0"/>
+                    </a:p>
+                  </a:txBody>
+                  <a:tcPr/>
+                </a:tc>
+              </a:tr>
+              <a:tr h="239104">
+                <a:tc>
+                  <a:txBody>
+                    <a:bodyPr/>
+                    <a:lstStyle/>
+                    <a:p>
+                      <a:pPr algn="ctr"/>
+                      <a:r>
+                        <a:rPr lang="en-GB" sz="1200" dirty="0" smtClean="0">
+                          <a:solidFill>
+                            <a:schemeClr val="bg1"/>
+                          </a:solidFill>
+                        </a:rPr>
+                        <a:t>5</a:t>
+                      </a:r>
+                      <a:endParaRPr lang="en-GB" sz="1200" dirty="0">
+                        <a:solidFill>
+                          <a:schemeClr val="bg1"/>
+                        </a:solidFill>
+                      </a:endParaRPr>
+                    </a:p>
+                  </a:txBody>
+                  <a:tcPr>
+                    <a:solidFill>
+                      <a:srgbClr val="4372C4"/>
+                    </a:solidFill>
+                  </a:tcPr>
+                </a:tc>
+                <a:tc>
+                  <a:txBody>
+                    <a:bodyPr/>
+                    <a:lstStyle/>
+                    <a:p>
+                      <a:pPr algn="ctr"/>
+                      <a:r>
+                        <a:rPr lang="en-GB" sz="1200" dirty="0" smtClean="0"/>
+                        <a:t>1</a:t>
+                      </a:r>
+                      <a:endParaRPr lang="en-GB" sz="1200" dirty="0"/>
+                    </a:p>
+                  </a:txBody>
+                  <a:tcPr/>
+                </a:tc>
+                <a:tc>
+                  <a:txBody>
+                    <a:bodyPr/>
+                    <a:lstStyle/>
+                    <a:p>
+                      <a:pPr algn="ctr"/>
+                      <a:r>
+                        <a:rPr lang="en-GB" sz="1200" dirty="0" smtClean="0"/>
+                        <a:t>0</a:t>
+                      </a:r>
+                      <a:endParaRPr lang="en-GB" sz="1200" dirty="0"/>
+                    </a:p>
+                  </a:txBody>
+                  <a:tcPr/>
+                </a:tc>
+              </a:tr>
+            </a:tbl>
+          </a:graphicData>
+        </a:graphic>
+      </p:graphicFrame>
+      <p:cxnSp>
+        <p:nvCxnSpPr>
+          <p:cNvPr id="32" name="Straight Connector 31"/>
+          <p:cNvCxnSpPr/>
+          <p:nvPr/>
+        </p:nvCxnSpPr>
+        <p:spPr>
+          <a:xfrm>
+            <a:off x="2707887" y="2382439"/>
+            <a:ext cx="329277" cy="405367"/>
+          </a:xfrm>
+          <a:prstGeom prst="line">
+            <a:avLst/>
+          </a:prstGeom>
+          <a:ln w="19050">
+            <a:solidFill>
+              <a:schemeClr val="tx1"/>
+            </a:solidFill>
+            <a:prstDash val="dash"/>
+          </a:ln>
+        </p:spPr>
+        <p:style>
+          <a:lnRef idx="1">
+            <a:schemeClr val="accent1"/>
+          </a:lnRef>
+          <a:fillRef idx="0">
+            <a:schemeClr val="accent1"/>
+          </a:fillRef>
+          <a:effectRef idx="0">
+            <a:schemeClr val="accent1"/>
+          </a:effectRef>
+          <a:fontRef idx="minor">
+            <a:schemeClr val="tx1"/>
+          </a:fontRef>
+        </p:style>
+      </p:cxnSp>
+      <p:sp>
+        <p:nvSpPr>
+          <p:cNvPr id="36" name="Oval 35"/>
+          <p:cNvSpPr/>
+          <p:nvPr/>
+        </p:nvSpPr>
+        <p:spPr>
+          <a:xfrm>
+            <a:off x="3298312" y="2731028"/>
+            <a:ext cx="1570030" cy="459864"/>
+          </a:xfrm>
+          <a:prstGeom prst="ellipse">
+            <a:avLst/>
+          </a:prstGeom>
+          <a:noFill/>
+          <a:ln>
+            <a:solidFill>
+              <a:srgbClr val="FF0000"/>
+            </a:solidFill>
+          </a:ln>
+        </p:spPr>
+        <p:style>
+          <a:lnRef idx="2">
+            <a:schemeClr val="accent1">
+              <a:shade val="50000"/>
+            </a:schemeClr>
+          </a:lnRef>
+          <a:fillRef idx="1">
+            <a:schemeClr val="accent1"/>
+          </a:fillRef>
+          <a:effectRef idx="0">
+            <a:schemeClr val="accent1"/>
+          </a:effectRef>
+          <a:fontRef idx="minor">
+            <a:schemeClr val="lt1"/>
+          </a:fontRef>
+        </p:style>
+        <p:txBody>
+          <a:bodyPr rtlCol="0" anchor="ctr"/>
+          <a:lstStyle/>
+          <a:p>
+            <a:pPr algn="ctr"/>
+            <a:endParaRPr lang="en-GB"/>
+          </a:p>
+        </p:txBody>
+      </p:sp>
+      <p:graphicFrame>
+        <p:nvGraphicFramePr>
+          <p:cNvPr id="40" name="Table 39"/>
+          <p:cNvGraphicFramePr>
+            <a:graphicFrameLocks noGrp="1"/>
+          </p:cNvGraphicFramePr>
+          <p:nvPr>
+            <p:extLst>
+              <p:ext uri="{D42A27DB-BD31-4B8C-83A1-F6EECF244321}">
+                <p14:modId xmlns:p14="http://schemas.microsoft.com/office/powerpoint/2010/main" val="1072157111"/>
+              </p:ext>
+            </p:extLst>
+          </p:nvPr>
+        </p:nvGraphicFramePr>
+        <p:xfrm>
+          <a:off x="7154335" y="4308295"/>
+          <a:ext cx="4055180" cy="1152500"/>
+        </p:xfrm>
+        <a:graphic>
+          <a:graphicData uri="http://schemas.openxmlformats.org/drawingml/2006/table">
+            <a:tbl>
+              <a:tblPr firstRow="1" bandRow="1">
+                <a:tableStyleId>{5C22544A-7EE6-4342-B048-85BDC9FD1C3A}</a:tableStyleId>
+              </a:tblPr>
+              <a:tblGrid>
+                <a:gridCol w="811036"/>
+                <a:gridCol w="811036"/>
+                <a:gridCol w="811036"/>
+                <a:gridCol w="811036"/>
+                <a:gridCol w="811036"/>
+              </a:tblGrid>
+              <a:tr h="288125">
+                <a:tc>
+                  <a:txBody>
+                    <a:bodyPr/>
+                    <a:lstStyle/>
+                    <a:p>
+                      <a:r>
+                        <a:rPr lang="en-GB" sz="1200" dirty="0" smtClean="0"/>
+                        <a:t>zone</a:t>
+                      </a:r>
+                      <a:endParaRPr lang="en-GB" sz="1200" dirty="0"/>
+                    </a:p>
+                  </a:txBody>
+                  <a:tcPr>
+                    <a:solidFill>
+                      <a:srgbClr val="4372C4"/>
+                    </a:solidFill>
+                  </a:tcPr>
+                </a:tc>
+                <a:tc>
+                  <a:txBody>
+                    <a:bodyPr/>
+                    <a:lstStyle/>
+                    <a:p>
+                      <a:pPr algn="ctr"/>
+                      <a:r>
+                        <a:rPr lang="en-GB" sz="1200" dirty="0" smtClean="0">
+                          <a:solidFill>
+                            <a:schemeClr val="bg1"/>
+                          </a:solidFill>
+                        </a:rPr>
+                        <a:t>a0.49</a:t>
+                      </a:r>
+                      <a:endParaRPr lang="en-GB" sz="1200" dirty="0">
+                        <a:solidFill>
+                          <a:schemeClr val="bg1"/>
+                        </a:solidFill>
+                      </a:endParaRPr>
+                    </a:p>
+                  </a:txBody>
+                  <a:tcPr>
+                    <a:solidFill>
+                      <a:srgbClr val="4372C4"/>
+                    </a:solidFill>
+                  </a:tcPr>
+                </a:tc>
+                <a:tc>
+                  <a:txBody>
+                    <a:bodyPr/>
+                    <a:lstStyle/>
+                    <a:p>
+                      <a:pPr algn="ctr"/>
+                      <a:r>
+                        <a:rPr lang="en-GB" sz="1200" dirty="0" smtClean="0">
+                          <a:solidFill>
+                            <a:schemeClr val="bg1"/>
+                          </a:solidFill>
+                        </a:rPr>
+                        <a:t>a.50.</a:t>
+                      </a:r>
+                      <a:endParaRPr lang="en-GB" sz="1200" dirty="0">
+                        <a:solidFill>
+                          <a:schemeClr val="bg1"/>
+                        </a:solidFill>
+                      </a:endParaRPr>
+                    </a:p>
+                  </a:txBody>
+                  <a:tcPr>
+                    <a:solidFill>
+                      <a:srgbClr val="4372C4"/>
+                    </a:solidFill>
+                  </a:tcPr>
+                </a:tc>
+                <a:tc>
+                  <a:txBody>
+                    <a:bodyPr/>
+                    <a:lstStyle/>
+                    <a:p>
+                      <a:pPr algn="ctr"/>
+                      <a:r>
+                        <a:rPr lang="en-GB" sz="1200" dirty="0" smtClean="0">
+                          <a:solidFill>
+                            <a:schemeClr val="bg1"/>
+                          </a:solidFill>
+                        </a:rPr>
+                        <a:t>m</a:t>
+                      </a:r>
+                      <a:endParaRPr lang="en-GB" sz="1200" dirty="0">
+                        <a:solidFill>
+                          <a:schemeClr val="bg1"/>
+                        </a:solidFill>
+                      </a:endParaRPr>
+                    </a:p>
+                  </a:txBody>
+                  <a:tcPr>
+                    <a:solidFill>
+                      <a:srgbClr val="4372C4"/>
+                    </a:solidFill>
+                  </a:tcPr>
+                </a:tc>
+                <a:tc>
+                  <a:txBody>
+                    <a:bodyPr/>
+                    <a:lstStyle/>
+                    <a:p>
+                      <a:pPr algn="ctr"/>
+                      <a:r>
+                        <a:rPr lang="en-GB" sz="1200" dirty="0" smtClean="0">
+                          <a:solidFill>
+                            <a:schemeClr val="bg1"/>
+                          </a:solidFill>
+                        </a:rPr>
+                        <a:t>f</a:t>
+                      </a:r>
+                      <a:endParaRPr lang="en-GB" sz="1200" dirty="0">
+                        <a:solidFill>
+                          <a:schemeClr val="bg1"/>
+                        </a:solidFill>
+                      </a:endParaRPr>
+                    </a:p>
+                  </a:txBody>
+                  <a:tcPr>
+                    <a:solidFill>
+                      <a:srgbClr val="4372C4"/>
+                    </a:solidFill>
+                  </a:tcPr>
+                </a:tc>
+              </a:tr>
+              <a:tr h="288125">
+                <a:tc>
+                  <a:txBody>
+                    <a:bodyPr/>
+                    <a:lstStyle/>
+                    <a:p>
+                      <a:r>
+                        <a:rPr lang="en-GB" sz="1200" dirty="0" smtClean="0">
+                          <a:solidFill>
+                            <a:schemeClr val="bg1"/>
+                          </a:solidFill>
+                        </a:rPr>
+                        <a:t>Zone_1</a:t>
+                      </a:r>
+                      <a:endParaRPr lang="en-GB" sz="1200" dirty="0">
+                        <a:solidFill>
+                          <a:schemeClr val="bg1"/>
+                        </a:solidFill>
+                      </a:endParaRPr>
+                    </a:p>
+                  </a:txBody>
+                  <a:tcPr>
+                    <a:solidFill>
+                      <a:srgbClr val="4372C4"/>
+                    </a:solidFill>
+                  </a:tcPr>
+                </a:tc>
+                <a:tc>
+                  <a:txBody>
+                    <a:bodyPr/>
+                    <a:lstStyle/>
+                    <a:p>
+                      <a:pPr algn="ctr"/>
+                      <a:r>
+                        <a:rPr lang="en-GB" sz="1200" dirty="0" smtClean="0"/>
+                        <a:t>8</a:t>
+                      </a:r>
+                      <a:endParaRPr lang="en-GB" sz="1200" dirty="0"/>
+                    </a:p>
+                  </a:txBody>
+                  <a:tcPr/>
+                </a:tc>
+                <a:tc>
+                  <a:txBody>
+                    <a:bodyPr/>
+                    <a:lstStyle/>
+                    <a:p>
+                      <a:pPr algn="ctr"/>
+                      <a:r>
+                        <a:rPr lang="en-GB" sz="1200" dirty="0" smtClean="0"/>
+                        <a:t>4</a:t>
+                      </a:r>
+                      <a:endParaRPr lang="en-GB" sz="1200" dirty="0"/>
+                    </a:p>
+                  </a:txBody>
+                  <a:tcPr/>
+                </a:tc>
+                <a:tc>
+                  <a:txBody>
+                    <a:bodyPr/>
+                    <a:lstStyle/>
+                    <a:p>
+                      <a:pPr algn="ctr"/>
+                      <a:r>
+                        <a:rPr lang="en-GB" sz="1200" dirty="0" smtClean="0"/>
+                        <a:t>6</a:t>
+                      </a:r>
+                      <a:endParaRPr lang="en-GB" sz="1200" dirty="0"/>
+                    </a:p>
+                  </a:txBody>
+                  <a:tcPr/>
+                </a:tc>
+                <a:tc>
+                  <a:txBody>
+                    <a:bodyPr/>
+                    <a:lstStyle/>
+                    <a:p>
+                      <a:pPr algn="ctr"/>
+                      <a:r>
+                        <a:rPr lang="en-GB" sz="1200" dirty="0" smtClean="0"/>
+                        <a:t>6</a:t>
+                      </a:r>
+                      <a:endParaRPr lang="en-GB" sz="1200" dirty="0"/>
+                    </a:p>
+                  </a:txBody>
+                  <a:tcPr/>
+                </a:tc>
+              </a:tr>
+              <a:tr h="288125">
+                <a:tc>
+                  <a:txBody>
+                    <a:bodyPr/>
+                    <a:lstStyle/>
+                    <a:p>
+                      <a:r>
+                        <a:rPr lang="en-GB" sz="1200" dirty="0" smtClean="0">
+                          <a:solidFill>
+                            <a:schemeClr val="bg1"/>
+                          </a:solidFill>
+                        </a:rPr>
+                        <a:t>Zone_2</a:t>
+                      </a:r>
+                      <a:endParaRPr lang="en-GB" sz="1200" dirty="0">
+                        <a:solidFill>
+                          <a:schemeClr val="bg1"/>
+                        </a:solidFill>
+                      </a:endParaRPr>
+                    </a:p>
+                  </a:txBody>
+                  <a:tcPr>
+                    <a:solidFill>
+                      <a:srgbClr val="4372C4"/>
+                    </a:solidFill>
+                  </a:tcPr>
+                </a:tc>
+                <a:tc>
+                  <a:txBody>
+                    <a:bodyPr/>
+                    <a:lstStyle/>
+                    <a:p>
+                      <a:pPr algn="ctr"/>
+                      <a:r>
+                        <a:rPr lang="en-GB" sz="1200" dirty="0" smtClean="0"/>
+                        <a:t>2</a:t>
+                      </a:r>
+                      <a:endParaRPr lang="en-GB" sz="1200" dirty="0"/>
+                    </a:p>
+                  </a:txBody>
+                  <a:tcPr/>
+                </a:tc>
+                <a:tc>
+                  <a:txBody>
+                    <a:bodyPr/>
+                    <a:lstStyle/>
+                    <a:p>
+                      <a:pPr algn="ctr"/>
+                      <a:r>
+                        <a:rPr lang="en-GB" sz="1200" dirty="0" smtClean="0"/>
+                        <a:t>8</a:t>
+                      </a:r>
+                      <a:endParaRPr lang="en-GB" sz="1200" dirty="0"/>
+                    </a:p>
+                  </a:txBody>
+                  <a:tcPr/>
+                </a:tc>
+                <a:tc>
+                  <a:txBody>
+                    <a:bodyPr/>
+                    <a:lstStyle/>
+                    <a:p>
+                      <a:pPr algn="ctr"/>
+                      <a:r>
+                        <a:rPr lang="en-GB" sz="1200" dirty="0" smtClean="0"/>
+                        <a:t>4</a:t>
+                      </a:r>
+                      <a:endParaRPr lang="en-GB" sz="1200" dirty="0"/>
+                    </a:p>
+                  </a:txBody>
+                  <a:tcPr/>
+                </a:tc>
+                <a:tc>
+                  <a:txBody>
+                    <a:bodyPr/>
+                    <a:lstStyle/>
+                    <a:p>
+                      <a:pPr algn="ctr"/>
+                      <a:r>
+                        <a:rPr lang="en-GB" sz="1200" dirty="0" smtClean="0"/>
+                        <a:t>6</a:t>
+                      </a:r>
+                      <a:endParaRPr lang="en-GB" sz="1200" dirty="0"/>
+                    </a:p>
+                  </a:txBody>
+                  <a:tcPr/>
+                </a:tc>
+              </a:tr>
+              <a:tr h="288125">
+                <a:tc>
+                  <a:txBody>
+                    <a:bodyPr/>
+                    <a:lstStyle/>
+                    <a:p>
+                      <a:r>
+                        <a:rPr lang="en-GB" sz="1200" dirty="0" smtClean="0">
+                          <a:solidFill>
+                            <a:schemeClr val="bg1"/>
+                          </a:solidFill>
+                        </a:rPr>
+                        <a:t>Zone_3</a:t>
+                      </a:r>
+                      <a:endParaRPr lang="en-GB" sz="1200" dirty="0">
+                        <a:solidFill>
+                          <a:schemeClr val="bg1"/>
+                        </a:solidFill>
+                      </a:endParaRPr>
+                    </a:p>
+                  </a:txBody>
+                  <a:tcPr>
+                    <a:solidFill>
+                      <a:srgbClr val="4372C4"/>
+                    </a:solidFill>
+                  </a:tcPr>
+                </a:tc>
+                <a:tc>
+                  <a:txBody>
+                    <a:bodyPr/>
+                    <a:lstStyle/>
+                    <a:p>
+                      <a:pPr algn="ctr"/>
+                      <a:r>
+                        <a:rPr lang="en-GB" sz="1200" dirty="0" smtClean="0"/>
+                        <a:t>7</a:t>
+                      </a:r>
+                      <a:endParaRPr lang="en-GB" sz="1200" dirty="0"/>
+                    </a:p>
+                  </a:txBody>
+                  <a:tcPr/>
+                </a:tc>
+                <a:tc>
+                  <a:txBody>
+                    <a:bodyPr/>
+                    <a:lstStyle/>
+                    <a:p>
+                      <a:pPr algn="ctr"/>
+                      <a:r>
+                        <a:rPr lang="en-GB" sz="1200" dirty="0" smtClean="0"/>
+                        <a:t>4</a:t>
+                      </a:r>
+                      <a:endParaRPr lang="en-GB" sz="1200" dirty="0"/>
+                    </a:p>
+                  </a:txBody>
+                  <a:tcPr/>
+                </a:tc>
+                <a:tc>
+                  <a:txBody>
+                    <a:bodyPr/>
+                    <a:lstStyle/>
+                    <a:p>
+                      <a:pPr algn="ctr"/>
+                      <a:r>
+                        <a:rPr lang="en-GB" sz="1200" dirty="0" smtClean="0"/>
+                        <a:t>3</a:t>
+                      </a:r>
+                      <a:endParaRPr lang="en-GB" sz="1200" dirty="0"/>
+                    </a:p>
+                  </a:txBody>
+                  <a:tcPr/>
+                </a:tc>
+                <a:tc>
+                  <a:txBody>
+                    <a:bodyPr/>
+                    <a:lstStyle/>
+                    <a:p>
+                      <a:pPr algn="ctr"/>
+                      <a:r>
+                        <a:rPr lang="en-GB" sz="1200" dirty="0" smtClean="0"/>
+                        <a:t>8</a:t>
+                      </a:r>
+                      <a:endParaRPr lang="en-GB" sz="1200" dirty="0"/>
+                    </a:p>
+                  </a:txBody>
+                  <a:tcPr/>
+                </a:tc>
+              </a:tr>
+            </a:tbl>
+          </a:graphicData>
+        </a:graphic>
+      </p:graphicFrame>
+    </p:spTree>
+    <p:extLst>
+      <p:ext uri="{BB962C8B-B14F-4D97-AF65-F5344CB8AC3E}">
+        <p14:creationId xmlns:p14="http://schemas.microsoft.com/office/powerpoint/2010/main" val="968995120"/>
+      </p:ext>
+    </p:extLst>
+  </p:cSld>
+  <p:clrMapOvr>
+    <a:masterClrMapping/>
+  </p:clrMapOvr>
+</p:sld>
+</file>
+
+<file path=ppt/slides/slide2.xml><?xml version="1.0" encoding="utf-8"?>
+<p:sld xmlns:a="http://schemas.openxmlformats.org/drawingml/2006/main" xmlns:r="http://schemas.openxmlformats.org/officeDocument/2006/relationships" xmlns:p="http://schemas.openxmlformats.org/presentationml/2006/main">
+  <p:cSld>
+    <p:spTree>
+      <p:nvGrpSpPr>
+        <p:cNvPr id="1" name=""/>
+        <p:cNvGrpSpPr/>
+        <p:nvPr/>
+      </p:nvGrpSpPr>
+      <p:grpSpPr>
+        <a:xfrm>
+          <a:off x="0" y="0"/>
+          <a:ext cx="0" cy="0"/>
+          <a:chOff x="0" y="0"/>
+          <a:chExt cx="0" cy="0"/>
+        </a:xfrm>
+      </p:grpSpPr>
+      <p:sp>
+        <p:nvSpPr>
+          <p:cNvPr id="4" name="TextBox 3"/>
+          <p:cNvSpPr txBox="1"/>
+          <p:nvPr/>
+        </p:nvSpPr>
+        <p:spPr>
+          <a:xfrm>
+            <a:off x="8026401" y="262466"/>
+            <a:ext cx="3530600" cy="369332"/>
+          </a:xfrm>
+          <a:prstGeom prst="rect">
+            <a:avLst/>
+          </a:prstGeom>
+          <a:noFill/>
+        </p:spPr>
+        <p:txBody>
+          <a:bodyPr wrap="square" rtlCol="0">
+            <a:spAutoFit/>
+          </a:bodyPr>
+          <a:lstStyle/>
+          <a:p>
+            <a:r>
+              <a:rPr lang="en-GB" smtClean="0"/>
+              <a:t>Constraints</a:t>
+            </a:r>
+            <a:endParaRPr lang="en-GB"/>
+          </a:p>
+        </p:txBody>
+      </p:sp>
+      <p:sp>
+        <p:nvSpPr>
+          <p:cNvPr id="5" name="TextBox 4"/>
+          <p:cNvSpPr txBox="1"/>
+          <p:nvPr/>
+        </p:nvSpPr>
+        <p:spPr>
+          <a:xfrm>
+            <a:off x="1533012" y="262466"/>
+            <a:ext cx="3530600" cy="369332"/>
+          </a:xfrm>
+          <a:prstGeom prst="rect">
+            <a:avLst/>
+          </a:prstGeom>
+          <a:noFill/>
+        </p:spPr>
+        <p:txBody>
+          <a:bodyPr wrap="square" rtlCol="0">
+            <a:spAutoFit/>
+          </a:bodyPr>
+          <a:lstStyle/>
+          <a:p>
+            <a:r>
+              <a:rPr lang="en-GB" dirty="0" smtClean="0"/>
+              <a:t>Microdata (individuals)</a:t>
+            </a:r>
+            <a:endParaRPr lang="en-GB" dirty="0"/>
+          </a:p>
+        </p:txBody>
+      </p:sp>
+      <p:graphicFrame>
+        <p:nvGraphicFramePr>
+          <p:cNvPr id="14" name="Table 13"/>
+          <p:cNvGraphicFramePr>
+            <a:graphicFrameLocks noGrp="1"/>
+          </p:cNvGraphicFramePr>
+          <p:nvPr>
+            <p:extLst>
+              <p:ext uri="{D42A27DB-BD31-4B8C-83A1-F6EECF244321}">
+                <p14:modId xmlns:p14="http://schemas.microsoft.com/office/powerpoint/2010/main" val="1302120741"/>
+              </p:ext>
+            </p:extLst>
+          </p:nvPr>
+        </p:nvGraphicFramePr>
+        <p:xfrm>
+          <a:off x="6430433" y="945047"/>
+          <a:ext cx="4055180" cy="1152500"/>
+        </p:xfrm>
+        <a:graphic>
+          <a:graphicData uri="http://schemas.openxmlformats.org/drawingml/2006/table">
+            <a:tbl>
+              <a:tblPr firstRow="1" bandRow="1">
+                <a:tableStyleId>{5C22544A-7EE6-4342-B048-85BDC9FD1C3A}</a:tableStyleId>
+              </a:tblPr>
+              <a:tblGrid>
+                <a:gridCol w="811036"/>
+                <a:gridCol w="811036"/>
+                <a:gridCol w="811036"/>
+                <a:gridCol w="811036"/>
+                <a:gridCol w="811036"/>
+              </a:tblGrid>
+              <a:tr h="288125">
+                <a:tc>
+                  <a:txBody>
+                    <a:bodyPr/>
+                    <a:lstStyle/>
+                    <a:p>
+                      <a:r>
+                        <a:rPr lang="en-GB" sz="1200" dirty="0" smtClean="0"/>
+                        <a:t>zone</a:t>
+                      </a:r>
+                      <a:endParaRPr lang="en-GB" sz="1200" dirty="0"/>
+                    </a:p>
+                  </a:txBody>
+                  <a:tcPr>
+                    <a:solidFill>
+                      <a:srgbClr val="4372C4"/>
+                    </a:solidFill>
+                  </a:tcPr>
+                </a:tc>
+                <a:tc>
+                  <a:txBody>
+                    <a:bodyPr/>
+                    <a:lstStyle/>
+                    <a:p>
+                      <a:pPr algn="ctr"/>
+                      <a:r>
+                        <a:rPr lang="en-GB" sz="1200" dirty="0" smtClean="0">
+                          <a:solidFill>
+                            <a:schemeClr val="bg1"/>
+                          </a:solidFill>
+                        </a:rPr>
+                        <a:t>a0.49</a:t>
+                      </a:r>
+                      <a:endParaRPr lang="en-GB" sz="1200" dirty="0">
+                        <a:solidFill>
+                          <a:schemeClr val="bg1"/>
+                        </a:solidFill>
+                      </a:endParaRPr>
+                    </a:p>
+                  </a:txBody>
+                  <a:tcPr>
+                    <a:solidFill>
+                      <a:srgbClr val="4372C4"/>
+                    </a:solidFill>
+                  </a:tcPr>
+                </a:tc>
+                <a:tc>
+                  <a:txBody>
+                    <a:bodyPr/>
+                    <a:lstStyle/>
+                    <a:p>
+                      <a:pPr algn="ctr"/>
+                      <a:r>
+                        <a:rPr lang="en-GB" sz="1200" dirty="0" smtClean="0">
+                          <a:solidFill>
+                            <a:schemeClr val="bg1"/>
+                          </a:solidFill>
+                        </a:rPr>
+                        <a:t>a.50.</a:t>
+                      </a:r>
+                      <a:endParaRPr lang="en-GB" sz="1200" dirty="0">
+                        <a:solidFill>
+                          <a:schemeClr val="bg1"/>
+                        </a:solidFill>
+                      </a:endParaRPr>
+                    </a:p>
+                  </a:txBody>
+                  <a:tcPr>
+                    <a:solidFill>
+                      <a:srgbClr val="4372C4"/>
+                    </a:solidFill>
+                  </a:tcPr>
+                </a:tc>
+                <a:tc>
+                  <a:txBody>
+                    <a:bodyPr/>
+                    <a:lstStyle/>
+                    <a:p>
+                      <a:pPr algn="ctr"/>
+                      <a:r>
+                        <a:rPr lang="en-GB" sz="1200" dirty="0" smtClean="0">
+                          <a:solidFill>
+                            <a:schemeClr val="bg1"/>
+                          </a:solidFill>
+                        </a:rPr>
+                        <a:t>m</a:t>
+                      </a:r>
+                      <a:endParaRPr lang="en-GB" sz="1200" dirty="0">
+                        <a:solidFill>
+                          <a:schemeClr val="bg1"/>
+                        </a:solidFill>
+                      </a:endParaRPr>
+                    </a:p>
+                  </a:txBody>
+                  <a:tcPr>
+                    <a:solidFill>
+                      <a:srgbClr val="4372C4"/>
+                    </a:solidFill>
+                  </a:tcPr>
+                </a:tc>
+                <a:tc>
+                  <a:txBody>
+                    <a:bodyPr/>
+                    <a:lstStyle/>
+                    <a:p>
+                      <a:pPr algn="ctr"/>
+                      <a:r>
+                        <a:rPr lang="en-GB" sz="1200" dirty="0" smtClean="0">
+                          <a:solidFill>
+                            <a:schemeClr val="bg1"/>
+                          </a:solidFill>
+                        </a:rPr>
+                        <a:t>f</a:t>
+                      </a:r>
+                      <a:endParaRPr lang="en-GB" sz="1200" dirty="0">
+                        <a:solidFill>
+                          <a:schemeClr val="bg1"/>
+                        </a:solidFill>
+                      </a:endParaRPr>
+                    </a:p>
+                  </a:txBody>
+                  <a:tcPr>
+                    <a:solidFill>
+                      <a:srgbClr val="4372C4"/>
+                    </a:solidFill>
+                  </a:tcPr>
+                </a:tc>
+              </a:tr>
+              <a:tr h="288125">
+                <a:tc>
+                  <a:txBody>
+                    <a:bodyPr/>
+                    <a:lstStyle/>
+                    <a:p>
+                      <a:r>
+                        <a:rPr lang="en-GB" sz="1200" dirty="0" smtClean="0">
+                          <a:solidFill>
+                            <a:schemeClr val="bg1"/>
+                          </a:solidFill>
+                        </a:rPr>
+                        <a:t>Zone_1</a:t>
+                      </a:r>
+                      <a:endParaRPr lang="en-GB" sz="1200" dirty="0">
+                        <a:solidFill>
+                          <a:schemeClr val="bg1"/>
+                        </a:solidFill>
+                      </a:endParaRPr>
+                    </a:p>
+                  </a:txBody>
+                  <a:tcPr>
+                    <a:solidFill>
+                      <a:srgbClr val="4372C4"/>
+                    </a:solidFill>
+                  </a:tcPr>
+                </a:tc>
+                <a:tc>
+                  <a:txBody>
+                    <a:bodyPr/>
+                    <a:lstStyle/>
+                    <a:p>
+                      <a:pPr algn="ctr"/>
+                      <a:r>
+                        <a:rPr lang="en-GB" sz="1200" dirty="0" smtClean="0"/>
+                        <a:t>8</a:t>
+                      </a:r>
+                      <a:endParaRPr lang="en-GB" sz="1200" dirty="0"/>
+                    </a:p>
+                  </a:txBody>
+                  <a:tcPr/>
+                </a:tc>
+                <a:tc>
+                  <a:txBody>
+                    <a:bodyPr/>
+                    <a:lstStyle/>
+                    <a:p>
+                      <a:pPr algn="ctr"/>
+                      <a:r>
+                        <a:rPr lang="en-GB" sz="1200" dirty="0" smtClean="0"/>
+                        <a:t>4</a:t>
+                      </a:r>
+                      <a:endParaRPr lang="en-GB" sz="1200" dirty="0"/>
+                    </a:p>
+                  </a:txBody>
+                  <a:tcPr/>
+                </a:tc>
+                <a:tc>
+                  <a:txBody>
+                    <a:bodyPr/>
+                    <a:lstStyle/>
+                    <a:p>
+                      <a:pPr algn="ctr"/>
+                      <a:r>
+                        <a:rPr lang="en-GB" sz="1200" dirty="0" smtClean="0"/>
+                        <a:t>6</a:t>
+                      </a:r>
+                      <a:endParaRPr lang="en-GB" sz="1200" dirty="0"/>
+                    </a:p>
+                  </a:txBody>
+                  <a:tcPr/>
+                </a:tc>
+                <a:tc>
+                  <a:txBody>
+                    <a:bodyPr/>
+                    <a:lstStyle/>
+                    <a:p>
+                      <a:pPr algn="ctr"/>
+                      <a:r>
+                        <a:rPr lang="en-GB" sz="1200" dirty="0" smtClean="0"/>
+                        <a:t>6</a:t>
+                      </a:r>
+                      <a:endParaRPr lang="en-GB" sz="1200" dirty="0"/>
+                    </a:p>
+                  </a:txBody>
+                  <a:tcPr/>
+                </a:tc>
+              </a:tr>
+              <a:tr h="288125">
+                <a:tc>
+                  <a:txBody>
+                    <a:bodyPr/>
+                    <a:lstStyle/>
+                    <a:p>
+                      <a:r>
+                        <a:rPr lang="en-GB" sz="1200" dirty="0" smtClean="0">
+                          <a:solidFill>
+                            <a:schemeClr val="bg1"/>
+                          </a:solidFill>
+                        </a:rPr>
+                        <a:t>Zone_2</a:t>
+                      </a:r>
+                      <a:endParaRPr lang="en-GB" sz="1200" dirty="0">
+                        <a:solidFill>
+                          <a:schemeClr val="bg1"/>
+                        </a:solidFill>
+                      </a:endParaRPr>
+                    </a:p>
+                  </a:txBody>
+                  <a:tcPr>
+                    <a:solidFill>
+                      <a:srgbClr val="4372C4"/>
+                    </a:solidFill>
+                  </a:tcPr>
+                </a:tc>
+                <a:tc>
+                  <a:txBody>
+                    <a:bodyPr/>
+                    <a:lstStyle/>
+                    <a:p>
+                      <a:pPr algn="ctr"/>
+                      <a:r>
+                        <a:rPr lang="en-GB" sz="1200" dirty="0" smtClean="0"/>
+                        <a:t>2</a:t>
+                      </a:r>
+                      <a:endParaRPr lang="en-GB" sz="1200" dirty="0"/>
+                    </a:p>
+                  </a:txBody>
+                  <a:tcPr/>
+                </a:tc>
+                <a:tc>
+                  <a:txBody>
+                    <a:bodyPr/>
+                    <a:lstStyle/>
+                    <a:p>
+                      <a:pPr algn="ctr"/>
+                      <a:r>
+                        <a:rPr lang="en-GB" sz="1200" dirty="0" smtClean="0"/>
+                        <a:t>8</a:t>
+                      </a:r>
+                      <a:endParaRPr lang="en-GB" sz="1200" dirty="0"/>
+                    </a:p>
+                  </a:txBody>
+                  <a:tcPr/>
+                </a:tc>
+                <a:tc>
+                  <a:txBody>
+                    <a:bodyPr/>
+                    <a:lstStyle/>
+                    <a:p>
+                      <a:pPr algn="ctr"/>
+                      <a:r>
+                        <a:rPr lang="en-GB" sz="1200" dirty="0" smtClean="0"/>
+                        <a:t>4</a:t>
+                      </a:r>
+                      <a:endParaRPr lang="en-GB" sz="1200" dirty="0"/>
+                    </a:p>
+                  </a:txBody>
+                  <a:tcPr/>
+                </a:tc>
+                <a:tc>
+                  <a:txBody>
+                    <a:bodyPr/>
+                    <a:lstStyle/>
+                    <a:p>
+                      <a:pPr algn="ctr"/>
+                      <a:r>
+                        <a:rPr lang="en-GB" sz="1200" dirty="0" smtClean="0"/>
+                        <a:t>6</a:t>
+                      </a:r>
+                      <a:endParaRPr lang="en-GB" sz="1200" dirty="0"/>
+                    </a:p>
+                  </a:txBody>
+                  <a:tcPr/>
+                </a:tc>
+              </a:tr>
+              <a:tr h="288125">
+                <a:tc>
+                  <a:txBody>
+                    <a:bodyPr/>
+                    <a:lstStyle/>
+                    <a:p>
+                      <a:r>
+                        <a:rPr lang="en-GB" sz="1200" dirty="0" smtClean="0">
+                          <a:solidFill>
+                            <a:schemeClr val="bg1"/>
+                          </a:solidFill>
+                        </a:rPr>
+                        <a:t>Zone_3</a:t>
+                      </a:r>
+                      <a:endParaRPr lang="en-GB" sz="1200" dirty="0">
+                        <a:solidFill>
+                          <a:schemeClr val="bg1"/>
+                        </a:solidFill>
+                      </a:endParaRPr>
+                    </a:p>
+                  </a:txBody>
+                  <a:tcPr>
+                    <a:solidFill>
+                      <a:srgbClr val="4372C4"/>
+                    </a:solidFill>
+                  </a:tcPr>
+                </a:tc>
+                <a:tc>
+                  <a:txBody>
+                    <a:bodyPr/>
+                    <a:lstStyle/>
+                    <a:p>
+                      <a:pPr algn="ctr"/>
+                      <a:r>
+                        <a:rPr lang="en-GB" sz="1200" dirty="0" smtClean="0"/>
+                        <a:t>7</a:t>
+                      </a:r>
+                      <a:endParaRPr lang="en-GB" sz="1200" dirty="0"/>
+                    </a:p>
+                  </a:txBody>
+                  <a:tcPr/>
+                </a:tc>
+                <a:tc>
+                  <a:txBody>
+                    <a:bodyPr/>
+                    <a:lstStyle/>
+                    <a:p>
+                      <a:pPr algn="ctr"/>
+                      <a:r>
+                        <a:rPr lang="en-GB" sz="1200" dirty="0" smtClean="0"/>
+                        <a:t>4</a:t>
+                      </a:r>
+                      <a:endParaRPr lang="en-GB" sz="1200" dirty="0"/>
+                    </a:p>
+                  </a:txBody>
+                  <a:tcPr/>
+                </a:tc>
+                <a:tc>
+                  <a:txBody>
+                    <a:bodyPr/>
+                    <a:lstStyle/>
+                    <a:p>
+                      <a:pPr algn="ctr"/>
+                      <a:r>
+                        <a:rPr lang="en-GB" sz="1200" dirty="0" smtClean="0"/>
+                        <a:t>3</a:t>
+                      </a:r>
+                      <a:endParaRPr lang="en-GB" sz="1200" dirty="0"/>
+                    </a:p>
+                  </a:txBody>
+                  <a:tcPr/>
+                </a:tc>
+                <a:tc>
+                  <a:txBody>
+                    <a:bodyPr/>
+                    <a:lstStyle/>
+                    <a:p>
+                      <a:pPr algn="ctr"/>
+                      <a:r>
+                        <a:rPr lang="en-GB" sz="1200" dirty="0" smtClean="0"/>
+                        <a:t>8</a:t>
+                      </a:r>
+                      <a:endParaRPr lang="en-GB" sz="1200" dirty="0"/>
+                    </a:p>
+                  </a:txBody>
+                  <a:tcPr/>
+                </a:tc>
+              </a:tr>
+            </a:tbl>
+          </a:graphicData>
+        </a:graphic>
+      </p:graphicFrame>
+      <p:graphicFrame>
+        <p:nvGraphicFramePr>
+          <p:cNvPr id="27" name="Table 26"/>
+          <p:cNvGraphicFramePr>
+            <a:graphicFrameLocks noGrp="1"/>
+          </p:cNvGraphicFramePr>
+          <p:nvPr>
+            <p:extLst>
+              <p:ext uri="{D42A27DB-BD31-4B8C-83A1-F6EECF244321}">
+                <p14:modId xmlns:p14="http://schemas.microsoft.com/office/powerpoint/2010/main" val="1270960116"/>
+              </p:ext>
+            </p:extLst>
+          </p:nvPr>
+        </p:nvGraphicFramePr>
+        <p:xfrm>
+          <a:off x="783355" y="1274587"/>
+          <a:ext cx="3933730" cy="1645920"/>
+        </p:xfrm>
+        <a:graphic>
+          <a:graphicData uri="http://schemas.openxmlformats.org/drawingml/2006/table">
+            <a:tbl>
+              <a:tblPr firstRow="1" bandRow="1">
+                <a:tableStyleId>{5C22544A-7EE6-4342-B048-85BDC9FD1C3A}</a:tableStyleId>
+              </a:tblPr>
+              <a:tblGrid>
+                <a:gridCol w="383008"/>
+                <a:gridCol w="1009570"/>
+                <a:gridCol w="948267"/>
+                <a:gridCol w="812800"/>
+                <a:gridCol w="780085"/>
+              </a:tblGrid>
+              <a:tr h="150879">
+                <a:tc>
+                  <a:txBody>
+                    <a:bodyPr/>
+                    <a:lstStyle/>
+                    <a:p>
+                      <a:pPr algn="ctr"/>
+                      <a:r>
+                        <a:rPr lang="en-GB" sz="1200" dirty="0" smtClean="0"/>
+                        <a:t>id</a:t>
+                      </a:r>
+                      <a:endParaRPr lang="en-GB" sz="1200" dirty="0"/>
+                    </a:p>
+                  </a:txBody>
+                  <a:tcPr>
+                    <a:solidFill>
+                      <a:srgbClr val="4372C4"/>
+                    </a:solidFill>
+                  </a:tcPr>
+                </a:tc>
+                <a:tc>
+                  <a:txBody>
+                    <a:bodyPr/>
+                    <a:lstStyle/>
+                    <a:p>
+                      <a:r>
+                        <a:rPr lang="en-GB" sz="1200" dirty="0" smtClean="0">
+                          <a:solidFill>
+                            <a:schemeClr val="bg1"/>
+                          </a:solidFill>
+                        </a:rPr>
+                        <a:t>ind$age0_49</a:t>
+                      </a:r>
+                      <a:endParaRPr lang="en-GB" sz="1200" dirty="0">
+                        <a:solidFill>
+                          <a:schemeClr val="bg1"/>
+                        </a:solidFill>
+                      </a:endParaRPr>
+                    </a:p>
+                  </a:txBody>
+                  <a:tcPr>
+                    <a:solidFill>
+                      <a:srgbClr val="4372C4"/>
+                    </a:solidFill>
+                  </a:tcPr>
+                </a:tc>
+                <a:tc>
+                  <a:txBody>
+                    <a:bodyPr/>
+                    <a:lstStyle/>
+                    <a:p>
+                      <a:r>
+                        <a:rPr lang="en-GB" sz="1200" dirty="0" smtClean="0">
+                          <a:solidFill>
+                            <a:schemeClr val="bg1"/>
+                          </a:solidFill>
+                        </a:rPr>
+                        <a:t>ind$age50+</a:t>
+                      </a:r>
+                      <a:endParaRPr lang="en-GB" sz="1200" dirty="0">
+                        <a:solidFill>
+                          <a:schemeClr val="bg1"/>
+                        </a:solidFill>
+                      </a:endParaRPr>
+                    </a:p>
+                  </a:txBody>
+                  <a:tcPr>
+                    <a:solidFill>
+                      <a:srgbClr val="4372C4"/>
+                    </a:solidFill>
+                  </a:tcPr>
+                </a:tc>
+                <a:tc>
+                  <a:txBody>
+                    <a:bodyPr/>
+                    <a:lstStyle/>
+                    <a:p>
+                      <a:r>
+                        <a:rPr lang="en-GB" sz="1200" dirty="0" err="1" smtClean="0">
+                          <a:solidFill>
+                            <a:schemeClr val="bg1"/>
+                          </a:solidFill>
+                        </a:rPr>
+                        <a:t>ind$sexm</a:t>
+                      </a:r>
+                      <a:endParaRPr lang="en-GB" sz="1200" dirty="0">
+                        <a:solidFill>
+                          <a:schemeClr val="bg1"/>
+                        </a:solidFill>
+                      </a:endParaRPr>
+                    </a:p>
+                  </a:txBody>
+                  <a:tcPr>
+                    <a:solidFill>
+                      <a:srgbClr val="4372C4"/>
+                    </a:solidFill>
+                  </a:tcPr>
+                </a:tc>
+                <a:tc>
+                  <a:txBody>
+                    <a:bodyPr/>
+                    <a:lstStyle/>
+                    <a:p>
+                      <a:r>
+                        <a:rPr lang="en-GB" sz="1200" dirty="0" err="1" smtClean="0">
+                          <a:solidFill>
+                            <a:schemeClr val="bg1"/>
+                          </a:solidFill>
+                        </a:rPr>
+                        <a:t>ind$sexf</a:t>
+                      </a:r>
+                      <a:endParaRPr lang="en-GB" sz="1200" dirty="0">
+                        <a:solidFill>
+                          <a:schemeClr val="bg1"/>
+                        </a:solidFill>
+                      </a:endParaRPr>
+                    </a:p>
+                  </a:txBody>
+                  <a:tcPr>
+                    <a:solidFill>
+                      <a:srgbClr val="4372C4"/>
+                    </a:solidFill>
+                  </a:tcPr>
+                </a:tc>
+              </a:tr>
+              <a:tr h="150879">
+                <a:tc>
+                  <a:txBody>
+                    <a:bodyPr/>
+                    <a:lstStyle/>
+                    <a:p>
+                      <a:pPr algn="ctr"/>
+                      <a:r>
+                        <a:rPr lang="en-GB" sz="1200" dirty="0" smtClean="0">
+                          <a:solidFill>
+                            <a:schemeClr val="bg1"/>
+                          </a:solidFill>
+                        </a:rPr>
+                        <a:t>1</a:t>
+                      </a:r>
+                      <a:endParaRPr lang="en-GB" sz="1200" dirty="0">
+                        <a:solidFill>
+                          <a:schemeClr val="bg1"/>
+                        </a:solidFill>
+                      </a:endParaRPr>
+                    </a:p>
+                  </a:txBody>
+                  <a:tcPr>
+                    <a:solidFill>
+                      <a:srgbClr val="4372C4"/>
+                    </a:solidFill>
+                  </a:tcPr>
+                </a:tc>
+                <a:tc>
+                  <a:txBody>
+                    <a:bodyPr/>
+                    <a:lstStyle/>
+                    <a:p>
+                      <a:pPr algn="ctr"/>
+                      <a:r>
+                        <a:rPr lang="en-GB" sz="1200" dirty="0" smtClean="0"/>
+                        <a:t>0</a:t>
+                      </a:r>
+                      <a:endParaRPr lang="en-GB" sz="1200" dirty="0"/>
+                    </a:p>
+                  </a:txBody>
+                  <a:tcPr/>
+                </a:tc>
+                <a:tc>
+                  <a:txBody>
+                    <a:bodyPr/>
+                    <a:lstStyle/>
+                    <a:p>
+                      <a:pPr algn="ctr"/>
+                      <a:r>
+                        <a:rPr lang="en-GB" sz="1200" dirty="0" smtClean="0"/>
+                        <a:t>1</a:t>
+                      </a:r>
+                      <a:endParaRPr lang="en-GB" sz="1200" dirty="0"/>
+                    </a:p>
+                  </a:txBody>
+                  <a:tcPr/>
+                </a:tc>
+                <a:tc>
+                  <a:txBody>
+                    <a:bodyPr/>
+                    <a:lstStyle/>
+                    <a:p>
+                      <a:pPr algn="ctr"/>
+                      <a:r>
+                        <a:rPr lang="en-GB" sz="1200" dirty="0" smtClean="0"/>
+                        <a:t>1</a:t>
+                      </a:r>
+                      <a:endParaRPr lang="en-GB" sz="1200" dirty="0"/>
+                    </a:p>
+                  </a:txBody>
+                  <a:tcPr/>
+                </a:tc>
+                <a:tc>
+                  <a:txBody>
+                    <a:bodyPr/>
+                    <a:lstStyle/>
+                    <a:p>
+                      <a:pPr algn="ctr"/>
+                      <a:r>
+                        <a:rPr lang="en-GB" sz="1200" dirty="0" smtClean="0"/>
+                        <a:t>0</a:t>
+                      </a:r>
+                      <a:endParaRPr lang="en-GB" sz="1200" dirty="0"/>
+                    </a:p>
+                  </a:txBody>
+                  <a:tcPr/>
+                </a:tc>
+              </a:tr>
+              <a:tr h="150879">
+                <a:tc>
+                  <a:txBody>
+                    <a:bodyPr/>
+                    <a:lstStyle/>
+                    <a:p>
+                      <a:pPr algn="ctr"/>
+                      <a:r>
+                        <a:rPr lang="en-GB" sz="1200" dirty="0" smtClean="0">
+                          <a:solidFill>
+                            <a:schemeClr val="bg1"/>
+                          </a:solidFill>
+                        </a:rPr>
+                        <a:t>2</a:t>
+                      </a:r>
+                      <a:endParaRPr lang="en-GB" sz="1200" dirty="0">
+                        <a:solidFill>
+                          <a:schemeClr val="bg1"/>
+                        </a:solidFill>
+                      </a:endParaRPr>
+                    </a:p>
+                  </a:txBody>
+                  <a:tcPr>
+                    <a:solidFill>
+                      <a:srgbClr val="4372C4"/>
+                    </a:solidFill>
+                  </a:tcPr>
+                </a:tc>
+                <a:tc>
+                  <a:txBody>
+                    <a:bodyPr/>
+                    <a:lstStyle/>
+                    <a:p>
+                      <a:pPr algn="ctr"/>
+                      <a:r>
+                        <a:rPr lang="en-GB" sz="1200" dirty="0" smtClean="0"/>
+                        <a:t>0</a:t>
+                      </a:r>
+                      <a:endParaRPr lang="en-GB" sz="1200" dirty="0"/>
+                    </a:p>
+                  </a:txBody>
+                  <a:tcPr/>
+                </a:tc>
+                <a:tc>
+                  <a:txBody>
+                    <a:bodyPr/>
+                    <a:lstStyle/>
+                    <a:p>
+                      <a:pPr algn="ctr"/>
+                      <a:r>
+                        <a:rPr lang="en-GB" sz="1200" dirty="0" smtClean="0"/>
+                        <a:t>1</a:t>
+                      </a:r>
+                      <a:endParaRPr lang="en-GB" sz="1200" dirty="0"/>
+                    </a:p>
+                  </a:txBody>
+                  <a:tcPr/>
+                </a:tc>
+                <a:tc>
+                  <a:txBody>
+                    <a:bodyPr/>
+                    <a:lstStyle/>
+                    <a:p>
+                      <a:pPr algn="ctr"/>
+                      <a:r>
+                        <a:rPr lang="en-GB" sz="1200" dirty="0" smtClean="0"/>
+                        <a:t>1</a:t>
+                      </a:r>
+                      <a:endParaRPr lang="en-GB" sz="1200" dirty="0"/>
+                    </a:p>
+                  </a:txBody>
+                  <a:tcPr/>
+                </a:tc>
+                <a:tc>
+                  <a:txBody>
+                    <a:bodyPr/>
+                    <a:lstStyle/>
+                    <a:p>
+                      <a:pPr algn="ctr"/>
+                      <a:r>
+                        <a:rPr lang="en-GB" sz="1200" dirty="0" smtClean="0"/>
+                        <a:t>0</a:t>
+                      </a:r>
+                      <a:endParaRPr lang="en-GB" sz="1200" dirty="0"/>
+                    </a:p>
+                  </a:txBody>
+                  <a:tcPr/>
+                </a:tc>
+              </a:tr>
+              <a:tr h="150879">
+                <a:tc>
+                  <a:txBody>
+                    <a:bodyPr/>
+                    <a:lstStyle/>
+                    <a:p>
+                      <a:pPr algn="ctr"/>
+                      <a:r>
+                        <a:rPr lang="en-GB" sz="1200" dirty="0" smtClean="0">
+                          <a:solidFill>
+                            <a:schemeClr val="bg1"/>
+                          </a:solidFill>
+                        </a:rPr>
+                        <a:t>3</a:t>
+                      </a:r>
+                      <a:endParaRPr lang="en-GB" sz="1200" dirty="0">
+                        <a:solidFill>
+                          <a:schemeClr val="bg1"/>
+                        </a:solidFill>
+                      </a:endParaRPr>
+                    </a:p>
+                  </a:txBody>
+                  <a:tcPr>
+                    <a:solidFill>
+                      <a:srgbClr val="4372C4"/>
+                    </a:solidFill>
+                  </a:tcPr>
+                </a:tc>
+                <a:tc>
+                  <a:txBody>
+                    <a:bodyPr/>
+                    <a:lstStyle/>
+                    <a:p>
+                      <a:pPr algn="ctr"/>
+                      <a:r>
+                        <a:rPr lang="en-GB" sz="1200" dirty="0" smtClean="0"/>
+                        <a:t>1</a:t>
+                      </a:r>
+                      <a:endParaRPr lang="en-GB" sz="1200" dirty="0"/>
+                    </a:p>
+                  </a:txBody>
+                  <a:tcPr/>
+                </a:tc>
+                <a:tc>
+                  <a:txBody>
+                    <a:bodyPr/>
+                    <a:lstStyle/>
+                    <a:p>
+                      <a:pPr algn="ctr"/>
+                      <a:r>
+                        <a:rPr lang="en-GB" sz="1200" dirty="0" smtClean="0"/>
+                        <a:t>0</a:t>
+                      </a:r>
+                      <a:endParaRPr lang="en-GB" sz="1200" dirty="0"/>
+                    </a:p>
+                  </a:txBody>
+                  <a:tcPr/>
+                </a:tc>
+                <a:tc>
+                  <a:txBody>
+                    <a:bodyPr/>
+                    <a:lstStyle/>
+                    <a:p>
+                      <a:pPr algn="ctr"/>
+                      <a:r>
+                        <a:rPr lang="en-GB" sz="1200" dirty="0" smtClean="0"/>
+                        <a:t>1</a:t>
+                      </a:r>
+                      <a:endParaRPr lang="en-GB" sz="1200" dirty="0"/>
+                    </a:p>
+                  </a:txBody>
+                  <a:tcPr/>
+                </a:tc>
+                <a:tc>
+                  <a:txBody>
+                    <a:bodyPr/>
+                    <a:lstStyle/>
+                    <a:p>
+                      <a:pPr algn="ctr"/>
+                      <a:r>
+                        <a:rPr lang="en-GB" sz="1200" dirty="0" smtClean="0"/>
+                        <a:t>0</a:t>
+                      </a:r>
+                      <a:endParaRPr lang="en-GB" sz="1200" dirty="0"/>
+                    </a:p>
+                  </a:txBody>
+                  <a:tcPr/>
+                </a:tc>
+              </a:tr>
+              <a:tr h="150879">
+                <a:tc>
+                  <a:txBody>
+                    <a:bodyPr/>
+                    <a:lstStyle/>
+                    <a:p>
+                      <a:pPr algn="ctr"/>
+                      <a:r>
+                        <a:rPr lang="en-GB" sz="1200" dirty="0" smtClean="0">
+                          <a:solidFill>
+                            <a:schemeClr val="bg1"/>
+                          </a:solidFill>
+                        </a:rPr>
+                        <a:t>4</a:t>
+                      </a:r>
+                      <a:endParaRPr lang="en-GB" sz="1200" dirty="0">
+                        <a:solidFill>
+                          <a:schemeClr val="bg1"/>
+                        </a:solidFill>
+                      </a:endParaRPr>
+                    </a:p>
+                  </a:txBody>
+                  <a:tcPr>
+                    <a:solidFill>
+                      <a:srgbClr val="4372C4"/>
+                    </a:solidFill>
+                  </a:tcPr>
+                </a:tc>
+                <a:tc>
+                  <a:txBody>
+                    <a:bodyPr/>
+                    <a:lstStyle/>
+                    <a:p>
+                      <a:pPr algn="ctr"/>
+                      <a:r>
+                        <a:rPr lang="en-GB" sz="1200" dirty="0" smtClean="0"/>
+                        <a:t>0</a:t>
+                      </a:r>
+                      <a:endParaRPr lang="en-GB" sz="1200" dirty="0"/>
+                    </a:p>
+                  </a:txBody>
+                  <a:tcPr/>
+                </a:tc>
+                <a:tc>
+                  <a:txBody>
+                    <a:bodyPr/>
+                    <a:lstStyle/>
+                    <a:p>
+                      <a:pPr algn="ctr"/>
+                      <a:r>
+                        <a:rPr lang="en-GB" sz="1200" dirty="0" smtClean="0"/>
+                        <a:t>1</a:t>
+                      </a:r>
+                      <a:endParaRPr lang="en-GB" sz="1200" dirty="0"/>
+                    </a:p>
+                  </a:txBody>
+                  <a:tcPr/>
+                </a:tc>
+                <a:tc>
+                  <a:txBody>
+                    <a:bodyPr/>
+                    <a:lstStyle/>
+                    <a:p>
+                      <a:pPr algn="ctr"/>
+                      <a:r>
+                        <a:rPr lang="en-GB" sz="1200" dirty="0" smtClean="0"/>
+                        <a:t>0</a:t>
+                      </a:r>
+                      <a:endParaRPr lang="en-GB" sz="1200" dirty="0"/>
+                    </a:p>
+                  </a:txBody>
+                  <a:tcPr/>
+                </a:tc>
+                <a:tc>
+                  <a:txBody>
+                    <a:bodyPr/>
+                    <a:lstStyle/>
+                    <a:p>
+                      <a:pPr algn="ctr"/>
+                      <a:r>
+                        <a:rPr lang="en-GB" sz="1200" dirty="0" smtClean="0"/>
+                        <a:t>1</a:t>
+                      </a:r>
+                      <a:endParaRPr lang="en-GB" sz="1200" dirty="0"/>
+                    </a:p>
+                  </a:txBody>
+                  <a:tcPr/>
+                </a:tc>
+              </a:tr>
+              <a:tr h="150879">
+                <a:tc>
+                  <a:txBody>
+                    <a:bodyPr/>
+                    <a:lstStyle/>
+                    <a:p>
+                      <a:pPr algn="ctr"/>
+                      <a:r>
+                        <a:rPr lang="en-GB" sz="1200" dirty="0" smtClean="0">
+                          <a:solidFill>
+                            <a:schemeClr val="bg1"/>
+                          </a:solidFill>
+                        </a:rPr>
+                        <a:t>5</a:t>
+                      </a:r>
+                      <a:endParaRPr lang="en-GB" sz="1200" dirty="0">
+                        <a:solidFill>
+                          <a:schemeClr val="bg1"/>
+                        </a:solidFill>
+                      </a:endParaRPr>
+                    </a:p>
+                  </a:txBody>
+                  <a:tcPr>
+                    <a:solidFill>
+                      <a:srgbClr val="4372C4"/>
+                    </a:solidFill>
+                  </a:tcPr>
+                </a:tc>
+                <a:tc>
+                  <a:txBody>
+                    <a:bodyPr/>
+                    <a:lstStyle/>
+                    <a:p>
+                      <a:pPr algn="ctr"/>
+                      <a:r>
+                        <a:rPr lang="en-GB" sz="1200" dirty="0" smtClean="0"/>
+                        <a:t>1</a:t>
+                      </a:r>
+                      <a:endParaRPr lang="en-GB" sz="1200" dirty="0"/>
+                    </a:p>
+                  </a:txBody>
+                  <a:tcPr/>
+                </a:tc>
+                <a:tc>
+                  <a:txBody>
+                    <a:bodyPr/>
+                    <a:lstStyle/>
+                    <a:p>
+                      <a:pPr algn="ctr"/>
+                      <a:r>
+                        <a:rPr lang="en-GB" sz="1200" dirty="0" smtClean="0"/>
+                        <a:t>0</a:t>
+                      </a:r>
+                      <a:endParaRPr lang="en-GB" sz="1200" dirty="0"/>
+                    </a:p>
+                  </a:txBody>
+                  <a:tcPr/>
+                </a:tc>
+                <a:tc>
+                  <a:txBody>
+                    <a:bodyPr/>
+                    <a:lstStyle/>
+                    <a:p>
+                      <a:pPr algn="ctr"/>
+                      <a:r>
+                        <a:rPr lang="en-GB" sz="1200" dirty="0" smtClean="0"/>
+                        <a:t>0</a:t>
+                      </a:r>
+                      <a:endParaRPr lang="en-GB" sz="1200" dirty="0"/>
+                    </a:p>
+                  </a:txBody>
+                  <a:tcPr/>
+                </a:tc>
+                <a:tc>
+                  <a:txBody>
+                    <a:bodyPr/>
+                    <a:lstStyle/>
+                    <a:p>
+                      <a:pPr algn="ctr"/>
+                      <a:r>
+                        <a:rPr lang="en-GB" sz="1200" dirty="0" smtClean="0"/>
+                        <a:t>1</a:t>
+                      </a:r>
+                      <a:endParaRPr lang="en-GB" sz="1200" dirty="0"/>
+                    </a:p>
+                  </a:txBody>
+                  <a:tcPr/>
+                </a:tc>
+              </a:tr>
+            </a:tbl>
+          </a:graphicData>
+        </a:graphic>
+      </p:graphicFrame>
+    </p:spTree>
+    <p:extLst>
+      <p:ext uri="{BB962C8B-B14F-4D97-AF65-F5344CB8AC3E}">
+        <p14:creationId xmlns:p14="http://schemas.microsoft.com/office/powerpoint/2010/main" val="1142829560"/>
+      </p:ext>
+    </p:extLst>
+  </p:cSld>
+  <p:clrMapOvr>
+    <a:masterClrMapping/>
+  </p:clrMapOvr>
+</p:sld>
+</file>
+
+<file path=ppt/slides/slide3.xml><?xml version="1.0" encoding="utf-8"?>
+<p:sld xmlns:a="http://schemas.openxmlformats.org/drawingml/2006/main" xmlns:r="http://schemas.openxmlformats.org/officeDocument/2006/relationships" xmlns:p="http://schemas.openxmlformats.org/presentationml/2006/main">
+  <p:cSld>
+    <p:spTree>
+      <p:nvGrpSpPr>
+        <p:cNvPr id="1" name=""/>
+        <p:cNvGrpSpPr/>
+        <p:nvPr/>
+      </p:nvGrpSpPr>
+      <p:grpSpPr>
+        <a:xfrm>
+          <a:off x="0" y="0"/>
+          <a:ext cx="0" cy="0"/>
+          <a:chOff x="0" y="0"/>
+          <a:chExt cx="0" cy="0"/>
+        </a:xfrm>
+      </p:grpSpPr>
+      <p:sp>
+        <p:nvSpPr>
+          <p:cNvPr id="4" name="TextBox 3"/>
+          <p:cNvSpPr txBox="1"/>
+          <p:nvPr/>
+        </p:nvSpPr>
+        <p:spPr>
+          <a:xfrm>
+            <a:off x="8026401" y="262466"/>
+            <a:ext cx="3530600" cy="369332"/>
+          </a:xfrm>
+          <a:prstGeom prst="rect">
+            <a:avLst/>
+          </a:prstGeom>
+          <a:noFill/>
+        </p:spPr>
+        <p:txBody>
+          <a:bodyPr wrap="square" rtlCol="0">
+            <a:spAutoFit/>
+          </a:bodyPr>
+          <a:lstStyle/>
+          <a:p>
+            <a:r>
+              <a:rPr lang="en-GB" smtClean="0"/>
+              <a:t>Constraints</a:t>
+            </a:r>
+            <a:endParaRPr lang="en-GB"/>
+          </a:p>
+        </p:txBody>
+      </p:sp>
+      <p:sp>
+        <p:nvSpPr>
+          <p:cNvPr id="5" name="TextBox 4"/>
+          <p:cNvSpPr txBox="1"/>
+          <p:nvPr/>
+        </p:nvSpPr>
+        <p:spPr>
+          <a:xfrm>
+            <a:off x="1533012" y="262466"/>
+            <a:ext cx="3530600" cy="369332"/>
+          </a:xfrm>
+          <a:prstGeom prst="rect">
+            <a:avLst/>
+          </a:prstGeom>
+          <a:noFill/>
+        </p:spPr>
+        <p:txBody>
+          <a:bodyPr wrap="square" rtlCol="0">
+            <a:spAutoFit/>
+          </a:bodyPr>
+          <a:lstStyle/>
+          <a:p>
+            <a:r>
+              <a:rPr lang="en-GB" dirty="0" smtClean="0"/>
+              <a:t>Microdata (individuals)</a:t>
+            </a:r>
+            <a:endParaRPr lang="en-GB" dirty="0"/>
+          </a:p>
+        </p:txBody>
+      </p:sp>
+      <p:graphicFrame>
+        <p:nvGraphicFramePr>
           <p:cNvPr id="14" name="Table 13"/>
           <p:cNvGraphicFramePr>
             <a:graphicFrameLocks noGrp="1"/>
@@ -6032,7 +11056,7 @@
     </p:spTree>
     <p:extLst>
       <p:ext uri="{BB962C8B-B14F-4D97-AF65-F5344CB8AC3E}">
-        <p14:creationId xmlns:p14="http://schemas.microsoft.com/office/powerpoint/2010/main" val="968995120"/>
+        <p14:creationId xmlns:p14="http://schemas.microsoft.com/office/powerpoint/2010/main" val="1143241189"/>
       </p:ext>
     </p:extLst>
   </p:cSld>
@@ -6042,7 +11066,7 @@
 </p:sld>
 </file>
 
-<file path=ppt/slides/slide2.xml><?xml version="1.0" encoding="utf-8"?>
+<file path=ppt/slides/slide4.xml><?xml version="1.0" encoding="utf-8"?>
 <p:sld xmlns:a="http://schemas.openxmlformats.org/drawingml/2006/main" xmlns:r="http://schemas.openxmlformats.org/officeDocument/2006/relationships" xmlns:p="http://schemas.openxmlformats.org/presentationml/2006/main">
   <p:cSld>
     <p:spTree>
@@ -7695,4 +12719,265 @@
     </a:ext>
   </a:extLst>
 </a:theme>
+</file>
+
+<file path=ppt/theme/theme2.xml><?xml version="1.0" encoding="utf-8"?>
+<a:theme xmlns:a="http://schemas.openxmlformats.org/drawingml/2006/main" name="Office Theme">
+  <a:themeElements>
+    <a:clrScheme name="Office">
+      <a:dk1>
+        <a:sysClr val="windowText" lastClr="000000"/>
+      </a:dk1>
+      <a:lt1>
+        <a:sysClr val="window" lastClr="FFFFFF"/>
+      </a:lt1>
+      <a:dk2>
+        <a:srgbClr val="44546A"/>
+      </a:dk2>
+      <a:lt2>
+        <a:srgbClr val="E7E6E6"/>
+      </a:lt2>
+      <a:accent1>
+        <a:srgbClr val="4472C4"/>
+      </a:accent1>
+      <a:accent2>
+        <a:srgbClr val="ED7D31"/>
+      </a:accent2>
+      <a:accent3>
+        <a:srgbClr val="A5A5A5"/>
+      </a:accent3>
+      <a:accent4>
+        <a:srgbClr val="FFC000"/>
+      </a:accent4>
+      <a:accent5>
+        <a:srgbClr val="5B9BD5"/>
+      </a:accent5>
+      <a:accent6>
+        <a:srgbClr val="70AD47"/>
+      </a:accent6>
+      <a:hlink>
+        <a:srgbClr val="0563C1"/>
+      </a:hlink>
+      <a:folHlink>
+        <a:srgbClr val="954F72"/>
+      </a:folHlink>
+    </a:clrScheme>
+    <a:fontScheme name="Office">
+      <a:majorFont>
+        <a:latin typeface="Calibri Light" panose="020F0302020204030204"/>
+        <a:ea typeface=""/>
+        <a:cs typeface=""/>
+        <a:font script="Jpan" typeface="Yu Gothic Light"/>
+        <a:font script="Hang" typeface="맑은 고딕"/>
+        <a:font script="Hans" typeface="DengXian Light"/>
+        <a:font script="Hant" typeface="新細明體"/>
+        <a:font script="Arab" typeface="Times New Roman"/>
+        <a:font script="Hebr" typeface="Times New Roman"/>
+        <a:font script="Thai" typeface="Angsana New"/>
+        <a:font script="Ethi" typeface="Nyala"/>
+        <a:font script="Beng" typeface="Vrinda"/>
+        <a:font script="Gujr" typeface="Shruti"/>
+        <a:font script="Khmr" typeface="MoolBoran"/>
+        <a:font script="Knda" typeface="Tunga"/>
+        <a:font script="Guru" typeface="Raavi"/>
+        <a:font script="Cans" typeface="Euphemia"/>
+        <a:font script="Cher" typeface="Plantagenet Cherokee"/>
+        <a:font script="Yiii" typeface="Microsoft Yi Baiti"/>
+        <a:font script="Tibt" typeface="Microsoft Himalaya"/>
+        <a:font script="Thaa" typeface="MV Boli"/>
+        <a:font script="Deva" typeface="Mangal"/>
+        <a:font script="Telu" typeface="Gautami"/>
+        <a:font script="Taml" typeface="Latha"/>
+        <a:font script="Syrc" typeface="Estrangelo Edessa"/>
+        <a:font script="Orya" typeface="Kalinga"/>
+        <a:font script="Mlym" typeface="Kartika"/>
+        <a:font script="Laoo" typeface="DokChampa"/>
+        <a:font script="Sinh" typeface="Iskoola Pota"/>
+        <a:font script="Mong" typeface="Mongolian Baiti"/>
+        <a:font script="Viet" typeface="Times New Roman"/>
+        <a:font script="Uigh" typeface="Microsoft Uighur"/>
+        <a:font script="Geor" typeface="Sylfaen"/>
+      </a:majorFont>
+      <a:minorFont>
+        <a:latin typeface="Calibri" panose="020F0502020204030204"/>
+        <a:ea typeface=""/>
+        <a:cs typeface=""/>
+        <a:font script="Jpan" typeface="Yu Gothic"/>
+        <a:font script="Hang" typeface="맑은 고딕"/>
+        <a:font script="Hans" typeface="DengXian"/>
+        <a:font script="Hant" typeface="新細明體"/>
+        <a:font script="Arab" typeface="Arial"/>
+        <a:font script="Hebr" typeface="Arial"/>
+        <a:font script="Thai" typeface="Cordia New"/>
+        <a:font script="Ethi" typeface="Nyala"/>
+        <a:font script="Beng" typeface="Vrinda"/>
+        <a:font script="Gujr" typeface="Shruti"/>
+        <a:font script="Khmr" typeface="DaunPenh"/>
+        <a:font script="Knda" typeface="Tunga"/>
+        <a:font script="Guru" typeface="Raavi"/>
+        <a:font script="Cans" typeface="Euphemia"/>
+        <a:font script="Cher" typeface="Plantagenet Cherokee"/>
+        <a:font script="Yiii" typeface="Microsoft Yi Baiti"/>
+        <a:font script="Tibt" typeface="Microsoft Himalaya"/>
+        <a:font script="Thaa" typeface="MV Boli"/>
+        <a:font script="Deva" typeface="Mangal"/>
+        <a:font script="Telu" typeface="Gautami"/>
+        <a:font script="Taml" typeface="Latha"/>
+        <a:font script="Syrc" typeface="Estrangelo Edessa"/>
+        <a:font script="Orya" typeface="Kalinga"/>
+        <a:font script="Mlym" typeface="Kartika"/>
+        <a:font script="Laoo" typeface="DokChampa"/>
+        <a:font script="Sinh" typeface="Iskoola Pota"/>
+        <a:font script="Mong" typeface="Mongolian Baiti"/>
+        <a:font script="Viet" typeface="Arial"/>
+        <a:font script="Uigh" typeface="Microsoft Uighur"/>
+        <a:font script="Geor" typeface="Sylfaen"/>
+      </a:minorFont>
+    </a:fontScheme>
+    <a:fmtScheme name="Office">
+      <a:fillStyleLst>
+        <a:solidFill>
+          <a:schemeClr val="phClr"/>
+        </a:solidFill>
+        <a:gradFill rotWithShape="1">
+          <a:gsLst>
+            <a:gs pos="0">
+              <a:schemeClr val="phClr">
+                <a:lumMod val="110000"/>
+                <a:satMod val="105000"/>
+                <a:tint val="67000"/>
+              </a:schemeClr>
+            </a:gs>
+            <a:gs pos="50000">
+              <a:schemeClr val="phClr">
+                <a:lumMod val="105000"/>
+                <a:satMod val="103000"/>
+                <a:tint val="73000"/>
+              </a:schemeClr>
+            </a:gs>
+            <a:gs pos="100000">
+              <a:schemeClr val="phClr">
+                <a:lumMod val="105000"/>
+                <a:satMod val="109000"/>
+                <a:tint val="81000"/>
+              </a:schemeClr>
+            </a:gs>
+          </a:gsLst>
+          <a:lin ang="5400000" scaled="0"/>
+        </a:gradFill>
+        <a:gradFill rotWithShape="1">
+          <a:gsLst>
+            <a:gs pos="0">
+              <a:schemeClr val="phClr">
+                <a:satMod val="103000"/>
+                <a:lumMod val="102000"/>
+                <a:tint val="94000"/>
+              </a:schemeClr>
+            </a:gs>
+            <a:gs pos="50000">
+              <a:schemeClr val="phClr">
+                <a:satMod val="110000"/>
+                <a:lumMod val="100000"/>
+                <a:shade val="100000"/>
+              </a:schemeClr>
+            </a:gs>
+            <a:gs pos="100000">
+              <a:schemeClr val="phClr">
+                <a:lumMod val="99000"/>
+                <a:satMod val="120000"/>
+                <a:shade val="78000"/>
+              </a:schemeClr>
+            </a:gs>
+          </a:gsLst>
+          <a:lin ang="5400000" scaled="0"/>
+        </a:gradFill>
+      </a:fillStyleLst>
+      <a:lnStyleLst>
+        <a:ln w="6350" cap="flat" cmpd="sng" algn="ctr">
+          <a:solidFill>
+            <a:schemeClr val="phClr"/>
+          </a:solidFill>
+          <a:prstDash val="solid"/>
+          <a:miter lim="800000"/>
+        </a:ln>
+        <a:ln w="12700" cap="flat" cmpd="sng" algn="ctr">
+          <a:solidFill>
+            <a:schemeClr val="phClr"/>
+          </a:solidFill>
+          <a:prstDash val="solid"/>
+          <a:miter lim="800000"/>
+        </a:ln>
+        <a:ln w="19050" cap="flat" cmpd="sng" algn="ctr">
+          <a:solidFill>
+            <a:schemeClr val="phClr"/>
+          </a:solidFill>
+          <a:prstDash val="solid"/>
+          <a:miter lim="800000"/>
+        </a:ln>
+      </a:lnStyleLst>
+      <a:effectStyleLst>
+        <a:effectStyle>
+          <a:effectLst/>
+        </a:effectStyle>
+        <a:effectStyle>
+          <a:effectLst/>
+        </a:effectStyle>
+        <a:effectStyle>
+          <a:effectLst>
+            <a:outerShdw blurRad="57150" dist="19050" dir="5400000" algn="ctr" rotWithShape="0">
+              <a:srgbClr val="000000">
+                <a:alpha val="63000"/>
+              </a:srgbClr>
+            </a:outerShdw>
+          </a:effectLst>
+        </a:effectStyle>
+      </a:effectStyleLst>
+      <a:bgFillStyleLst>
+        <a:solidFill>
+          <a:schemeClr val="phClr"/>
+        </a:solidFill>
+        <a:solidFill>
+          <a:schemeClr val="phClr">
+            <a:tint val="95000"/>
+            <a:satMod val="170000"/>
+          </a:schemeClr>
+        </a:solidFill>
+        <a:gradFill rotWithShape="1">
+          <a:gsLst>
+            <a:gs pos="0">
+              <a:schemeClr val="phClr">
+                <a:tint val="93000"/>
+                <a:satMod val="150000"/>
+                <a:shade val="98000"/>
+                <a:lumMod val="102000"/>
+              </a:schemeClr>
+            </a:gs>
+            <a:gs pos="50000">
+              <a:schemeClr val="phClr">
+                <a:tint val="98000"/>
+                <a:satMod val="130000"/>
+                <a:shade val="90000"/>
+                <a:lumMod val="103000"/>
+              </a:schemeClr>
+            </a:gs>
+            <a:gs pos="100000">
+              <a:schemeClr val="phClr">
+                <a:shade val="63000"/>
+                <a:satMod val="120000"/>
+              </a:schemeClr>
+            </a:gs>
+          </a:gsLst>
+          <a:lin ang="5400000" scaled="0"/>
+        </a:gradFill>
+      </a:bgFillStyleLst>
+    </a:fmtScheme>
+  </a:themeElements>
+  <a:objectDefaults/>
+  <a:extraClrSchemeLst/>
+  <a:extLst>
+    <a:ext uri="{05A4C25C-085E-4340-85A3-A5531E510DB2}">
+      <thm15:themeFamily xmlns:thm15="http://schemas.microsoft.com/office/thememl/2012/main" name="Office Theme" id="{62F939B6-93AF-4DB8-9C6B-D6C7DFDC589F}" vid="{4A3C46E8-61CC-4603-A589-7422A47A8E4A}"/>
+    </a:ext>
+  </a:extLst>
+</a:theme>
 </file>
--- a/SpatialMicrosim.pptx
+++ b/SpatialMicrosim.pptx
@@ -4301,14 +4301,14 @@
           <p:nvPr>
             <p:extLst>
               <p:ext uri="{D42A27DB-BD31-4B8C-83A1-F6EECF244321}">
-                <p14:modId xmlns:p14="http://schemas.microsoft.com/office/powerpoint/2010/main" val="611295608"/>
+                <p14:modId xmlns:p14="http://schemas.microsoft.com/office/powerpoint/2010/main" val="1671231498"/>
               </p:ext>
             </p:extLst>
           </p:nvPr>
         </p:nvGraphicFramePr>
         <p:xfrm>
           <a:off x="6371455" y="1258332"/>
-          <a:ext cx="2008968" cy="1097280"/>
+          <a:ext cx="2632848" cy="1097280"/>
         </p:xfrm>
         <a:graphic>
           <a:graphicData uri="http://schemas.openxmlformats.org/drawingml/2006/table">
@@ -4317,9 +4317,10 @@
                 <a:tableStyleId>{5C22544A-7EE6-4342-B048-85BDC9FD1C3A}</a:tableStyleId>
               </a:tblPr>
               <a:tblGrid>
-                <a:gridCol w="669656"/>
-                <a:gridCol w="669656"/>
-                <a:gridCol w="669656"/>
+                <a:gridCol w="658212"/>
+                <a:gridCol w="658212"/>
+                <a:gridCol w="658212"/>
+                <a:gridCol w="658212"/>
               </a:tblGrid>
               <a:tr h="201375">
                 <a:tc>
@@ -4390,6 +4391,33 @@
                     </a:solidFill>
                   </a:tcPr>
                 </a:tc>
+                <a:tc>
+                  <a:txBody>
+                    <a:bodyPr/>
+                    <a:lstStyle/>
+                    <a:p>
+                      <a:pPr algn="ctr"/>
+                      <a:r>
+                        <a:rPr lang="en-GB" sz="1200" dirty="0" smtClean="0">
+                          <a:solidFill>
+                            <a:schemeClr val="bg1"/>
+                          </a:solidFill>
+                        </a:rPr>
+                        <a:t>sum</a:t>
+                      </a:r>
+                      <a:endParaRPr lang="en-GB" sz="1200" dirty="0">
+                        <a:solidFill>
+                          <a:schemeClr val="bg1"/>
+                        </a:solidFill>
+                      </a:endParaRPr>
+                    </a:p>
+                  </a:txBody>
+                  <a:tcPr>
+                    <a:solidFill>
+                      <a:srgbClr val="92D050"/>
+                    </a:solidFill>
+                  </a:tcPr>
+                </a:tc>
               </a:tr>
               <a:tr h="201375">
                 <a:tc>
@@ -4448,6 +4476,25 @@
                   </a:txBody>
                   <a:tcPr/>
                 </a:tc>
+                <a:tc>
+                  <a:txBody>
+                    <a:bodyPr/>
+                    <a:lstStyle/>
+                    <a:p>
+                      <a:pPr algn="ctr"/>
+                      <a:r>
+                        <a:rPr lang="en-GB" sz="1200" dirty="0" smtClean="0"/>
+                        <a:t>12</a:t>
+                      </a:r>
+                      <a:endParaRPr lang="en-GB" sz="1200" dirty="0"/>
+                    </a:p>
+                  </a:txBody>
+                  <a:tcPr>
+                    <a:solidFill>
+                      <a:srgbClr val="92D050"/>
+                    </a:solidFill>
+                  </a:tcPr>
+                </a:tc>
               </a:tr>
               <a:tr h="201375">
                 <a:tc>
@@ -4506,6 +4553,25 @@
                   </a:txBody>
                   <a:tcPr/>
                 </a:tc>
+                <a:tc>
+                  <a:txBody>
+                    <a:bodyPr/>
+                    <a:lstStyle/>
+                    <a:p>
+                      <a:pPr algn="ctr"/>
+                      <a:r>
+                        <a:rPr lang="en-GB" sz="1200" dirty="0" smtClean="0"/>
+                        <a:t>10</a:t>
+                      </a:r>
+                      <a:endParaRPr lang="en-GB" sz="1200" dirty="0"/>
+                    </a:p>
+                  </a:txBody>
+                  <a:tcPr>
+                    <a:solidFill>
+                      <a:srgbClr val="92D050"/>
+                    </a:solidFill>
+                  </a:tcPr>
+                </a:tc>
               </a:tr>
               <a:tr h="201375">
                 <a:tc>
@@ -4563,6 +4629,25 @@
                     </a:p>
                   </a:txBody>
                   <a:tcPr/>
+                </a:tc>
+                <a:tc>
+                  <a:txBody>
+                    <a:bodyPr/>
+                    <a:lstStyle/>
+                    <a:p>
+                      <a:pPr algn="ctr"/>
+                      <a:r>
+                        <a:rPr lang="en-GB" sz="1200" dirty="0" smtClean="0"/>
+                        <a:t>11</a:t>
+                      </a:r>
+                      <a:endParaRPr lang="en-GB" sz="1200" dirty="0"/>
+                    </a:p>
+                  </a:txBody>
+                  <a:tcPr>
+                    <a:solidFill>
+                      <a:srgbClr val="92D050"/>
+                    </a:solidFill>
+                  </a:tcPr>
                 </a:tc>
               </a:tr>
             </a:tbl>
@@ -4578,14 +4663,14 @@
           <p:nvPr>
             <p:extLst>
               <p:ext uri="{D42A27DB-BD31-4B8C-83A1-F6EECF244321}">
-                <p14:modId xmlns:p14="http://schemas.microsoft.com/office/powerpoint/2010/main" val="382149008"/>
+                <p14:modId xmlns:p14="http://schemas.microsoft.com/office/powerpoint/2010/main" val="2004290442"/>
               </p:ext>
             </p:extLst>
           </p:nvPr>
         </p:nvGraphicFramePr>
         <p:xfrm>
-          <a:off x="9427386" y="1254470"/>
-          <a:ext cx="2008968" cy="1097280"/>
+          <a:off x="9427382" y="1254470"/>
+          <a:ext cx="2396756" cy="1097280"/>
         </p:xfrm>
         <a:graphic>
           <a:graphicData uri="http://schemas.openxmlformats.org/drawingml/2006/table">
@@ -4594,9 +4679,10 @@
                 <a:tableStyleId>{5C22544A-7EE6-4342-B048-85BDC9FD1C3A}</a:tableStyleId>
               </a:tblPr>
               <a:tblGrid>
-                <a:gridCol w="669656"/>
-                <a:gridCol w="669656"/>
-                <a:gridCol w="669656"/>
+                <a:gridCol w="654368"/>
+                <a:gridCol w="565229"/>
+                <a:gridCol w="546538"/>
+                <a:gridCol w="630621"/>
               </a:tblGrid>
               <a:tr h="201375">
                 <a:tc>
@@ -4667,6 +4753,33 @@
                     </a:solidFill>
                   </a:tcPr>
                 </a:tc>
+                <a:tc>
+                  <a:txBody>
+                    <a:bodyPr/>
+                    <a:lstStyle/>
+                    <a:p>
+                      <a:pPr algn="ctr"/>
+                      <a:r>
+                        <a:rPr lang="en-GB" sz="1200" dirty="0" smtClean="0">
+                          <a:solidFill>
+                            <a:schemeClr val="bg1"/>
+                          </a:solidFill>
+                        </a:rPr>
+                        <a:t>sum</a:t>
+                      </a:r>
+                      <a:endParaRPr lang="en-GB" sz="1200" dirty="0">
+                        <a:solidFill>
+                          <a:schemeClr val="bg1"/>
+                        </a:solidFill>
+                      </a:endParaRPr>
+                    </a:p>
+                  </a:txBody>
+                  <a:tcPr>
+                    <a:solidFill>
+                      <a:srgbClr val="92D050"/>
+                    </a:solidFill>
+                  </a:tcPr>
+                </a:tc>
               </a:tr>
               <a:tr h="201375">
                 <a:tc>
@@ -4725,6 +4838,25 @@
                   </a:txBody>
                   <a:tcPr/>
                 </a:tc>
+                <a:tc>
+                  <a:txBody>
+                    <a:bodyPr/>
+                    <a:lstStyle/>
+                    <a:p>
+                      <a:pPr algn="ctr"/>
+                      <a:r>
+                        <a:rPr lang="en-GB" sz="1200" dirty="0" smtClean="0"/>
+                        <a:t>11</a:t>
+                      </a:r>
+                      <a:endParaRPr lang="en-GB" sz="1200" dirty="0"/>
+                    </a:p>
+                  </a:txBody>
+                  <a:tcPr>
+                    <a:solidFill>
+                      <a:srgbClr val="92D050"/>
+                    </a:solidFill>
+                  </a:tcPr>
+                </a:tc>
               </a:tr>
               <a:tr h="201375">
                 <a:tc>
@@ -4783,6 +4915,25 @@
                   </a:txBody>
                   <a:tcPr/>
                 </a:tc>
+                <a:tc>
+                  <a:txBody>
+                    <a:bodyPr/>
+                    <a:lstStyle/>
+                    <a:p>
+                      <a:pPr algn="ctr"/>
+                      <a:r>
+                        <a:rPr lang="en-GB" sz="1200" dirty="0" smtClean="0"/>
+                        <a:t>10</a:t>
+                      </a:r>
+                      <a:endParaRPr lang="en-GB" sz="1200" dirty="0"/>
+                    </a:p>
+                  </a:txBody>
+                  <a:tcPr>
+                    <a:solidFill>
+                      <a:srgbClr val="92D050"/>
+                    </a:solidFill>
+                  </a:tcPr>
+                </a:tc>
               </a:tr>
               <a:tr h="201375">
                 <a:tc>
@@ -4840,6 +4991,25 @@
                     </a:p>
                   </a:txBody>
                   <a:tcPr/>
+                </a:tc>
+                <a:tc>
+                  <a:txBody>
+                    <a:bodyPr/>
+                    <a:lstStyle/>
+                    <a:p>
+                      <a:pPr algn="ctr"/>
+                      <a:r>
+                        <a:rPr lang="en-GB" sz="1200" dirty="0" smtClean="0"/>
+                        <a:t>12</a:t>
+                      </a:r>
+                      <a:endParaRPr lang="en-GB" sz="1200" dirty="0"/>
+                    </a:p>
+                  </a:txBody>
+                  <a:tcPr>
+                    <a:solidFill>
+                      <a:srgbClr val="92D050"/>
+                    </a:solidFill>
+                  </a:tcPr>
                 </a:tc>
               </a:tr>
             </a:tbl>
@@ -5212,7 +5382,7 @@
         </p:nvSpPr>
         <p:spPr>
           <a:xfrm>
-            <a:off x="10060521" y="1197186"/>
+            <a:off x="9970652" y="1176153"/>
             <a:ext cx="1375833" cy="455877"/>
           </a:xfrm>
           <a:prstGeom prst="ellipse">
@@ -6419,7 +6589,7 @@
           <p:nvPr>
             <p:extLst>
               <p:ext uri="{D42A27DB-BD31-4B8C-83A1-F6EECF244321}">
-                <p14:modId xmlns:p14="http://schemas.microsoft.com/office/powerpoint/2010/main" val="1072157111"/>
+                <p14:modId xmlns:p14="http://schemas.microsoft.com/office/powerpoint/2010/main" val="1963183983"/>
               </p:ext>
             </p:extLst>
           </p:nvPr>
@@ -6472,7 +6642,7 @@
                             <a:schemeClr val="bg1"/>
                           </a:solidFill>
                         </a:rPr>
-                        <a:t>a0.49</a:t>
+                        <a:t>a0_49</a:t>
                       </a:r>
                       <a:endParaRPr lang="en-GB" sz="1200" dirty="0">
                         <a:solidFill>
@@ -6499,7 +6669,7 @@
                             <a:schemeClr val="bg1"/>
                           </a:solidFill>
                         </a:rPr>
-                        <a:t>a.50.</a:t>
+                        <a:t>a50+</a:t>
                       </a:r>
                       <a:endParaRPr lang="en-GB" sz="1200" dirty="0">
                         <a:solidFill>
@@ -6837,6 +7007,326 @@
           </a:graphicData>
         </a:graphic>
       </p:graphicFrame>
+      <p:sp>
+        <p:nvSpPr>
+          <p:cNvPr id="29" name="TextBox 28"/>
+          <p:cNvSpPr txBox="1"/>
+          <p:nvPr/>
+        </p:nvSpPr>
+        <p:spPr>
+          <a:xfrm>
+            <a:off x="693673" y="6440032"/>
+            <a:ext cx="4153085" cy="369332"/>
+          </a:xfrm>
+          <a:prstGeom prst="rect">
+            <a:avLst/>
+          </a:prstGeom>
+          <a:noFill/>
+        </p:spPr>
+        <p:txBody>
+          <a:bodyPr wrap="square" rtlCol="0">
+            <a:spAutoFit/>
+          </a:bodyPr>
+          <a:lstStyle/>
+          <a:p>
+            <a:r>
+              <a:rPr lang="en-GB" dirty="0" err="1" smtClean="0">
+                <a:latin typeface="Consolas" charset="0"/>
+                <a:ea typeface="Consolas" charset="0"/>
+                <a:cs typeface="Consolas" charset="0"/>
+              </a:rPr>
+              <a:t>ind_cat</a:t>
+            </a:r>
+            <a:endParaRPr lang="en-GB" dirty="0">
+              <a:latin typeface="Consolas" charset="0"/>
+              <a:ea typeface="Consolas" charset="0"/>
+              <a:cs typeface="Consolas" charset="0"/>
+            </a:endParaRPr>
+          </a:p>
+        </p:txBody>
+      </p:sp>
+      <p:sp>
+        <p:nvSpPr>
+          <p:cNvPr id="33" name="TextBox 32"/>
+          <p:cNvSpPr txBox="1"/>
+          <p:nvPr/>
+        </p:nvSpPr>
+        <p:spPr>
+          <a:xfrm>
+            <a:off x="395726" y="684308"/>
+            <a:ext cx="710228" cy="369332"/>
+          </a:xfrm>
+          <a:prstGeom prst="rect">
+            <a:avLst/>
+          </a:prstGeom>
+          <a:noFill/>
+        </p:spPr>
+        <p:txBody>
+          <a:bodyPr wrap="square" rtlCol="0">
+            <a:spAutoFit/>
+          </a:bodyPr>
+          <a:lstStyle/>
+          <a:p>
+            <a:r>
+              <a:rPr lang="en-GB" smtClean="0">
+                <a:latin typeface="Consolas" charset="0"/>
+                <a:ea typeface="Consolas" charset="0"/>
+                <a:cs typeface="Consolas" charset="0"/>
+              </a:rPr>
+              <a:t>ind</a:t>
+            </a:r>
+            <a:endParaRPr lang="en-GB" dirty="0">
+              <a:latin typeface="Consolas" charset="0"/>
+              <a:ea typeface="Consolas" charset="0"/>
+              <a:cs typeface="Consolas" charset="0"/>
+            </a:endParaRPr>
+          </a:p>
+        </p:txBody>
+      </p:sp>
+      <p:sp>
+        <p:nvSpPr>
+          <p:cNvPr id="34" name="TextBox 33"/>
+          <p:cNvSpPr txBox="1"/>
+          <p:nvPr/>
+        </p:nvSpPr>
+        <p:spPr>
+          <a:xfrm>
+            <a:off x="172037" y="2438116"/>
+            <a:ext cx="1296985" cy="369332"/>
+          </a:xfrm>
+          <a:prstGeom prst="rect">
+            <a:avLst/>
+          </a:prstGeom>
+          <a:noFill/>
+        </p:spPr>
+        <p:txBody>
+          <a:bodyPr wrap="square" rtlCol="0">
+            <a:spAutoFit/>
+          </a:bodyPr>
+          <a:lstStyle/>
+          <a:p>
+            <a:r>
+              <a:rPr lang="en-GB" smtClean="0">
+                <a:latin typeface="Consolas" charset="0"/>
+                <a:ea typeface="Consolas" charset="0"/>
+                <a:cs typeface="Consolas" charset="0"/>
+              </a:rPr>
+              <a:t>cat_age</a:t>
+            </a:r>
+            <a:endParaRPr lang="en-GB" dirty="0">
+              <a:latin typeface="Consolas" charset="0"/>
+              <a:ea typeface="Consolas" charset="0"/>
+              <a:cs typeface="Consolas" charset="0"/>
+            </a:endParaRPr>
+          </a:p>
+        </p:txBody>
+      </p:sp>
+      <p:sp>
+        <p:nvSpPr>
+          <p:cNvPr id="35" name="TextBox 34"/>
+          <p:cNvSpPr txBox="1"/>
+          <p:nvPr/>
+        </p:nvSpPr>
+        <p:spPr>
+          <a:xfrm>
+            <a:off x="3906095" y="2438116"/>
+            <a:ext cx="1123771" cy="369332"/>
+          </a:xfrm>
+          <a:prstGeom prst="rect">
+            <a:avLst/>
+          </a:prstGeom>
+          <a:noFill/>
+        </p:spPr>
+        <p:txBody>
+          <a:bodyPr wrap="square" rtlCol="0">
+            <a:spAutoFit/>
+          </a:bodyPr>
+          <a:lstStyle/>
+          <a:p>
+            <a:r>
+              <a:rPr lang="en-GB" smtClean="0">
+                <a:latin typeface="Consolas" charset="0"/>
+                <a:ea typeface="Consolas" charset="0"/>
+                <a:cs typeface="Consolas" charset="0"/>
+              </a:rPr>
+              <a:t>cat_sex</a:t>
+            </a:r>
+            <a:endParaRPr lang="en-GB" dirty="0">
+              <a:latin typeface="Consolas" charset="0"/>
+              <a:ea typeface="Consolas" charset="0"/>
+              <a:cs typeface="Consolas" charset="0"/>
+            </a:endParaRPr>
+          </a:p>
+        </p:txBody>
+      </p:sp>
+      <p:sp>
+        <p:nvSpPr>
+          <p:cNvPr id="39" name="TextBox 38"/>
+          <p:cNvSpPr txBox="1"/>
+          <p:nvPr/>
+        </p:nvSpPr>
+        <p:spPr>
+          <a:xfrm>
+            <a:off x="7884940" y="761483"/>
+            <a:ext cx="1296985" cy="369332"/>
+          </a:xfrm>
+          <a:prstGeom prst="rect">
+            <a:avLst/>
+          </a:prstGeom>
+          <a:noFill/>
+        </p:spPr>
+        <p:txBody>
+          <a:bodyPr wrap="square" rtlCol="0">
+            <a:spAutoFit/>
+          </a:bodyPr>
+          <a:lstStyle/>
+          <a:p>
+            <a:r>
+              <a:rPr lang="en-GB" dirty="0" err="1" smtClean="0">
+                <a:latin typeface="Consolas" charset="0"/>
+                <a:ea typeface="Consolas" charset="0"/>
+                <a:cs typeface="Consolas" charset="0"/>
+              </a:rPr>
+              <a:t>con_age</a:t>
+            </a:r>
+            <a:endParaRPr lang="en-GB" dirty="0">
+              <a:latin typeface="Consolas" charset="0"/>
+              <a:ea typeface="Consolas" charset="0"/>
+              <a:cs typeface="Consolas" charset="0"/>
+            </a:endParaRPr>
+          </a:p>
+        </p:txBody>
+      </p:sp>
+      <p:sp>
+        <p:nvSpPr>
+          <p:cNvPr id="41" name="TextBox 40"/>
+          <p:cNvSpPr txBox="1"/>
+          <p:nvPr/>
+        </p:nvSpPr>
+        <p:spPr>
+          <a:xfrm>
+            <a:off x="10784599" y="751553"/>
+            <a:ext cx="1123771" cy="369332"/>
+          </a:xfrm>
+          <a:prstGeom prst="rect">
+            <a:avLst/>
+          </a:prstGeom>
+          <a:noFill/>
+        </p:spPr>
+        <p:txBody>
+          <a:bodyPr wrap="square" rtlCol="0">
+            <a:spAutoFit/>
+          </a:bodyPr>
+          <a:lstStyle/>
+          <a:p>
+            <a:r>
+              <a:rPr lang="en-GB" dirty="0" err="1" smtClean="0">
+                <a:latin typeface="Consolas" charset="0"/>
+                <a:ea typeface="Consolas" charset="0"/>
+                <a:cs typeface="Consolas" charset="0"/>
+              </a:rPr>
+              <a:t>con_sex</a:t>
+            </a:r>
+            <a:endParaRPr lang="en-GB" dirty="0">
+              <a:latin typeface="Consolas" charset="0"/>
+              <a:ea typeface="Consolas" charset="0"/>
+              <a:cs typeface="Consolas" charset="0"/>
+            </a:endParaRPr>
+          </a:p>
+        </p:txBody>
+      </p:sp>
+      <p:sp>
+        <p:nvSpPr>
+          <p:cNvPr id="43" name="TextBox 42"/>
+          <p:cNvSpPr txBox="1"/>
+          <p:nvPr/>
+        </p:nvSpPr>
+        <p:spPr>
+          <a:xfrm>
+            <a:off x="1718123" y="2361696"/>
+            <a:ext cx="3530600" cy="369332"/>
+          </a:xfrm>
+          <a:prstGeom prst="rect">
+            <a:avLst/>
+          </a:prstGeom>
+          <a:noFill/>
+        </p:spPr>
+        <p:txBody>
+          <a:bodyPr wrap="square" rtlCol="0">
+            <a:spAutoFit/>
+          </a:bodyPr>
+          <a:lstStyle/>
+          <a:p>
+            <a:r>
+              <a:rPr lang="en-GB" dirty="0" smtClean="0">
+                <a:solidFill>
+                  <a:srgbClr val="FF0000"/>
+                </a:solidFill>
+              </a:rPr>
+              <a:t>Categorise, flatten . . </a:t>
+            </a:r>
+            <a:r>
+              <a:rPr lang="en-GB" smtClean="0">
+                <a:solidFill>
+                  <a:srgbClr val="FF0000"/>
+                </a:solidFill>
+              </a:rPr>
+              <a:t>. </a:t>
+            </a:r>
+            <a:endParaRPr lang="en-GB" dirty="0">
+              <a:solidFill>
+                <a:srgbClr val="FF0000"/>
+              </a:solidFill>
+            </a:endParaRPr>
+          </a:p>
+        </p:txBody>
+      </p:sp>
+      <p:sp>
+        <p:nvSpPr>
+          <p:cNvPr id="44" name="Oval 43"/>
+          <p:cNvSpPr/>
+          <p:nvPr/>
+        </p:nvSpPr>
+        <p:spPr>
+          <a:xfrm>
+            <a:off x="6990861" y="1154560"/>
+            <a:ext cx="1375833" cy="455877"/>
+          </a:xfrm>
+          <a:prstGeom prst="ellipse">
+            <a:avLst/>
+          </a:prstGeom>
+          <a:noFill/>
+          <a:ln>
+            <a:solidFill>
+              <a:srgbClr val="FF0000"/>
+            </a:solidFill>
+          </a:ln>
+        </p:spPr>
+        <p:style>
+          <a:lnRef idx="2">
+            <a:schemeClr val="accent1">
+              <a:shade val="50000"/>
+            </a:schemeClr>
+          </a:lnRef>
+          <a:fillRef idx="1">
+            <a:schemeClr val="accent1"/>
+          </a:fillRef>
+          <a:effectRef idx="0">
+            <a:schemeClr val="accent1"/>
+          </a:effectRef>
+          <a:fontRef idx="minor">
+            <a:schemeClr val="lt1"/>
+          </a:fontRef>
+        </p:style>
+        <p:txBody>
+          <a:bodyPr rtlCol="0" anchor="ctr"/>
+          <a:lstStyle/>
+          <a:p>
+            <a:pPr algn="ctr"/>
+            <a:endParaRPr lang="en-GB"/>
+          </a:p>
+        </p:txBody>
+      </p:sp>
     </p:spTree>
     <p:extLst>
       <p:ext uri="{BB962C8B-B14F-4D97-AF65-F5344CB8AC3E}">
@@ -6920,7 +7410,7 @@
           <a:lstStyle/>
           <a:p>
             <a:r>
-              <a:rPr lang="en-GB" dirty="0" smtClean="0"/>
+              <a:rPr lang="en-GB" smtClean="0"/>
               <a:t>Microdata (individuals)</a:t>
             </a:r>
             <a:endParaRPr lang="en-GB" dirty="0"/>
@@ -6936,13 +7426,13 @@
           <p:nvPr>
             <p:extLst>
               <p:ext uri="{D42A27DB-BD31-4B8C-83A1-F6EECF244321}">
-                <p14:modId xmlns:p14="http://schemas.microsoft.com/office/powerpoint/2010/main" val="1302120741"/>
+                <p14:modId xmlns:p14="http://schemas.microsoft.com/office/powerpoint/2010/main" val="1688581025"/>
               </p:ext>
             </p:extLst>
           </p:nvPr>
         </p:nvGraphicFramePr>
         <p:xfrm>
-          <a:off x="6430433" y="945047"/>
+          <a:off x="6661660" y="945047"/>
           <a:ext cx="4055180" cy="1152500"/>
         </p:xfrm>
         <a:graphic>
@@ -7363,14 +7853,14 @@
           <p:nvPr>
             <p:extLst>
               <p:ext uri="{D42A27DB-BD31-4B8C-83A1-F6EECF244321}">
-                <p14:modId xmlns:p14="http://schemas.microsoft.com/office/powerpoint/2010/main" val="1270960116"/>
+                <p14:modId xmlns:p14="http://schemas.microsoft.com/office/powerpoint/2010/main" val="635717315"/>
               </p:ext>
             </p:extLst>
           </p:nvPr>
         </p:nvGraphicFramePr>
         <p:xfrm>
-          <a:off x="783355" y="1274587"/>
-          <a:ext cx="3933730" cy="1645920"/>
+          <a:off x="1129882" y="698337"/>
+          <a:ext cx="3933730" cy="1920240"/>
         </p:xfrm>
         <a:graphic>
           <a:graphicData uri="http://schemas.openxmlformats.org/drawingml/2006/table">
@@ -7955,10 +8445,614 @@
                   <a:tcPr/>
                 </a:tc>
               </a:tr>
+              <a:tr h="150879">
+                <a:tc>
+                  <a:txBody>
+                    <a:bodyPr/>
+                    <a:lstStyle/>
+                    <a:p>
+                      <a:pPr algn="ctr"/>
+                      <a:r>
+                        <a:rPr lang="en-GB" sz="1200" dirty="0" smtClean="0">
+                          <a:solidFill>
+                            <a:schemeClr val="bg1"/>
+                          </a:solidFill>
+                        </a:rPr>
+                        <a:t>5</a:t>
+                      </a:r>
+                      <a:endParaRPr lang="en-GB" sz="1200" dirty="0">
+                        <a:solidFill>
+                          <a:schemeClr val="bg1"/>
+                        </a:solidFill>
+                      </a:endParaRPr>
+                    </a:p>
+                  </a:txBody>
+                  <a:tcPr>
+                    <a:solidFill>
+                      <a:srgbClr val="92D050"/>
+                    </a:solidFill>
+                  </a:tcPr>
+                </a:tc>
+                <a:tc>
+                  <a:txBody>
+                    <a:bodyPr/>
+                    <a:lstStyle/>
+                    <a:p>
+                      <a:pPr algn="ctr"/>
+                      <a:r>
+                        <a:rPr lang="en-GB" sz="1200" dirty="0" smtClean="0"/>
+                        <a:t>2</a:t>
+                      </a:r>
+                      <a:endParaRPr lang="en-GB" sz="1200" dirty="0"/>
+                    </a:p>
+                  </a:txBody>
+                  <a:tcPr>
+                    <a:solidFill>
+                      <a:srgbClr val="92D050"/>
+                    </a:solidFill>
+                  </a:tcPr>
+                </a:tc>
+                <a:tc>
+                  <a:txBody>
+                    <a:bodyPr/>
+                    <a:lstStyle/>
+                    <a:p>
+                      <a:pPr algn="ctr"/>
+                      <a:r>
+                        <a:rPr lang="en-GB" sz="1200" dirty="0" smtClean="0"/>
+                        <a:t>3</a:t>
+                      </a:r>
+                      <a:endParaRPr lang="en-GB" sz="1200" dirty="0"/>
+                    </a:p>
+                  </a:txBody>
+                  <a:tcPr>
+                    <a:solidFill>
+                      <a:srgbClr val="92D050"/>
+                    </a:solidFill>
+                  </a:tcPr>
+                </a:tc>
+                <a:tc>
+                  <a:txBody>
+                    <a:bodyPr/>
+                    <a:lstStyle/>
+                    <a:p>
+                      <a:pPr algn="ctr"/>
+                      <a:r>
+                        <a:rPr lang="en-GB" sz="1200" dirty="0" smtClean="0"/>
+                        <a:t>3</a:t>
+                      </a:r>
+                      <a:endParaRPr lang="en-GB" sz="1200" dirty="0"/>
+                    </a:p>
+                  </a:txBody>
+                  <a:tcPr>
+                    <a:solidFill>
+                      <a:srgbClr val="92D050"/>
+                    </a:solidFill>
+                  </a:tcPr>
+                </a:tc>
+                <a:tc>
+                  <a:txBody>
+                    <a:bodyPr/>
+                    <a:lstStyle/>
+                    <a:p>
+                      <a:pPr algn="ctr"/>
+                      <a:r>
+                        <a:rPr lang="en-GB" sz="1200" dirty="0" smtClean="0"/>
+                        <a:t>2</a:t>
+                      </a:r>
+                      <a:endParaRPr lang="en-GB" sz="1200" dirty="0"/>
+                    </a:p>
+                  </a:txBody>
+                  <a:tcPr>
+                    <a:solidFill>
+                      <a:srgbClr val="92D050"/>
+                    </a:solidFill>
+                  </a:tcPr>
+                </a:tc>
+              </a:tr>
             </a:tbl>
           </a:graphicData>
         </a:graphic>
       </p:graphicFrame>
+      <p:sp>
+        <p:nvSpPr>
+          <p:cNvPr id="6" name="TextBox 5"/>
+          <p:cNvSpPr txBox="1"/>
+          <p:nvPr/>
+        </p:nvSpPr>
+        <p:spPr>
+          <a:xfrm>
+            <a:off x="1221769" y="2853036"/>
+            <a:ext cx="4153085" cy="646331"/>
+          </a:xfrm>
+          <a:prstGeom prst="rect">
+            <a:avLst/>
+          </a:prstGeom>
+          <a:noFill/>
+        </p:spPr>
+        <p:txBody>
+          <a:bodyPr wrap="square" rtlCol="0">
+            <a:spAutoFit/>
+          </a:bodyPr>
+          <a:lstStyle/>
+          <a:p>
+            <a:r>
+              <a:rPr lang="en-GB"/>
+              <a:t>5 individuals, 4 variables (2 x 2 categories)</a:t>
+            </a:r>
+          </a:p>
+          <a:p>
+            <a:endParaRPr lang="en-GB" dirty="0"/>
+          </a:p>
+        </p:txBody>
+      </p:sp>
+      <p:sp>
+        <p:nvSpPr>
+          <p:cNvPr id="7" name="TextBox 6"/>
+          <p:cNvSpPr txBox="1"/>
+          <p:nvPr/>
+        </p:nvSpPr>
+        <p:spPr>
+          <a:xfrm>
+            <a:off x="6751398" y="2832245"/>
+            <a:ext cx="3965442" cy="369332"/>
+          </a:xfrm>
+          <a:prstGeom prst="rect">
+            <a:avLst/>
+          </a:prstGeom>
+          <a:noFill/>
+        </p:spPr>
+        <p:txBody>
+          <a:bodyPr wrap="square" rtlCol="0">
+            <a:spAutoFit/>
+          </a:bodyPr>
+          <a:lstStyle/>
+          <a:p>
+            <a:r>
+              <a:rPr lang="en-GB" dirty="0" smtClean="0"/>
+              <a:t>3 zones, 4 variables (2 x 2 categories)</a:t>
+            </a:r>
+            <a:endParaRPr lang="en-GB" dirty="0"/>
+          </a:p>
+        </p:txBody>
+      </p:sp>
+      <p:sp>
+        <p:nvSpPr>
+          <p:cNvPr id="8" name="Oval 7"/>
+          <p:cNvSpPr/>
+          <p:nvPr/>
+        </p:nvSpPr>
+        <p:spPr>
+          <a:xfrm>
+            <a:off x="996487" y="2205583"/>
+            <a:ext cx="4120114" cy="606993"/>
+          </a:xfrm>
+          <a:prstGeom prst="ellipse">
+            <a:avLst/>
+          </a:prstGeom>
+          <a:noFill/>
+          <a:ln>
+            <a:solidFill>
+              <a:srgbClr val="FF0000"/>
+            </a:solidFill>
+          </a:ln>
+        </p:spPr>
+        <p:style>
+          <a:lnRef idx="2">
+            <a:schemeClr val="accent1">
+              <a:shade val="50000"/>
+            </a:schemeClr>
+          </a:lnRef>
+          <a:fillRef idx="1">
+            <a:schemeClr val="accent1"/>
+          </a:fillRef>
+          <a:effectRef idx="0">
+            <a:schemeClr val="accent1"/>
+          </a:effectRef>
+          <a:fontRef idx="minor">
+            <a:schemeClr val="lt1"/>
+          </a:fontRef>
+        </p:style>
+        <p:txBody>
+          <a:bodyPr rtlCol="0" anchor="ctr"/>
+          <a:lstStyle/>
+          <a:p>
+            <a:pPr algn="ctr"/>
+            <a:endParaRPr lang="en-GB"/>
+          </a:p>
+        </p:txBody>
+      </p:sp>
+      <p:graphicFrame>
+        <p:nvGraphicFramePr>
+          <p:cNvPr id="9" name="Table 8"/>
+          <p:cNvGraphicFramePr>
+            <a:graphicFrameLocks noGrp="1"/>
+          </p:cNvGraphicFramePr>
+          <p:nvPr>
+            <p:extLst>
+              <p:ext uri="{D42A27DB-BD31-4B8C-83A1-F6EECF244321}">
+                <p14:modId xmlns:p14="http://schemas.microsoft.com/office/powerpoint/2010/main" val="923864315"/>
+              </p:ext>
+            </p:extLst>
+          </p:nvPr>
+        </p:nvGraphicFramePr>
+        <p:xfrm>
+          <a:off x="1221769" y="3478576"/>
+          <a:ext cx="3550722" cy="548640"/>
+        </p:xfrm>
+        <a:graphic>
+          <a:graphicData uri="http://schemas.openxmlformats.org/drawingml/2006/table">
+            <a:tbl>
+              <a:tblPr firstRow="1" bandRow="1">
+                <a:tableStyleId>{5C22544A-7EE6-4342-B048-85BDC9FD1C3A}</a:tableStyleId>
+              </a:tblPr>
+              <a:tblGrid>
+                <a:gridCol w="1009570"/>
+                <a:gridCol w="948267"/>
+                <a:gridCol w="812800"/>
+                <a:gridCol w="780085"/>
+              </a:tblGrid>
+              <a:tr h="150879">
+                <a:tc>
+                  <a:txBody>
+                    <a:bodyPr/>
+                    <a:lstStyle/>
+                    <a:p>
+                      <a:r>
+                        <a:rPr lang="en-GB" sz="1200" dirty="0" smtClean="0">
+                          <a:solidFill>
+                            <a:schemeClr val="bg1"/>
+                          </a:solidFill>
+                        </a:rPr>
+                        <a:t>ind$age0_49</a:t>
+                      </a:r>
+                      <a:endParaRPr lang="en-GB" sz="1200" dirty="0">
+                        <a:solidFill>
+                          <a:schemeClr val="bg1"/>
+                        </a:solidFill>
+                      </a:endParaRPr>
+                    </a:p>
+                  </a:txBody>
+                  <a:tcPr>
+                    <a:solidFill>
+                      <a:srgbClr val="4372C4"/>
+                    </a:solidFill>
+                  </a:tcPr>
+                </a:tc>
+                <a:tc>
+                  <a:txBody>
+                    <a:bodyPr/>
+                    <a:lstStyle/>
+                    <a:p>
+                      <a:r>
+                        <a:rPr lang="en-GB" sz="1200" dirty="0" smtClean="0">
+                          <a:solidFill>
+                            <a:schemeClr val="bg1"/>
+                          </a:solidFill>
+                        </a:rPr>
+                        <a:t>ind$age50+</a:t>
+                      </a:r>
+                      <a:endParaRPr lang="en-GB" sz="1200" dirty="0">
+                        <a:solidFill>
+                          <a:schemeClr val="bg1"/>
+                        </a:solidFill>
+                      </a:endParaRPr>
+                    </a:p>
+                  </a:txBody>
+                  <a:tcPr>
+                    <a:solidFill>
+                      <a:srgbClr val="4372C4"/>
+                    </a:solidFill>
+                  </a:tcPr>
+                </a:tc>
+                <a:tc>
+                  <a:txBody>
+                    <a:bodyPr/>
+                    <a:lstStyle/>
+                    <a:p>
+                      <a:r>
+                        <a:rPr lang="en-GB" sz="1200" dirty="0" err="1" smtClean="0">
+                          <a:solidFill>
+                            <a:schemeClr val="bg1"/>
+                          </a:solidFill>
+                        </a:rPr>
+                        <a:t>ind$sexm</a:t>
+                      </a:r>
+                      <a:endParaRPr lang="en-GB" sz="1200" dirty="0">
+                        <a:solidFill>
+                          <a:schemeClr val="bg1"/>
+                        </a:solidFill>
+                      </a:endParaRPr>
+                    </a:p>
+                  </a:txBody>
+                  <a:tcPr>
+                    <a:solidFill>
+                      <a:srgbClr val="4372C4"/>
+                    </a:solidFill>
+                  </a:tcPr>
+                </a:tc>
+                <a:tc>
+                  <a:txBody>
+                    <a:bodyPr/>
+                    <a:lstStyle/>
+                    <a:p>
+                      <a:r>
+                        <a:rPr lang="en-GB" sz="1200" dirty="0" err="1" smtClean="0">
+                          <a:solidFill>
+                            <a:schemeClr val="bg1"/>
+                          </a:solidFill>
+                        </a:rPr>
+                        <a:t>ind$sexf</a:t>
+                      </a:r>
+                      <a:endParaRPr lang="en-GB" sz="1200" dirty="0">
+                        <a:solidFill>
+                          <a:schemeClr val="bg1"/>
+                        </a:solidFill>
+                      </a:endParaRPr>
+                    </a:p>
+                  </a:txBody>
+                  <a:tcPr>
+                    <a:solidFill>
+                      <a:srgbClr val="4372C4"/>
+                    </a:solidFill>
+                  </a:tcPr>
+                </a:tc>
+              </a:tr>
+              <a:tr h="150879">
+                <a:tc>
+                  <a:txBody>
+                    <a:bodyPr/>
+                    <a:lstStyle/>
+                    <a:p>
+                      <a:pPr algn="ctr"/>
+                      <a:r>
+                        <a:rPr lang="en-GB" sz="1200" dirty="0" smtClean="0"/>
+                        <a:t>2</a:t>
+                      </a:r>
+                      <a:endParaRPr lang="en-GB" sz="1200" dirty="0"/>
+                    </a:p>
+                  </a:txBody>
+                  <a:tcPr>
+                    <a:solidFill>
+                      <a:srgbClr val="92D050"/>
+                    </a:solidFill>
+                  </a:tcPr>
+                </a:tc>
+                <a:tc>
+                  <a:txBody>
+                    <a:bodyPr/>
+                    <a:lstStyle/>
+                    <a:p>
+                      <a:pPr algn="ctr"/>
+                      <a:r>
+                        <a:rPr lang="en-GB" sz="1200" dirty="0" smtClean="0"/>
+                        <a:t>3</a:t>
+                      </a:r>
+                      <a:endParaRPr lang="en-GB" sz="1200" dirty="0"/>
+                    </a:p>
+                  </a:txBody>
+                  <a:tcPr>
+                    <a:solidFill>
+                      <a:srgbClr val="92D050"/>
+                    </a:solidFill>
+                  </a:tcPr>
+                </a:tc>
+                <a:tc>
+                  <a:txBody>
+                    <a:bodyPr/>
+                    <a:lstStyle/>
+                    <a:p>
+                      <a:pPr algn="ctr"/>
+                      <a:r>
+                        <a:rPr lang="en-GB" sz="1200" dirty="0" smtClean="0"/>
+                        <a:t>3</a:t>
+                      </a:r>
+                      <a:endParaRPr lang="en-GB" sz="1200" dirty="0"/>
+                    </a:p>
+                  </a:txBody>
+                  <a:tcPr>
+                    <a:solidFill>
+                      <a:srgbClr val="92D050"/>
+                    </a:solidFill>
+                  </a:tcPr>
+                </a:tc>
+                <a:tc>
+                  <a:txBody>
+                    <a:bodyPr/>
+                    <a:lstStyle/>
+                    <a:p>
+                      <a:pPr algn="ctr"/>
+                      <a:r>
+                        <a:rPr lang="en-GB" sz="1200" dirty="0" smtClean="0"/>
+                        <a:t>2</a:t>
+                      </a:r>
+                      <a:endParaRPr lang="en-GB" sz="1200" dirty="0"/>
+                    </a:p>
+                  </a:txBody>
+                  <a:tcPr>
+                    <a:solidFill>
+                      <a:srgbClr val="92D050"/>
+                    </a:solidFill>
+                  </a:tcPr>
+                </a:tc>
+              </a:tr>
+            </a:tbl>
+          </a:graphicData>
+        </a:graphic>
+      </p:graphicFrame>
+      <p:sp>
+        <p:nvSpPr>
+          <p:cNvPr id="2" name="Curved Right Arrow 1"/>
+          <p:cNvSpPr/>
+          <p:nvPr/>
+        </p:nvSpPr>
+        <p:spPr>
+          <a:xfrm>
+            <a:off x="670035" y="2455184"/>
+            <a:ext cx="349410" cy="1347987"/>
+          </a:xfrm>
+          <a:prstGeom prst="curvedRightArrow">
+            <a:avLst/>
+          </a:prstGeom>
+        </p:spPr>
+        <p:style>
+          <a:lnRef idx="2">
+            <a:schemeClr val="accent1">
+              <a:shade val="50000"/>
+            </a:schemeClr>
+          </a:lnRef>
+          <a:fillRef idx="1">
+            <a:schemeClr val="accent1"/>
+          </a:fillRef>
+          <a:effectRef idx="0">
+            <a:schemeClr val="accent1"/>
+          </a:effectRef>
+          <a:fontRef idx="minor">
+            <a:schemeClr val="lt1"/>
+          </a:fontRef>
+        </p:style>
+        <p:txBody>
+          <a:bodyPr rtlCol="0" anchor="ctr"/>
+          <a:lstStyle/>
+          <a:p>
+            <a:pPr algn="ctr"/>
+            <a:endParaRPr lang="en-GB">
+              <a:solidFill>
+                <a:schemeClr val="tx1"/>
+              </a:solidFill>
+            </a:endParaRPr>
+          </a:p>
+        </p:txBody>
+      </p:sp>
+      <p:sp>
+        <p:nvSpPr>
+          <p:cNvPr id="11" name="TextBox 10"/>
+          <p:cNvSpPr txBox="1"/>
+          <p:nvPr/>
+        </p:nvSpPr>
+        <p:spPr>
+          <a:xfrm>
+            <a:off x="1221768" y="4063195"/>
+            <a:ext cx="4153085" cy="646331"/>
+          </a:xfrm>
+          <a:prstGeom prst="rect">
+            <a:avLst/>
+          </a:prstGeom>
+          <a:noFill/>
+        </p:spPr>
+        <p:txBody>
+          <a:bodyPr wrap="square" rtlCol="0">
+            <a:spAutoFit/>
+          </a:bodyPr>
+          <a:lstStyle/>
+          <a:p>
+            <a:r>
+              <a:rPr lang="en-GB">
+                <a:latin typeface="Consolas" charset="0"/>
+                <a:ea typeface="Consolas" charset="0"/>
+                <a:cs typeface="Consolas" charset="0"/>
+              </a:rPr>
+              <a:t>i</a:t>
+            </a:r>
+            <a:r>
+              <a:rPr lang="en-GB" smtClean="0">
+                <a:latin typeface="Consolas" charset="0"/>
+                <a:ea typeface="Consolas" charset="0"/>
+                <a:cs typeface="Consolas" charset="0"/>
+              </a:rPr>
+              <a:t>nd_agg</a:t>
+            </a:r>
+            <a:endParaRPr lang="en-GB" dirty="0">
+              <a:latin typeface="Consolas" charset="0"/>
+              <a:ea typeface="Consolas" charset="0"/>
+              <a:cs typeface="Consolas" charset="0"/>
+            </a:endParaRPr>
+          </a:p>
+          <a:p>
+            <a:endParaRPr lang="en-GB" dirty="0">
+              <a:latin typeface="Consolas" charset="0"/>
+              <a:ea typeface="Consolas" charset="0"/>
+              <a:cs typeface="Consolas" charset="0"/>
+            </a:endParaRPr>
+          </a:p>
+        </p:txBody>
+      </p:sp>
+      <p:sp>
+        <p:nvSpPr>
+          <p:cNvPr id="12" name="TextBox 11"/>
+          <p:cNvSpPr txBox="1"/>
+          <p:nvPr/>
+        </p:nvSpPr>
+        <p:spPr>
+          <a:xfrm>
+            <a:off x="4048788" y="287611"/>
+            <a:ext cx="4153085" cy="369332"/>
+          </a:xfrm>
+          <a:prstGeom prst="rect">
+            <a:avLst/>
+          </a:prstGeom>
+          <a:noFill/>
+        </p:spPr>
+        <p:txBody>
+          <a:bodyPr wrap="square" rtlCol="0">
+            <a:spAutoFit/>
+          </a:bodyPr>
+          <a:lstStyle/>
+          <a:p>
+            <a:r>
+              <a:rPr lang="en-GB" dirty="0" err="1" smtClean="0">
+                <a:latin typeface="Consolas" charset="0"/>
+                <a:ea typeface="Consolas" charset="0"/>
+                <a:cs typeface="Consolas" charset="0"/>
+              </a:rPr>
+              <a:t>ind_cat</a:t>
+            </a:r>
+            <a:endParaRPr lang="en-GB" dirty="0">
+              <a:latin typeface="Consolas" charset="0"/>
+              <a:ea typeface="Consolas" charset="0"/>
+              <a:cs typeface="Consolas" charset="0"/>
+            </a:endParaRPr>
+          </a:p>
+        </p:txBody>
+      </p:sp>
+      <p:sp>
+        <p:nvSpPr>
+          <p:cNvPr id="13" name="TextBox 12"/>
+          <p:cNvSpPr txBox="1"/>
+          <p:nvPr/>
+        </p:nvSpPr>
+        <p:spPr>
+          <a:xfrm>
+            <a:off x="6612707" y="513671"/>
+            <a:ext cx="4153085" cy="369332"/>
+          </a:xfrm>
+          <a:prstGeom prst="rect">
+            <a:avLst/>
+          </a:prstGeom>
+          <a:noFill/>
+        </p:spPr>
+        <p:txBody>
+          <a:bodyPr wrap="square" rtlCol="0">
+            <a:spAutoFit/>
+          </a:bodyPr>
+          <a:lstStyle/>
+          <a:p>
+            <a:r>
+              <a:rPr lang="en-GB" dirty="0" smtClean="0">
+                <a:latin typeface="Consolas" charset="0"/>
+                <a:ea typeface="Consolas" charset="0"/>
+                <a:cs typeface="Consolas" charset="0"/>
+              </a:rPr>
+              <a:t>cons</a:t>
+            </a:r>
+            <a:endParaRPr lang="en-GB" dirty="0">
+              <a:latin typeface="Consolas" charset="0"/>
+              <a:ea typeface="Consolas" charset="0"/>
+              <a:cs typeface="Consolas" charset="0"/>
+            </a:endParaRPr>
+          </a:p>
+        </p:txBody>
+      </p:sp>
     </p:spTree>
     <p:extLst>
       <p:ext uri="{BB962C8B-B14F-4D97-AF65-F5344CB8AC3E}">

--- a/SpatialMicrosim.pptx
+++ b/SpatialMicrosim.pptx
@@ -206,7 +206,7 @@
           <a:p>
             <a:fld id="{AED39172-2D21-7C4C-B63A-BE9E1135FD54}" type="datetimeFigureOut">
               <a:rPr lang="en-GB" smtClean="0"/>
-              <a:t>20/10/2017</a:t>
+              <a:t>23/10/2017</a:t>
             </a:fld>
             <a:endParaRPr lang="en-GB"/>
           </a:p>
@@ -1277,7 +1277,7 @@
           <a:p>
             <a:fld id="{F7523C3A-BD22-D44B-9DA8-98CDBECAA984}" type="datetimeFigureOut">
               <a:rPr lang="en-GB" smtClean="0"/>
-              <a:t>20/10/2017</a:t>
+              <a:t>23/10/2017</a:t>
             </a:fld>
             <a:endParaRPr lang="en-GB"/>
           </a:p>
@@ -1447,7 +1447,7 @@
           <a:p>
             <a:fld id="{F7523C3A-BD22-D44B-9DA8-98CDBECAA984}" type="datetimeFigureOut">
               <a:rPr lang="en-GB" smtClean="0"/>
-              <a:t>20/10/2017</a:t>
+              <a:t>23/10/2017</a:t>
             </a:fld>
             <a:endParaRPr lang="en-GB"/>
           </a:p>
@@ -1627,7 +1627,7 @@
           <a:p>
             <a:fld id="{F7523C3A-BD22-D44B-9DA8-98CDBECAA984}" type="datetimeFigureOut">
               <a:rPr lang="en-GB" smtClean="0"/>
-              <a:t>20/10/2017</a:t>
+              <a:t>23/10/2017</a:t>
             </a:fld>
             <a:endParaRPr lang="en-GB"/>
           </a:p>
@@ -1797,7 +1797,7 @@
           <a:p>
             <a:fld id="{F7523C3A-BD22-D44B-9DA8-98CDBECAA984}" type="datetimeFigureOut">
               <a:rPr lang="en-GB" smtClean="0"/>
-              <a:t>20/10/2017</a:t>
+              <a:t>23/10/2017</a:t>
             </a:fld>
             <a:endParaRPr lang="en-GB"/>
           </a:p>
@@ -2043,7 +2043,7 @@
           <a:p>
             <a:fld id="{F7523C3A-BD22-D44B-9DA8-98CDBECAA984}" type="datetimeFigureOut">
               <a:rPr lang="en-GB" smtClean="0"/>
-              <a:t>20/10/2017</a:t>
+              <a:t>23/10/2017</a:t>
             </a:fld>
             <a:endParaRPr lang="en-GB"/>
           </a:p>
@@ -2275,7 +2275,7 @@
           <a:p>
             <a:fld id="{F7523C3A-BD22-D44B-9DA8-98CDBECAA984}" type="datetimeFigureOut">
               <a:rPr lang="en-GB" smtClean="0"/>
-              <a:t>20/10/2017</a:t>
+              <a:t>23/10/2017</a:t>
             </a:fld>
             <a:endParaRPr lang="en-GB"/>
           </a:p>
@@ -2642,7 +2642,7 @@
           <a:p>
             <a:fld id="{F7523C3A-BD22-D44B-9DA8-98CDBECAA984}" type="datetimeFigureOut">
               <a:rPr lang="en-GB" smtClean="0"/>
-              <a:t>20/10/2017</a:t>
+              <a:t>23/10/2017</a:t>
             </a:fld>
             <a:endParaRPr lang="en-GB"/>
           </a:p>
@@ -2760,7 +2760,7 @@
           <a:p>
             <a:fld id="{F7523C3A-BD22-D44B-9DA8-98CDBECAA984}" type="datetimeFigureOut">
               <a:rPr lang="en-GB" smtClean="0"/>
-              <a:t>20/10/2017</a:t>
+              <a:t>23/10/2017</a:t>
             </a:fld>
             <a:endParaRPr lang="en-GB"/>
           </a:p>
@@ -2855,7 +2855,7 @@
           <a:p>
             <a:fld id="{F7523C3A-BD22-D44B-9DA8-98CDBECAA984}" type="datetimeFigureOut">
               <a:rPr lang="en-GB" smtClean="0"/>
-              <a:t>20/10/2017</a:t>
+              <a:t>23/10/2017</a:t>
             </a:fld>
             <a:endParaRPr lang="en-GB"/>
           </a:p>
@@ -3132,7 +3132,7 @@
           <a:p>
             <a:fld id="{F7523C3A-BD22-D44B-9DA8-98CDBECAA984}" type="datetimeFigureOut">
               <a:rPr lang="en-GB" smtClean="0"/>
-              <a:t>20/10/2017</a:t>
+              <a:t>23/10/2017</a:t>
             </a:fld>
             <a:endParaRPr lang="en-GB"/>
           </a:p>
@@ -3385,7 +3385,7 @@
           <a:p>
             <a:fld id="{F7523C3A-BD22-D44B-9DA8-98CDBECAA984}" type="datetimeFigureOut">
               <a:rPr lang="en-GB" smtClean="0"/>
-              <a:t>20/10/2017</a:t>
+              <a:t>23/10/2017</a:t>
             </a:fld>
             <a:endParaRPr lang="en-GB"/>
           </a:p>
@@ -3598,7 +3598,7 @@
           <a:p>
             <a:fld id="{F7523C3A-BD22-D44B-9DA8-98CDBECAA984}" type="datetimeFigureOut">
               <a:rPr lang="en-GB" smtClean="0"/>
-              <a:t>20/10/2017</a:t>
+              <a:t>23/10/2017</a:t>
             </a:fld>
             <a:endParaRPr lang="en-GB"/>
           </a:p>
@@ -8033,15 +8033,7 @@
                   <a:srgbClr val="FF0000"/>
                 </a:solidFill>
               </a:rPr>
-              <a:t>Check zone ordering, combine </a:t>
-            </a:r>
-            <a:r>
-              <a:rPr lang="en-GB" dirty="0" smtClean="0">
-                <a:solidFill>
-                  <a:srgbClr val="FF0000"/>
-                </a:solidFill>
-              </a:rPr>
-              <a:t>. . . </a:t>
+              <a:t>Check zone ordering, combine . . . </a:t>
             </a:r>
             <a:endParaRPr lang="en-GB" dirty="0">
               <a:solidFill>
@@ -15021,7 +15013,7 @@
           <p:nvPr>
             <p:extLst>
               <p:ext uri="{D42A27DB-BD31-4B8C-83A1-F6EECF244321}">
-                <p14:modId xmlns:p14="http://schemas.microsoft.com/office/powerpoint/2010/main" val="1605338134"/>
+                <p14:modId xmlns:p14="http://schemas.microsoft.com/office/powerpoint/2010/main" val="1877472159"/>
               </p:ext>
             </p:extLst>
           </p:nvPr>
@@ -15414,14 +15406,14 @@
                       <a:r>
                         <a:rPr lang="en-GB" sz="1200" dirty="0" smtClean="0">
                           <a:solidFill>
-                            <a:srgbClr val="FF0000"/>
+                            <a:schemeClr val="tx1"/>
                           </a:solidFill>
                         </a:rPr>
                         <a:t>0</a:t>
                       </a:r>
                       <a:endParaRPr lang="en-GB" sz="1200" dirty="0">
                         <a:solidFill>
-                          <a:srgbClr val="FF0000"/>
+                          <a:schemeClr val="tx1"/>
                         </a:solidFill>
                       </a:endParaRPr>
                     </a:p>
@@ -15509,10 +15501,18 @@
                     <a:p>
                       <a:pPr algn="ctr"/>
                       <a:r>
-                        <a:rPr lang="en-GB" sz="1200" dirty="0" smtClean="0"/>
+                        <a:rPr lang="en-GB" sz="1200" dirty="0" smtClean="0">
+                          <a:solidFill>
+                            <a:srgbClr val="FF0000"/>
+                          </a:solidFill>
+                        </a:rPr>
                         <a:t>1</a:t>
                       </a:r>
-                      <a:endParaRPr lang="en-GB" sz="1200" dirty="0"/>
+                      <a:endParaRPr lang="en-GB" sz="1200" dirty="0">
+                        <a:solidFill>
+                          <a:srgbClr val="FF0000"/>
+                        </a:solidFill>
+                      </a:endParaRPr>
                     </a:p>
                   </a:txBody>
                   <a:tcPr/>
@@ -15598,10 +15598,18 @@
                     <a:p>
                       <a:pPr algn="ctr"/>
                       <a:r>
-                        <a:rPr lang="en-GB" sz="1200" dirty="0" smtClean="0"/>
+                        <a:rPr lang="en-GB" sz="1200" dirty="0" smtClean="0">
+                          <a:solidFill>
+                            <a:schemeClr val="tx1"/>
+                          </a:solidFill>
+                        </a:rPr>
                         <a:t>0</a:t>
                       </a:r>
-                      <a:endParaRPr lang="en-GB" sz="1200" dirty="0"/>
+                      <a:endParaRPr lang="en-GB" sz="1200" dirty="0">
+                        <a:solidFill>
+                          <a:schemeClr val="tx1"/>
+                        </a:solidFill>
+                      </a:endParaRPr>
                     </a:p>
                   </a:txBody>
                   <a:tcPr/>
